--- a/Chapter20/chapter20.pptx
+++ b/Chapter20/chapter20.pptx
@@ -6,12 +6,25 @@
   </p:sldMasterIdLst>
   <p:sldIdLst>
     <p:sldId id="256" r:id="rId2"/>
-    <p:sldId id="258" r:id="rId3"/>
-    <p:sldId id="257" r:id="rId4"/>
-    <p:sldId id="259" r:id="rId5"/>
-    <p:sldId id="260" r:id="rId6"/>
-    <p:sldId id="261" r:id="rId7"/>
-    <p:sldId id="262" r:id="rId8"/>
+    <p:sldId id="263" r:id="rId3"/>
+    <p:sldId id="265" r:id="rId4"/>
+    <p:sldId id="266" r:id="rId5"/>
+    <p:sldId id="264" r:id="rId6"/>
+    <p:sldId id="269" r:id="rId7"/>
+    <p:sldId id="267" r:id="rId8"/>
+    <p:sldId id="270" r:id="rId9"/>
+    <p:sldId id="271" r:id="rId10"/>
+    <p:sldId id="272" r:id="rId11"/>
+    <p:sldId id="273" r:id="rId12"/>
+    <p:sldId id="274" r:id="rId13"/>
+    <p:sldId id="268" r:id="rId14"/>
+    <p:sldId id="275" r:id="rId15"/>
+    <p:sldId id="276" r:id="rId16"/>
+    <p:sldId id="258" r:id="rId17"/>
+    <p:sldId id="259" r:id="rId18"/>
+    <p:sldId id="260" r:id="rId19"/>
+    <p:sldId id="261" r:id="rId20"/>
+    <p:sldId id="262" r:id="rId21"/>
   </p:sldIdLst>
   <p:sldSz cx="12192000" cy="6858000"/>
   <p:notesSz cx="6858000" cy="9144000"/>
@@ -110,6 +123,11 @@
       </a:defRPr>
     </a:lvl9pPr>
   </p:defaultTextStyle>
+  <p:extLst>
+    <p:ext uri="{EFAFB233-063F-42B5-8137-9DF3F51BA10A}">
+      <p15:sldGuideLst xmlns:p15="http://schemas.microsoft.com/office/powerpoint/2012/main"/>
+    </p:ext>
+  </p:extLst>
 </p:presentation>
 </file>
 
@@ -244,7 +262,7 @@
           <a:p>
             <a:fld id="{8D285CF4-1CF9-40C7-A7D5-3670380B8B4A}" type="datetimeFigureOut">
               <a:rPr lang="ko-KR" altLang="en-US" smtClean="0"/>
-              <a:t>2017-10-19</a:t>
+              <a:t>2017-10-20</a:t>
             </a:fld>
             <a:endParaRPr lang="ko-KR" altLang="en-US"/>
           </a:p>
@@ -414,7 +432,7 @@
           <a:p>
             <a:fld id="{8D285CF4-1CF9-40C7-A7D5-3670380B8B4A}" type="datetimeFigureOut">
               <a:rPr lang="ko-KR" altLang="en-US" smtClean="0"/>
-              <a:t>2017-10-19</a:t>
+              <a:t>2017-10-20</a:t>
             </a:fld>
             <a:endParaRPr lang="ko-KR" altLang="en-US"/>
           </a:p>
@@ -594,7 +612,7 @@
           <a:p>
             <a:fld id="{8D285CF4-1CF9-40C7-A7D5-3670380B8B4A}" type="datetimeFigureOut">
               <a:rPr lang="ko-KR" altLang="en-US" smtClean="0"/>
-              <a:t>2017-10-19</a:t>
+              <a:t>2017-10-20</a:t>
             </a:fld>
             <a:endParaRPr lang="ko-KR" altLang="en-US"/>
           </a:p>
@@ -764,7 +782,7 @@
           <a:p>
             <a:fld id="{8D285CF4-1CF9-40C7-A7D5-3670380B8B4A}" type="datetimeFigureOut">
               <a:rPr lang="ko-KR" altLang="en-US" smtClean="0"/>
-              <a:t>2017-10-19</a:t>
+              <a:t>2017-10-20</a:t>
             </a:fld>
             <a:endParaRPr lang="ko-KR" altLang="en-US"/>
           </a:p>
@@ -1010,7 +1028,7 @@
           <a:p>
             <a:fld id="{8D285CF4-1CF9-40C7-A7D5-3670380B8B4A}" type="datetimeFigureOut">
               <a:rPr lang="ko-KR" altLang="en-US" smtClean="0"/>
-              <a:t>2017-10-19</a:t>
+              <a:t>2017-10-20</a:t>
             </a:fld>
             <a:endParaRPr lang="ko-KR" altLang="en-US"/>
           </a:p>
@@ -1242,7 +1260,7 @@
           <a:p>
             <a:fld id="{8D285CF4-1CF9-40C7-A7D5-3670380B8B4A}" type="datetimeFigureOut">
               <a:rPr lang="ko-KR" altLang="en-US" smtClean="0"/>
-              <a:t>2017-10-19</a:t>
+              <a:t>2017-10-20</a:t>
             </a:fld>
             <a:endParaRPr lang="ko-KR" altLang="en-US"/>
           </a:p>
@@ -1609,7 +1627,7 @@
           <a:p>
             <a:fld id="{8D285CF4-1CF9-40C7-A7D5-3670380B8B4A}" type="datetimeFigureOut">
               <a:rPr lang="ko-KR" altLang="en-US" smtClean="0"/>
-              <a:t>2017-10-19</a:t>
+              <a:t>2017-10-20</a:t>
             </a:fld>
             <a:endParaRPr lang="ko-KR" altLang="en-US"/>
           </a:p>
@@ -1727,7 +1745,7 @@
           <a:p>
             <a:fld id="{8D285CF4-1CF9-40C7-A7D5-3670380B8B4A}" type="datetimeFigureOut">
               <a:rPr lang="ko-KR" altLang="en-US" smtClean="0"/>
-              <a:t>2017-10-19</a:t>
+              <a:t>2017-10-20</a:t>
             </a:fld>
             <a:endParaRPr lang="ko-KR" altLang="en-US"/>
           </a:p>
@@ -1822,7 +1840,7 @@
           <a:p>
             <a:fld id="{8D285CF4-1CF9-40C7-A7D5-3670380B8B4A}" type="datetimeFigureOut">
               <a:rPr lang="ko-KR" altLang="en-US" smtClean="0"/>
-              <a:t>2017-10-19</a:t>
+              <a:t>2017-10-20</a:t>
             </a:fld>
             <a:endParaRPr lang="ko-KR" altLang="en-US"/>
           </a:p>
@@ -2099,7 +2117,7 @@
           <a:p>
             <a:fld id="{8D285CF4-1CF9-40C7-A7D5-3670380B8B4A}" type="datetimeFigureOut">
               <a:rPr lang="ko-KR" altLang="en-US" smtClean="0"/>
-              <a:t>2017-10-19</a:t>
+              <a:t>2017-10-20</a:t>
             </a:fld>
             <a:endParaRPr lang="ko-KR" altLang="en-US"/>
           </a:p>
@@ -2352,7 +2370,7 @@
           <a:p>
             <a:fld id="{8D285CF4-1CF9-40C7-A7D5-3670380B8B4A}" type="datetimeFigureOut">
               <a:rPr lang="ko-KR" altLang="en-US" smtClean="0"/>
-              <a:t>2017-10-19</a:t>
+              <a:t>2017-10-20</a:t>
             </a:fld>
             <a:endParaRPr lang="ko-KR" altLang="en-US"/>
           </a:p>
@@ -2565,7 +2583,7 @@
           <a:p>
             <a:fld id="{8D285CF4-1CF9-40C7-A7D5-3670380B8B4A}" type="datetimeFigureOut">
               <a:rPr lang="ko-KR" altLang="en-US" smtClean="0"/>
-              <a:t>2017-10-19</a:t>
+              <a:t>2017-10-20</a:t>
             </a:fld>
             <a:endParaRPr lang="ko-KR" altLang="en-US"/>
           </a:p>
@@ -2985,7 +3003,15 @@
           <a:bodyPr/>
           <a:lstStyle/>
           <a:p>
-            <a:endParaRPr lang="ko-KR" altLang="en-US"/>
+            <a:r>
+              <a:rPr lang="en-US" altLang="ko-KR" dirty="0" smtClean="0"/>
+              <a:t>20</a:t>
+            </a:r>
+            <a:r>
+              <a:rPr lang="ko-KR" altLang="en-US" dirty="0" smtClean="0"/>
+              <a:t>장 문자열</a:t>
+            </a:r>
+            <a:endParaRPr lang="ko-KR" altLang="en-US" dirty="0"/>
           </a:p>
         </p:txBody>
       </p:sp>
@@ -3021,7 +3047,7 @@
 </p:sld>
 </file>
 
-<file path=ppt/slides/slide2.xml><?xml version="1.0" encoding="utf-8"?>
+<file path=ppt/slides/slide10.xml><?xml version="1.0" encoding="utf-8"?>
 <p:sld xmlns:a="http://schemas.openxmlformats.org/drawingml/2006/main" xmlns:r="http://schemas.openxmlformats.org/officeDocument/2006/relationships" xmlns:p="http://schemas.openxmlformats.org/presentationml/2006/main">
   <p:cSld>
     <p:spTree>
@@ -3053,7 +3079,19 @@
           <a:bodyPr/>
           <a:lstStyle/>
           <a:p>
-            <a:endParaRPr lang="ko-KR" altLang="en-US"/>
+            <a:r>
+              <a:rPr lang="en-US" altLang="ko-KR" dirty="0"/>
+              <a:t>K M P (Knuth – </a:t>
+            </a:r>
+            <a:r>
+              <a:rPr lang="en-US" altLang="ko-KR" dirty="0" err="1"/>
+              <a:t>Moriss</a:t>
+            </a:r>
+            <a:r>
+              <a:rPr lang="en-US" altLang="ko-KR" dirty="0"/>
+              <a:t> – Prat)</a:t>
+            </a:r>
+            <a:endParaRPr lang="ko-KR" altLang="en-US" dirty="0"/>
           </a:p>
         </p:txBody>
       </p:sp>
@@ -3067,53 +3105,117 @@
             <p:ph idx="1"/>
           </p:nvPr>
         </p:nvSpPr>
-        <p:spPr/>
-        <p:txBody>
-          <a:bodyPr/>
-          <a:lstStyle/>
-          <a:p>
-            <a:r>
-              <a:rPr lang="ko-KR" altLang="en-US" dirty="0" smtClean="0"/>
-              <a:t>예제를 만들기</a:t>
-            </a:r>
-            <a:endParaRPr lang="en-US" altLang="ko-KR" dirty="0" smtClean="0"/>
-          </a:p>
-          <a:p>
-            <a:r>
-              <a:rPr lang="ko-KR" altLang="en-US" dirty="0" smtClean="0"/>
-              <a:t>그리고 코드를 분석하며 예제를 </a:t>
-            </a:r>
-            <a:r>
-              <a:rPr lang="ko-KR" altLang="en-US" dirty="0" err="1" smtClean="0"/>
-              <a:t>직접해보기</a:t>
-            </a:r>
-            <a:r>
-              <a:rPr lang="en-US" altLang="ko-KR" dirty="0" smtClean="0"/>
-              <a:t>.</a:t>
-            </a:r>
-          </a:p>
-          <a:p>
-            <a:endParaRPr lang="en-US" altLang="ko-KR" dirty="0"/>
-          </a:p>
-          <a:p>
-            <a:endParaRPr lang="en-US" altLang="ko-KR" dirty="0" smtClean="0"/>
-          </a:p>
-        </p:txBody>
-      </p:sp>
+        <p:spPr>
+          <a:xfrm>
+            <a:off x="609600" y="1354137"/>
+            <a:ext cx="10515600" cy="4351338"/>
+          </a:xfrm>
+        </p:spPr>
+        <p:txBody>
+          <a:bodyPr/>
+          <a:lstStyle/>
+          <a:p>
+            <a:r>
+              <a:rPr lang="ko-KR" altLang="en-US" dirty="0" smtClean="0"/>
+              <a:t>             코드 </a:t>
+            </a:r>
+            <a:r>
+              <a:rPr lang="en-US" altLang="ko-KR" dirty="0" smtClean="0"/>
+              <a:t>20.2                 vs               </a:t>
+            </a:r>
+            <a:r>
+              <a:rPr lang="ko-KR" altLang="en-US" dirty="0" smtClean="0"/>
+              <a:t>코드 </a:t>
+            </a:r>
+            <a:r>
+              <a:rPr lang="en-US" altLang="ko-KR" dirty="0" smtClean="0"/>
+              <a:t>20.7</a:t>
+            </a:r>
+            <a:endParaRPr lang="ko-KR" altLang="en-US" dirty="0"/>
+          </a:p>
+        </p:txBody>
+      </p:sp>
+      <p:pic>
+        <p:nvPicPr>
+          <p:cNvPr id="4" name="그림 3"/>
+          <p:cNvPicPr>
+            <a:picLocks noChangeAspect="1"/>
+          </p:cNvPicPr>
+          <p:nvPr/>
+        </p:nvPicPr>
+        <p:blipFill>
+          <a:blip r:embed="rId2">
+            <a:extLst>
+              <a:ext uri="{28A0092B-C50C-407E-A947-70E740481C1C}">
+                <a14:useLocalDpi xmlns:a14="http://schemas.microsoft.com/office/drawing/2010/main" val="0"/>
+              </a:ext>
+            </a:extLst>
+          </a:blip>
+          <a:stretch>
+            <a:fillRect/>
+          </a:stretch>
+        </p:blipFill>
+        <p:spPr>
+          <a:xfrm>
+            <a:off x="1190330" y="1732835"/>
+            <a:ext cx="4210638" cy="5125165"/>
+          </a:xfrm>
+          <a:prstGeom prst="rect">
+            <a:avLst/>
+          </a:prstGeom>
+        </p:spPr>
+      </p:pic>
+      <p:pic>
+        <p:nvPicPr>
+          <p:cNvPr id="5" name="내용 개체 틀 3"/>
+          <p:cNvPicPr>
+            <a:picLocks noChangeAspect="1"/>
+          </p:cNvPicPr>
+          <p:nvPr/>
+        </p:nvPicPr>
+        <p:blipFill>
+          <a:blip r:embed="rId3">
+            <a:extLst>
+              <a:ext uri="{28A0092B-C50C-407E-A947-70E740481C1C}">
+                <a14:useLocalDpi xmlns:a14="http://schemas.microsoft.com/office/drawing/2010/main" val="0"/>
+              </a:ext>
+            </a:extLst>
+          </a:blip>
+          <a:stretch>
+            <a:fillRect/>
+          </a:stretch>
+        </p:blipFill>
+        <p:spPr>
+          <a:xfrm>
+            <a:off x="7129462" y="1732835"/>
+            <a:ext cx="4576467" cy="5125165"/>
+          </a:xfrm>
+          <a:prstGeom prst="rect">
+            <a:avLst/>
+          </a:prstGeom>
+        </p:spPr>
+      </p:pic>
     </p:spTree>
     <p:extLst>
       <p:ext uri="{BB962C8B-B14F-4D97-AF65-F5344CB8AC3E}">
-        <p14:creationId xmlns:p14="http://schemas.microsoft.com/office/powerpoint/2010/main" val="3152729852"/>
+        <p14:creationId xmlns:p14="http://schemas.microsoft.com/office/powerpoint/2010/main" val="176547281"/>
       </p:ext>
     </p:extLst>
   </p:cSld>
   <p:clrMapOvr>
     <a:masterClrMapping/>
   </p:clrMapOvr>
+  <p:timing>
+    <p:tnLst>
+      <p:par>
+        <p:cTn id="1" dur="indefinite" restart="never" nodeType="tmRoot"/>
+      </p:par>
+    </p:tnLst>
+  </p:timing>
 </p:sld>
 </file>
 
-<file path=ppt/slides/slide3.xml><?xml version="1.0" encoding="utf-8"?>
+<file path=ppt/slides/slide11.xml><?xml version="1.0" encoding="utf-8"?>
 <p:sld xmlns:a="http://schemas.openxmlformats.org/drawingml/2006/main" xmlns:r="http://schemas.openxmlformats.org/officeDocument/2006/relationships" xmlns:p="http://schemas.openxmlformats.org/presentationml/2006/main">
   <p:cSld>
     <p:spTree>
@@ -3146,60 +3248,154 @@
           <a:lstStyle/>
           <a:p>
             <a:r>
-              <a:rPr lang="ko-KR" altLang="en-US" dirty="0" smtClean="0"/>
-              <a:t>코드 </a:t>
-            </a:r>
-            <a:r>
-              <a:rPr lang="en-US" altLang="ko-KR" dirty="0" smtClean="0"/>
-              <a:t>20.2</a:t>
+              <a:rPr lang="en-US" altLang="ko-KR" dirty="0"/>
+              <a:t>K M P (Knuth – </a:t>
+            </a:r>
+            <a:r>
+              <a:rPr lang="en-US" altLang="ko-KR" dirty="0" err="1"/>
+              <a:t>Moriss</a:t>
+            </a:r>
+            <a:r>
+              <a:rPr lang="en-US" altLang="ko-KR" dirty="0"/>
+              <a:t> – Prat)</a:t>
             </a:r>
             <a:endParaRPr lang="ko-KR" altLang="en-US" dirty="0"/>
           </a:p>
         </p:txBody>
       </p:sp>
-      <p:pic>
-        <p:nvPicPr>
-          <p:cNvPr id="4" name="내용 개체 틀 3"/>
-          <p:cNvPicPr>
-            <a:picLocks noGrp="1" noChangeAspect="1"/>
-          </p:cNvPicPr>
+      <p:sp>
+        <p:nvSpPr>
+          <p:cNvPr id="3" name="내용 개체 틀 2"/>
+          <p:cNvSpPr>
+            <a:spLocks noGrp="1"/>
+          </p:cNvSpPr>
           <p:nvPr>
             <p:ph idx="1"/>
           </p:nvPr>
-        </p:nvPicPr>
-        <p:blipFill>
-          <a:blip r:embed="rId2">
-            <a:extLst>
-              <a:ext uri="{28A0092B-C50C-407E-A947-70E740481C1C}">
-                <a14:useLocalDpi xmlns:a14="http://schemas.microsoft.com/office/drawing/2010/main" val="0"/>
-              </a:ext>
-            </a:extLst>
-          </a:blip>
-          <a:stretch>
-            <a:fillRect/>
-          </a:stretch>
-        </p:blipFill>
+        </p:nvSpPr>
         <p:spPr>
           <a:xfrm>
-            <a:off x="5100183" y="0"/>
-            <a:ext cx="5672592" cy="6872082"/>
+            <a:off x="838200" y="1825624"/>
+            <a:ext cx="10515600" cy="5032375"/>
           </a:xfrm>
         </p:spPr>
-      </p:pic>
+        <p:txBody>
+          <a:bodyPr>
+            <a:normAutofit/>
+          </a:bodyPr>
+          <a:lstStyle/>
+          <a:p>
+            <a:pPr marL="0" indent="0">
+              <a:buNone/>
+            </a:pPr>
+            <a:r>
+              <a:rPr lang="ko-KR" altLang="en-US" dirty="0" smtClean="0"/>
+              <a:t>코드 </a:t>
+            </a:r>
+            <a:r>
+              <a:rPr lang="en-US" altLang="ko-KR" dirty="0" smtClean="0"/>
+              <a:t>20.7</a:t>
+            </a:r>
+          </a:p>
+          <a:p>
+            <a:endParaRPr lang="en-US" altLang="ko-KR" dirty="0"/>
+          </a:p>
+          <a:p>
+            <a:r>
+              <a:rPr lang="en-US" altLang="ko-KR" dirty="0" smtClean="0"/>
+              <a:t>Q. 20.7</a:t>
+            </a:r>
+            <a:r>
+              <a:rPr lang="ko-KR" altLang="en-US" dirty="0" smtClean="0"/>
+              <a:t>에서 </a:t>
+            </a:r>
+            <a:r>
+              <a:rPr lang="en-US" altLang="ko-KR" dirty="0" smtClean="0"/>
+              <a:t>while</a:t>
+            </a:r>
+            <a:r>
+              <a:rPr lang="ko-KR" altLang="en-US" dirty="0" smtClean="0"/>
+              <a:t>문은 </a:t>
+            </a:r>
+            <a:r>
+              <a:rPr lang="en-US" altLang="ko-KR" dirty="0" smtClean="0"/>
+              <a:t>20.2</a:t>
+            </a:r>
+            <a:r>
+              <a:rPr lang="ko-KR" altLang="en-US" dirty="0" smtClean="0"/>
+              <a:t>에서 어디 부분과 동일한지 봅시다</a:t>
+            </a:r>
+            <a:r>
+              <a:rPr lang="en-US" altLang="ko-KR" dirty="0" smtClean="0"/>
+              <a:t>.</a:t>
+            </a:r>
+          </a:p>
+          <a:p>
+            <a:endParaRPr lang="en-US" altLang="ko-KR" dirty="0"/>
+          </a:p>
+          <a:p>
+            <a:r>
+              <a:rPr lang="en-US" altLang="ko-KR" dirty="0" smtClean="0"/>
+              <a:t>while</a:t>
+            </a:r>
+            <a:r>
+              <a:rPr lang="ko-KR" altLang="en-US" dirty="0" smtClean="0"/>
+              <a:t>문은 왜 </a:t>
+            </a:r>
+            <a:r>
+              <a:rPr lang="en-US" altLang="ko-KR" dirty="0" smtClean="0"/>
+              <a:t>if</a:t>
+            </a:r>
+            <a:r>
+              <a:rPr lang="ko-KR" altLang="en-US" dirty="0" smtClean="0"/>
+              <a:t>문이 아니고 </a:t>
+            </a:r>
+            <a:r>
+              <a:rPr lang="en-US" altLang="ko-KR" dirty="0" smtClean="0"/>
+              <a:t>while</a:t>
+            </a:r>
+            <a:r>
+              <a:rPr lang="ko-KR" altLang="en-US" dirty="0"/>
+              <a:t> </a:t>
+            </a:r>
+            <a:r>
+              <a:rPr lang="ko-KR" altLang="en-US" dirty="0" smtClean="0"/>
+              <a:t>문일까요</a:t>
+            </a:r>
+            <a:r>
+              <a:rPr lang="en-US" altLang="ko-KR" dirty="0" smtClean="0"/>
+              <a:t>?</a:t>
+            </a:r>
+          </a:p>
+          <a:p>
+            <a:endParaRPr lang="en-US" altLang="ko-KR" dirty="0" smtClean="0"/>
+          </a:p>
+          <a:p>
+            <a:endParaRPr lang="en-US" altLang="ko-KR" dirty="0" smtClean="0"/>
+          </a:p>
+        </p:txBody>
+      </p:sp>
     </p:spTree>
     <p:extLst>
       <p:ext uri="{BB962C8B-B14F-4D97-AF65-F5344CB8AC3E}">
-        <p14:creationId xmlns:p14="http://schemas.microsoft.com/office/powerpoint/2010/main" val="3570773612"/>
+        <p14:creationId xmlns:p14="http://schemas.microsoft.com/office/powerpoint/2010/main" val="3599548935"/>
       </p:ext>
     </p:extLst>
   </p:cSld>
   <p:clrMapOvr>
     <a:masterClrMapping/>
   </p:clrMapOvr>
+  <p:timing>
+    <p:tnLst>
+      <p:par>
+        <p:cTn id="1" dur="indefinite" restart="never" nodeType="tmRoot"/>
+      </p:par>
+    </p:tnLst>
+  </p:timing>
 </p:sld>
 </file>
 
-<file path=ppt/slides/slide4.xml><?xml version="1.0" encoding="utf-8"?>
+<file path=ppt/slides/slide12.xml><?xml version="1.0" encoding="utf-8"?>
 <p:sld xmlns:a="http://schemas.openxmlformats.org/drawingml/2006/main" xmlns:r="http://schemas.openxmlformats.org/officeDocument/2006/relationships" xmlns:p="http://schemas.openxmlformats.org/presentationml/2006/main">
   <p:cSld>
     <p:spTree>
@@ -3232,46 +3428,914 @@
           <a:lstStyle/>
           <a:p>
             <a:r>
-              <a:rPr lang="ko-KR" altLang="en-US" dirty="0" smtClean="0"/>
-              <a:t>코드 </a:t>
-            </a:r>
-            <a:r>
-              <a:rPr lang="en-US" altLang="ko-KR" dirty="0" smtClean="0"/>
-              <a:t>20.3</a:t>
+              <a:rPr lang="en-US" altLang="ko-KR" dirty="0"/>
+              <a:t>K M P (Knuth – </a:t>
+            </a:r>
+            <a:r>
+              <a:rPr lang="en-US" altLang="ko-KR" dirty="0" err="1"/>
+              <a:t>Moriss</a:t>
+            </a:r>
+            <a:r>
+              <a:rPr lang="en-US" altLang="ko-KR" dirty="0"/>
+              <a:t> – Prat)</a:t>
             </a:r>
             <a:endParaRPr lang="ko-KR" altLang="en-US" dirty="0"/>
           </a:p>
         </p:txBody>
       </p:sp>
-      <p:pic>
-        <p:nvPicPr>
-          <p:cNvPr id="4" name="내용 개체 틀 3"/>
-          <p:cNvPicPr>
-            <a:picLocks noGrp="1" noChangeAspect="1"/>
-          </p:cNvPicPr>
+      <p:sp>
+        <p:nvSpPr>
+          <p:cNvPr id="3" name="내용 개체 틀 2"/>
+          <p:cNvSpPr>
+            <a:spLocks noGrp="1"/>
+          </p:cNvSpPr>
           <p:nvPr>
             <p:ph idx="1"/>
           </p:nvPr>
-        </p:nvPicPr>
-        <p:blipFill>
-          <a:blip r:embed="rId2">
-            <a:extLst>
-              <a:ext uri="{28A0092B-C50C-407E-A947-70E740481C1C}">
-                <a14:useLocalDpi xmlns:a14="http://schemas.microsoft.com/office/drawing/2010/main" val="0"/>
-              </a:ext>
-            </a:extLst>
-          </a:blip>
-          <a:stretch>
-            <a:fillRect/>
-          </a:stretch>
-        </p:blipFill>
+        </p:nvSpPr>
         <p:spPr>
           <a:xfrm>
-            <a:off x="4408276" y="1296987"/>
-            <a:ext cx="6090071" cy="4351338"/>
+            <a:off x="838200" y="1825624"/>
+            <a:ext cx="10515600" cy="5032375"/>
           </a:xfrm>
         </p:spPr>
-      </p:pic>
+        <p:txBody>
+          <a:bodyPr>
+            <a:normAutofit/>
+          </a:bodyPr>
+          <a:lstStyle/>
+          <a:p>
+            <a:pPr marL="0" indent="0">
+              <a:buNone/>
+            </a:pPr>
+            <a:r>
+              <a:rPr lang="ko-KR" altLang="en-US" dirty="0" smtClean="0"/>
+              <a:t>코드 </a:t>
+            </a:r>
+            <a:r>
+              <a:rPr lang="en-US" altLang="ko-KR" dirty="0" smtClean="0"/>
+              <a:t>20.2 </a:t>
+            </a:r>
+            <a:r>
+              <a:rPr lang="ko-KR" altLang="en-US" dirty="0" smtClean="0"/>
+              <a:t>시간 복잡도 분석</a:t>
+            </a:r>
+            <a:endParaRPr lang="en-US" altLang="ko-KR" dirty="0" smtClean="0"/>
+          </a:p>
+          <a:p>
+            <a:endParaRPr lang="en-US" altLang="ko-KR" dirty="0"/>
+          </a:p>
+          <a:p>
+            <a:r>
+              <a:rPr lang="en-US" altLang="ko-KR" dirty="0" smtClean="0"/>
+              <a:t>650p</a:t>
+            </a:r>
+            <a:r>
+              <a:rPr lang="ko-KR" altLang="en-US" dirty="0" smtClean="0"/>
+              <a:t>의 </a:t>
+            </a:r>
+            <a:r>
+              <a:rPr lang="en-US" altLang="ko-KR" dirty="0" smtClean="0"/>
+              <a:t>2</a:t>
+            </a:r>
+            <a:r>
+              <a:rPr lang="ko-KR" altLang="en-US" dirty="0" smtClean="0"/>
+              <a:t>번 째 문단 </a:t>
+            </a:r>
+            <a:r>
+              <a:rPr lang="en-US" altLang="ko-KR" dirty="0" smtClean="0"/>
+              <a:t>2</a:t>
+            </a:r>
+            <a:r>
+              <a:rPr lang="ko-KR" altLang="en-US" dirty="0" smtClean="0"/>
+              <a:t>번 째 문장을 해석합시다</a:t>
+            </a:r>
+            <a:r>
+              <a:rPr lang="en-US" altLang="ko-KR" dirty="0" smtClean="0"/>
+              <a:t>.</a:t>
+            </a:r>
+          </a:p>
+          <a:p>
+            <a:endParaRPr lang="en-US" altLang="ko-KR" dirty="0"/>
+          </a:p>
+          <a:p>
+            <a:endParaRPr lang="en-US" altLang="ko-KR" dirty="0" smtClean="0"/>
+          </a:p>
+          <a:p>
+            <a:r>
+              <a:rPr lang="en-US" altLang="ko-KR" dirty="0" smtClean="0"/>
+              <a:t>begin + matched</a:t>
+            </a:r>
+            <a:r>
+              <a:rPr lang="ko-KR" altLang="en-US" dirty="0" smtClean="0"/>
+              <a:t>가 </a:t>
+            </a:r>
+            <a:r>
+              <a:rPr lang="ko-KR" altLang="en-US" dirty="0" err="1" smtClean="0"/>
+              <a:t>진도라고</a:t>
+            </a:r>
+            <a:r>
+              <a:rPr lang="ko-KR" altLang="en-US" dirty="0" smtClean="0"/>
+              <a:t> 했을 때 절대 작아지지 않는다    </a:t>
+            </a:r>
+            <a:r>
+              <a:rPr lang="en-US" altLang="ko-KR" dirty="0" smtClean="0"/>
+              <a:t>-&gt; O(|H|)</a:t>
+            </a:r>
+          </a:p>
+          <a:p>
+            <a:endParaRPr lang="en-US" altLang="ko-KR" dirty="0" smtClean="0"/>
+          </a:p>
+          <a:p>
+            <a:endParaRPr lang="en-US" altLang="ko-KR" dirty="0" smtClean="0"/>
+          </a:p>
+        </p:txBody>
+      </p:sp>
+    </p:spTree>
+    <p:extLst>
+      <p:ext uri="{BB962C8B-B14F-4D97-AF65-F5344CB8AC3E}">
+        <p14:creationId xmlns:p14="http://schemas.microsoft.com/office/powerpoint/2010/main" val="2569635275"/>
+      </p:ext>
+    </p:extLst>
+  </p:cSld>
+  <p:clrMapOvr>
+    <a:masterClrMapping/>
+  </p:clrMapOvr>
+  <p:timing>
+    <p:tnLst>
+      <p:par>
+        <p:cTn id="1" dur="indefinite" restart="never" nodeType="tmRoot"/>
+      </p:par>
+    </p:tnLst>
+  </p:timing>
+</p:sld>
+</file>
+
+<file path=ppt/slides/slide13.xml><?xml version="1.0" encoding="utf-8"?>
+<p:sld xmlns:a="http://schemas.openxmlformats.org/drawingml/2006/main" xmlns:r="http://schemas.openxmlformats.org/officeDocument/2006/relationships" xmlns:p="http://schemas.openxmlformats.org/presentationml/2006/main">
+  <p:cSld>
+    <p:spTree>
+      <p:nvGrpSpPr>
+        <p:cNvPr id="1" name=""/>
+        <p:cNvGrpSpPr/>
+        <p:nvPr/>
+      </p:nvGrpSpPr>
+      <p:grpSpPr>
+        <a:xfrm>
+          <a:off x="0" y="0"/>
+          <a:ext cx="0" cy="0"/>
+          <a:chOff x="0" y="0"/>
+          <a:chExt cx="0" cy="0"/>
+        </a:xfrm>
+      </p:grpSpPr>
+      <p:sp>
+        <p:nvSpPr>
+          <p:cNvPr id="2" name="제목 1"/>
+          <p:cNvSpPr>
+            <a:spLocks noGrp="1"/>
+          </p:cNvSpPr>
+          <p:nvPr>
+            <p:ph type="title"/>
+          </p:nvPr>
+        </p:nvSpPr>
+        <p:spPr/>
+        <p:txBody>
+          <a:bodyPr/>
+          <a:lstStyle/>
+          <a:p>
+            <a:r>
+              <a:rPr lang="en-US" altLang="ko-KR" dirty="0"/>
+              <a:t>K M P (Knuth – </a:t>
+            </a:r>
+            <a:r>
+              <a:rPr lang="en-US" altLang="ko-KR" dirty="0" err="1"/>
+              <a:t>Moriss</a:t>
+            </a:r>
+            <a:r>
+              <a:rPr lang="en-US" altLang="ko-KR" dirty="0"/>
+              <a:t> – Prat)</a:t>
+            </a:r>
+            <a:endParaRPr lang="ko-KR" altLang="en-US" dirty="0"/>
+          </a:p>
+        </p:txBody>
+      </p:sp>
+      <p:sp>
+        <p:nvSpPr>
+          <p:cNvPr id="3" name="내용 개체 틀 2"/>
+          <p:cNvSpPr>
+            <a:spLocks noGrp="1"/>
+          </p:cNvSpPr>
+          <p:nvPr>
+            <p:ph idx="1"/>
+          </p:nvPr>
+        </p:nvSpPr>
+        <p:spPr/>
+        <p:txBody>
+          <a:bodyPr/>
+          <a:lstStyle/>
+          <a:p>
+            <a:r>
+              <a:rPr lang="ko-KR" altLang="en-US" dirty="0" smtClean="0"/>
+              <a:t>부분 일치 테이블 생성하기</a:t>
+            </a:r>
+            <a:endParaRPr lang="en-US" altLang="ko-KR" dirty="0" smtClean="0"/>
+          </a:p>
+          <a:p>
+            <a:endParaRPr lang="en-US" altLang="ko-KR" dirty="0"/>
+          </a:p>
+          <a:p>
+            <a:r>
+              <a:rPr lang="ko-KR" altLang="en-US" dirty="0" smtClean="0"/>
+              <a:t>손으로 직접 해봅시다</a:t>
+            </a:r>
+            <a:endParaRPr lang="en-US" altLang="ko-KR" dirty="0" smtClean="0"/>
+          </a:p>
+          <a:p>
+            <a:endParaRPr lang="en-US" altLang="ko-KR" dirty="0"/>
+          </a:p>
+          <a:p>
+            <a:r>
+              <a:rPr lang="en-US" altLang="ko-KR" dirty="0" smtClean="0"/>
+              <a:t>“</a:t>
+            </a:r>
+            <a:r>
+              <a:rPr lang="en-US" altLang="ko-KR" dirty="0" err="1" smtClean="0"/>
+              <a:t>bcabbcaabca</a:t>
+            </a:r>
+            <a:r>
+              <a:rPr lang="en-US" altLang="ko-KR" dirty="0" smtClean="0"/>
+              <a:t>”</a:t>
+            </a:r>
+            <a:endParaRPr lang="ko-KR" altLang="en-US" dirty="0"/>
+          </a:p>
+        </p:txBody>
+      </p:sp>
+    </p:spTree>
+    <p:extLst>
+      <p:ext uri="{BB962C8B-B14F-4D97-AF65-F5344CB8AC3E}">
+        <p14:creationId xmlns:p14="http://schemas.microsoft.com/office/powerpoint/2010/main" val="3585750131"/>
+      </p:ext>
+    </p:extLst>
+  </p:cSld>
+  <p:clrMapOvr>
+    <a:masterClrMapping/>
+  </p:clrMapOvr>
+  <p:timing>
+    <p:tnLst>
+      <p:par>
+        <p:cTn id="1" dur="indefinite" restart="never" nodeType="tmRoot"/>
+      </p:par>
+    </p:tnLst>
+  </p:timing>
+</p:sld>
+</file>
+
+<file path=ppt/slides/slide14.xml><?xml version="1.0" encoding="utf-8"?>
+<p:sld xmlns:a="http://schemas.openxmlformats.org/drawingml/2006/main" xmlns:r="http://schemas.openxmlformats.org/officeDocument/2006/relationships" xmlns:p="http://schemas.openxmlformats.org/presentationml/2006/main">
+  <p:cSld>
+    <p:spTree>
+      <p:nvGrpSpPr>
+        <p:cNvPr id="1" name=""/>
+        <p:cNvGrpSpPr/>
+        <p:nvPr/>
+      </p:nvGrpSpPr>
+      <p:grpSpPr>
+        <a:xfrm>
+          <a:off x="0" y="0"/>
+          <a:ext cx="0" cy="0"/>
+          <a:chOff x="0" y="0"/>
+          <a:chExt cx="0" cy="0"/>
+        </a:xfrm>
+      </p:grpSpPr>
+      <p:sp>
+        <p:nvSpPr>
+          <p:cNvPr id="2" name="제목 1"/>
+          <p:cNvSpPr>
+            <a:spLocks noGrp="1"/>
+          </p:cNvSpPr>
+          <p:nvPr>
+            <p:ph type="title"/>
+          </p:nvPr>
+        </p:nvSpPr>
+        <p:spPr/>
+        <p:txBody>
+          <a:bodyPr/>
+          <a:lstStyle/>
+          <a:p>
+            <a:r>
+              <a:rPr lang="en-US" altLang="ko-KR" dirty="0"/>
+              <a:t>K M P (Knuth – </a:t>
+            </a:r>
+            <a:r>
+              <a:rPr lang="en-US" altLang="ko-KR" dirty="0" err="1"/>
+              <a:t>Moriss</a:t>
+            </a:r>
+            <a:r>
+              <a:rPr lang="en-US" altLang="ko-KR" dirty="0"/>
+              <a:t> – Prat)</a:t>
+            </a:r>
+            <a:endParaRPr lang="ko-KR" altLang="en-US" dirty="0"/>
+          </a:p>
+        </p:txBody>
+      </p:sp>
+      <p:sp>
+        <p:nvSpPr>
+          <p:cNvPr id="3" name="내용 개체 틀 2"/>
+          <p:cNvSpPr>
+            <a:spLocks noGrp="1"/>
+          </p:cNvSpPr>
+          <p:nvPr>
+            <p:ph idx="1"/>
+          </p:nvPr>
+        </p:nvSpPr>
+        <p:spPr/>
+        <p:txBody>
+          <a:bodyPr>
+            <a:normAutofit fontScale="85000" lnSpcReduction="20000"/>
+          </a:bodyPr>
+          <a:lstStyle/>
+          <a:p>
+            <a:r>
+              <a:rPr lang="ko-KR" altLang="en-US" dirty="0" smtClean="0"/>
+              <a:t>부분 일치 테이블 생성하기</a:t>
+            </a:r>
+            <a:endParaRPr lang="en-US" altLang="ko-KR" dirty="0" smtClean="0"/>
+          </a:p>
+          <a:p>
+            <a:pPr marL="0" indent="0">
+              <a:buNone/>
+            </a:pPr>
+            <a:r>
+              <a:rPr lang="en-US" altLang="ko-KR" dirty="0" smtClean="0"/>
+              <a:t> </a:t>
+            </a:r>
+            <a:r>
+              <a:rPr lang="ko-KR" altLang="en-US" dirty="0" smtClean="0"/>
+              <a:t>코드 </a:t>
+            </a:r>
+            <a:r>
+              <a:rPr lang="en-US" altLang="ko-KR" dirty="0" smtClean="0"/>
+              <a:t>20.3</a:t>
+            </a:r>
+          </a:p>
+          <a:p>
+            <a:endParaRPr lang="en-US" altLang="ko-KR" dirty="0"/>
+          </a:p>
+          <a:p>
+            <a:endParaRPr lang="en-US" altLang="ko-KR" dirty="0" smtClean="0"/>
+          </a:p>
+          <a:p>
+            <a:r>
+              <a:rPr lang="en-US" altLang="ko-KR" dirty="0" smtClean="0"/>
+              <a:t>Q. </a:t>
+            </a:r>
+            <a:r>
+              <a:rPr lang="ko-KR" altLang="en-US" dirty="0" smtClean="0"/>
+              <a:t>그림 </a:t>
+            </a:r>
+            <a:r>
+              <a:rPr lang="en-US" altLang="ko-KR" dirty="0" smtClean="0"/>
+              <a:t>20.4(a)</a:t>
+            </a:r>
+            <a:r>
+              <a:rPr lang="ko-KR" altLang="en-US" dirty="0" smtClean="0"/>
+              <a:t>에서</a:t>
+            </a:r>
+            <a:r>
+              <a:rPr lang="en-US" altLang="ko-KR" dirty="0"/>
+              <a:t> </a:t>
+            </a:r>
+            <a:r>
+              <a:rPr lang="en-US" altLang="ko-KR" dirty="0" smtClean="0"/>
+              <a:t>N[begin + </a:t>
+            </a:r>
+            <a:r>
+              <a:rPr lang="en-US" altLang="ko-KR" dirty="0" err="1" smtClean="0"/>
+              <a:t>i</a:t>
+            </a:r>
+            <a:r>
+              <a:rPr lang="en-US" altLang="ko-KR" dirty="0" smtClean="0"/>
+              <a:t>]</a:t>
+            </a:r>
+            <a:r>
+              <a:rPr lang="ko-KR" altLang="en-US" dirty="0" smtClean="0"/>
+              <a:t>와 </a:t>
+            </a:r>
+            <a:r>
+              <a:rPr lang="en-US" altLang="ko-KR" dirty="0" smtClean="0"/>
+              <a:t>N[</a:t>
+            </a:r>
+            <a:r>
+              <a:rPr lang="en-US" altLang="ko-KR" dirty="0" err="1" smtClean="0"/>
+              <a:t>i</a:t>
+            </a:r>
+            <a:r>
+              <a:rPr lang="en-US" altLang="ko-KR" dirty="0" smtClean="0"/>
+              <a:t>]</a:t>
+            </a:r>
+            <a:r>
+              <a:rPr lang="ko-KR" altLang="en-US" dirty="0" smtClean="0"/>
+              <a:t>가</a:t>
+            </a:r>
+            <a:r>
+              <a:rPr lang="en-US" altLang="ko-KR" dirty="0"/>
+              <a:t> </a:t>
+            </a:r>
+            <a:r>
+              <a:rPr lang="ko-KR" altLang="en-US" dirty="0" smtClean="0"/>
+              <a:t>위 인지 아래인지 말해</a:t>
+            </a:r>
+            <a:r>
+              <a:rPr lang="en-US" altLang="ko-KR" dirty="0" smtClean="0"/>
+              <a:t> </a:t>
+            </a:r>
+            <a:r>
+              <a:rPr lang="ko-KR" altLang="en-US" dirty="0" smtClean="0"/>
+              <a:t>봅시다</a:t>
+            </a:r>
+            <a:r>
+              <a:rPr lang="en-US" altLang="ko-KR" dirty="0" smtClean="0"/>
+              <a:t>.</a:t>
+            </a:r>
+          </a:p>
+          <a:p>
+            <a:endParaRPr lang="en-US" altLang="ko-KR" dirty="0"/>
+          </a:p>
+          <a:p>
+            <a:r>
+              <a:rPr lang="en-US" altLang="ko-KR" dirty="0" smtClean="0"/>
+              <a:t>Q. pi[begin + </a:t>
+            </a:r>
+            <a:r>
+              <a:rPr lang="en-US" altLang="ko-KR" dirty="0" err="1" smtClean="0"/>
+              <a:t>i</a:t>
+            </a:r>
+            <a:r>
+              <a:rPr lang="en-US" altLang="ko-KR" dirty="0" smtClean="0"/>
+              <a:t>] = max(pi[begin + </a:t>
+            </a:r>
+            <a:r>
+              <a:rPr lang="en-US" altLang="ko-KR" dirty="0" err="1" smtClean="0"/>
+              <a:t>i</a:t>
+            </a:r>
+            <a:r>
+              <a:rPr lang="en-US" altLang="ko-KR" dirty="0" smtClean="0"/>
+              <a:t>] , </a:t>
+            </a:r>
+            <a:r>
+              <a:rPr lang="en-US" altLang="ko-KR" dirty="0" err="1" smtClean="0"/>
+              <a:t>i</a:t>
+            </a:r>
+            <a:r>
+              <a:rPr lang="en-US" altLang="ko-KR" dirty="0" smtClean="0"/>
+              <a:t> + 1] </a:t>
+            </a:r>
+            <a:r>
+              <a:rPr lang="ko-KR" altLang="en-US" dirty="0" smtClean="0"/>
+              <a:t>의 의미를 말해봅시다</a:t>
+            </a:r>
+            <a:r>
+              <a:rPr lang="en-US" altLang="ko-KR" dirty="0" smtClean="0"/>
+              <a:t>.</a:t>
+            </a:r>
+          </a:p>
+          <a:p>
+            <a:endParaRPr lang="en-US" altLang="ko-KR" dirty="0"/>
+          </a:p>
+          <a:p>
+            <a:r>
+              <a:rPr lang="en-US" altLang="ko-KR" dirty="0" smtClean="0"/>
+              <a:t>Q. </a:t>
+            </a:r>
+            <a:r>
+              <a:rPr lang="ko-KR" altLang="en-US" dirty="0" smtClean="0"/>
+              <a:t>코드 </a:t>
+            </a:r>
+            <a:r>
+              <a:rPr lang="en-US" altLang="ko-KR" dirty="0" smtClean="0"/>
+              <a:t>20.1</a:t>
+            </a:r>
+            <a:r>
+              <a:rPr lang="ko-KR" altLang="en-US" dirty="0" smtClean="0"/>
+              <a:t>과 비교해봅시다</a:t>
+            </a:r>
+            <a:r>
+              <a:rPr lang="en-US" altLang="ko-KR" dirty="0" smtClean="0"/>
+              <a:t>.</a:t>
+            </a:r>
+          </a:p>
+          <a:p>
+            <a:endParaRPr lang="en-US" altLang="ko-KR" dirty="0"/>
+          </a:p>
+          <a:p>
+            <a:r>
+              <a:rPr lang="en-US" altLang="ko-KR" dirty="0" smtClean="0"/>
+              <a:t>Q. </a:t>
+            </a:r>
+            <a:r>
+              <a:rPr lang="ko-KR" altLang="en-US" dirty="0" smtClean="0"/>
+              <a:t>이중 </a:t>
+            </a:r>
+            <a:r>
+              <a:rPr lang="en-US" altLang="ko-KR" dirty="0" smtClean="0"/>
+              <a:t>for</a:t>
+            </a:r>
+            <a:r>
+              <a:rPr lang="ko-KR" altLang="en-US" dirty="0" smtClean="0"/>
+              <a:t>문인데 </a:t>
+            </a:r>
+            <a:r>
+              <a:rPr lang="en-US" altLang="ko-KR" dirty="0" smtClean="0"/>
+              <a:t>N^3</a:t>
+            </a:r>
+            <a:r>
+              <a:rPr lang="ko-KR" altLang="en-US" dirty="0" smtClean="0"/>
+              <a:t>인 이유는 무엇입니까</a:t>
+            </a:r>
+            <a:r>
+              <a:rPr lang="en-US" altLang="ko-KR" dirty="0" smtClean="0"/>
+              <a:t>?</a:t>
+            </a:r>
+          </a:p>
+        </p:txBody>
+      </p:sp>
+    </p:spTree>
+    <p:extLst>
+      <p:ext uri="{BB962C8B-B14F-4D97-AF65-F5344CB8AC3E}">
+        <p14:creationId xmlns:p14="http://schemas.microsoft.com/office/powerpoint/2010/main" val="4009795808"/>
+      </p:ext>
+    </p:extLst>
+  </p:cSld>
+  <p:clrMapOvr>
+    <a:masterClrMapping/>
+  </p:clrMapOvr>
+  <p:timing>
+    <p:tnLst>
+      <p:par>
+        <p:cTn id="1" dur="indefinite" restart="never" nodeType="tmRoot"/>
+      </p:par>
+    </p:tnLst>
+  </p:timing>
+</p:sld>
+</file>
+
+<file path=ppt/slides/slide15.xml><?xml version="1.0" encoding="utf-8"?>
+<p:sld xmlns:a="http://schemas.openxmlformats.org/drawingml/2006/main" xmlns:r="http://schemas.openxmlformats.org/officeDocument/2006/relationships" xmlns:p="http://schemas.openxmlformats.org/presentationml/2006/main">
+  <p:cSld>
+    <p:spTree>
+      <p:nvGrpSpPr>
+        <p:cNvPr id="1" name=""/>
+        <p:cNvGrpSpPr/>
+        <p:nvPr/>
+      </p:nvGrpSpPr>
+      <p:grpSpPr>
+        <a:xfrm>
+          <a:off x="0" y="0"/>
+          <a:ext cx="0" cy="0"/>
+          <a:chOff x="0" y="0"/>
+          <a:chExt cx="0" cy="0"/>
+        </a:xfrm>
+      </p:grpSpPr>
+      <p:sp>
+        <p:nvSpPr>
+          <p:cNvPr id="2" name="제목 1"/>
+          <p:cNvSpPr>
+            <a:spLocks noGrp="1"/>
+          </p:cNvSpPr>
+          <p:nvPr>
+            <p:ph type="title"/>
+          </p:nvPr>
+        </p:nvSpPr>
+        <p:spPr/>
+        <p:txBody>
+          <a:bodyPr/>
+          <a:lstStyle/>
+          <a:p>
+            <a:r>
+              <a:rPr lang="en-US" altLang="ko-KR" dirty="0"/>
+              <a:t>K M P (Knuth – </a:t>
+            </a:r>
+            <a:r>
+              <a:rPr lang="en-US" altLang="ko-KR" dirty="0" err="1"/>
+              <a:t>Moriss</a:t>
+            </a:r>
+            <a:r>
+              <a:rPr lang="en-US" altLang="ko-KR" dirty="0"/>
+              <a:t> – Prat)</a:t>
+            </a:r>
+            <a:endParaRPr lang="ko-KR" altLang="en-US" dirty="0"/>
+          </a:p>
+        </p:txBody>
+      </p:sp>
+      <p:sp>
+        <p:nvSpPr>
+          <p:cNvPr id="3" name="내용 개체 틀 2"/>
+          <p:cNvSpPr>
+            <a:spLocks noGrp="1"/>
+          </p:cNvSpPr>
+          <p:nvPr>
+            <p:ph idx="1"/>
+          </p:nvPr>
+        </p:nvSpPr>
+        <p:spPr/>
+        <p:txBody>
+          <a:bodyPr>
+            <a:normAutofit/>
+          </a:bodyPr>
+          <a:lstStyle/>
+          <a:p>
+            <a:r>
+              <a:rPr lang="ko-KR" altLang="en-US" dirty="0" smtClean="0"/>
+              <a:t>부분 일치 테이블 생성하기</a:t>
+            </a:r>
+            <a:endParaRPr lang="en-US" altLang="ko-KR" dirty="0" smtClean="0"/>
+          </a:p>
+          <a:p>
+            <a:pPr marL="0" indent="0">
+              <a:buNone/>
+            </a:pPr>
+            <a:r>
+              <a:rPr lang="en-US" altLang="ko-KR" dirty="0" smtClean="0"/>
+              <a:t> </a:t>
+            </a:r>
+            <a:r>
+              <a:rPr lang="ko-KR" altLang="en-US" dirty="0" smtClean="0"/>
+              <a:t>코드 </a:t>
+            </a:r>
+            <a:r>
+              <a:rPr lang="en-US" altLang="ko-KR" dirty="0" smtClean="0"/>
+              <a:t>20.4</a:t>
+            </a:r>
+          </a:p>
+          <a:p>
+            <a:endParaRPr lang="en-US" altLang="ko-KR" dirty="0"/>
+          </a:p>
+          <a:p>
+            <a:endParaRPr lang="en-US" altLang="ko-KR" dirty="0" smtClean="0"/>
+          </a:p>
+          <a:p>
+            <a:r>
+              <a:rPr lang="en-US" altLang="ko-KR" dirty="0" smtClean="0"/>
+              <a:t>Q. </a:t>
+            </a:r>
+            <a:r>
+              <a:rPr lang="ko-KR" altLang="en-US" dirty="0" smtClean="0"/>
+              <a:t>그림 </a:t>
+            </a:r>
+            <a:r>
+              <a:rPr lang="en-US" altLang="ko-KR" dirty="0" smtClean="0"/>
+              <a:t>20.4(b)</a:t>
+            </a:r>
+            <a:r>
+              <a:rPr lang="ko-KR" altLang="en-US" dirty="0" smtClean="0"/>
+              <a:t>에서 </a:t>
+            </a:r>
+            <a:r>
+              <a:rPr lang="en-US" altLang="ko-KR" dirty="0" smtClean="0"/>
+              <a:t>N[</a:t>
+            </a:r>
+            <a:r>
+              <a:rPr lang="en-US" altLang="ko-KR" dirty="0" err="1" smtClean="0"/>
+              <a:t>begin+matched</a:t>
+            </a:r>
+            <a:r>
+              <a:rPr lang="en-US" altLang="ko-KR" dirty="0" smtClean="0"/>
+              <a:t>]</a:t>
+            </a:r>
+            <a:r>
+              <a:rPr lang="ko-KR" altLang="en-US" dirty="0" smtClean="0"/>
+              <a:t>와 </a:t>
+            </a:r>
+            <a:r>
+              <a:rPr lang="en-US" altLang="ko-KR" dirty="0" smtClean="0"/>
+              <a:t>N[matched]</a:t>
+            </a:r>
+            <a:r>
+              <a:rPr lang="ko-KR" altLang="en-US" dirty="0" smtClean="0"/>
+              <a:t>가 무엇인지 말해봅시다</a:t>
+            </a:r>
+            <a:r>
+              <a:rPr lang="en-US" altLang="ko-KR" dirty="0" smtClean="0"/>
+              <a:t>.</a:t>
+            </a:r>
+          </a:p>
+          <a:p>
+            <a:endParaRPr lang="en-US" altLang="ko-KR" dirty="0"/>
+          </a:p>
+          <a:p>
+            <a:r>
+              <a:rPr lang="en-US" altLang="ko-KR" dirty="0" smtClean="0"/>
+              <a:t>Q. </a:t>
+            </a:r>
+            <a:r>
+              <a:rPr lang="en-US" altLang="ko-KR" b="1" dirty="0" smtClean="0">
+                <a:solidFill>
+                  <a:srgbClr val="FF0000"/>
+                </a:solidFill>
+              </a:rPr>
+              <a:t>while</a:t>
+            </a:r>
+            <a:r>
+              <a:rPr lang="ko-KR" altLang="en-US" b="1" dirty="0" smtClean="0">
+                <a:solidFill>
+                  <a:srgbClr val="FF0000"/>
+                </a:solidFill>
+              </a:rPr>
+              <a:t>문을 해석해봅시다</a:t>
+            </a:r>
+            <a:r>
+              <a:rPr lang="en-US" altLang="ko-KR" b="1" dirty="0" smtClean="0">
+                <a:solidFill>
+                  <a:srgbClr val="FF0000"/>
+                </a:solidFill>
+              </a:rPr>
+              <a:t>.</a:t>
+            </a:r>
+            <a:endParaRPr lang="en-US" altLang="ko-KR" b="1" dirty="0">
+              <a:solidFill>
+                <a:srgbClr val="FF0000"/>
+              </a:solidFill>
+            </a:endParaRPr>
+          </a:p>
+          <a:p>
+            <a:endParaRPr lang="en-US" altLang="ko-KR" dirty="0" smtClean="0"/>
+          </a:p>
+        </p:txBody>
+      </p:sp>
+    </p:spTree>
+    <p:extLst>
+      <p:ext uri="{BB962C8B-B14F-4D97-AF65-F5344CB8AC3E}">
+        <p14:creationId xmlns:p14="http://schemas.microsoft.com/office/powerpoint/2010/main" val="2311654229"/>
+      </p:ext>
+    </p:extLst>
+  </p:cSld>
+  <p:clrMapOvr>
+    <a:masterClrMapping/>
+  </p:clrMapOvr>
+  <p:timing>
+    <p:tnLst>
+      <p:par>
+        <p:cTn id="1" dur="indefinite" restart="never" nodeType="tmRoot"/>
+      </p:par>
+    </p:tnLst>
+  </p:timing>
+</p:sld>
+</file>
+
+<file path=ppt/slides/slide16.xml><?xml version="1.0" encoding="utf-8"?>
+<p:sld xmlns:a="http://schemas.openxmlformats.org/drawingml/2006/main" xmlns:r="http://schemas.openxmlformats.org/officeDocument/2006/relationships" xmlns:p="http://schemas.openxmlformats.org/presentationml/2006/main">
+  <p:cSld>
+    <p:spTree>
+      <p:nvGrpSpPr>
+        <p:cNvPr id="1" name=""/>
+        <p:cNvGrpSpPr/>
+        <p:nvPr/>
+      </p:nvGrpSpPr>
+      <p:grpSpPr>
+        <a:xfrm>
+          <a:off x="0" y="0"/>
+          <a:ext cx="0" cy="0"/>
+          <a:chOff x="0" y="0"/>
+          <a:chExt cx="0" cy="0"/>
+        </a:xfrm>
+      </p:grpSpPr>
+      <p:sp>
+        <p:nvSpPr>
+          <p:cNvPr id="2" name="제목 1"/>
+          <p:cNvSpPr>
+            <a:spLocks noGrp="1"/>
+          </p:cNvSpPr>
+          <p:nvPr>
+            <p:ph type="title"/>
+          </p:nvPr>
+        </p:nvSpPr>
+        <p:spPr/>
+        <p:txBody>
+          <a:bodyPr/>
+          <a:lstStyle/>
+          <a:p>
+            <a:endParaRPr lang="ko-KR" altLang="en-US"/>
+          </a:p>
+        </p:txBody>
+      </p:sp>
+      <p:sp>
+        <p:nvSpPr>
+          <p:cNvPr id="3" name="내용 개체 틀 2"/>
+          <p:cNvSpPr>
+            <a:spLocks noGrp="1"/>
+          </p:cNvSpPr>
+          <p:nvPr>
+            <p:ph idx="1"/>
+          </p:nvPr>
+        </p:nvSpPr>
+        <p:spPr/>
+        <p:txBody>
+          <a:bodyPr/>
+          <a:lstStyle/>
+          <a:p>
+            <a:r>
+              <a:rPr lang="ko-KR" altLang="en-US" dirty="0" smtClean="0"/>
+              <a:t>예제를 만들기</a:t>
+            </a:r>
+            <a:endParaRPr lang="en-US" altLang="ko-KR" dirty="0" smtClean="0"/>
+          </a:p>
+          <a:p>
+            <a:r>
+              <a:rPr lang="ko-KR" altLang="en-US" dirty="0" smtClean="0"/>
+              <a:t>그리고 코드를 분석하며 예제를 </a:t>
+            </a:r>
+            <a:r>
+              <a:rPr lang="ko-KR" altLang="en-US" dirty="0" err="1" smtClean="0"/>
+              <a:t>직접해보기</a:t>
+            </a:r>
+            <a:r>
+              <a:rPr lang="en-US" altLang="ko-KR" dirty="0" smtClean="0"/>
+              <a:t>.</a:t>
+            </a:r>
+          </a:p>
+          <a:p>
+            <a:endParaRPr lang="en-US" altLang="ko-KR" dirty="0"/>
+          </a:p>
+          <a:p>
+            <a:endParaRPr lang="en-US" altLang="ko-KR" dirty="0" smtClean="0"/>
+          </a:p>
+        </p:txBody>
+      </p:sp>
+    </p:spTree>
+    <p:extLst>
+      <p:ext uri="{BB962C8B-B14F-4D97-AF65-F5344CB8AC3E}">
+        <p14:creationId xmlns:p14="http://schemas.microsoft.com/office/powerpoint/2010/main" val="3152729852"/>
+      </p:ext>
+    </p:extLst>
+  </p:cSld>
+  <p:clrMapOvr>
+    <a:masterClrMapping/>
+  </p:clrMapOvr>
+  <p:timing>
+    <p:tnLst>
+      <p:par>
+        <p:cTn id="1" dur="indefinite" restart="never" nodeType="tmRoot"/>
+      </p:par>
+    </p:tnLst>
+  </p:timing>
+</p:sld>
+</file>
+
+<file path=ppt/slides/slide17.xml><?xml version="1.0" encoding="utf-8"?>
+<p:sld xmlns:a="http://schemas.openxmlformats.org/drawingml/2006/main" xmlns:r="http://schemas.openxmlformats.org/officeDocument/2006/relationships" xmlns:p="http://schemas.openxmlformats.org/presentationml/2006/main">
+  <p:cSld>
+    <p:spTree>
+      <p:nvGrpSpPr>
+        <p:cNvPr id="1" name=""/>
+        <p:cNvGrpSpPr/>
+        <p:nvPr/>
+      </p:nvGrpSpPr>
+      <p:grpSpPr>
+        <a:xfrm>
+          <a:off x="0" y="0"/>
+          <a:ext cx="0" cy="0"/>
+          <a:chOff x="0" y="0"/>
+          <a:chExt cx="0" cy="0"/>
+        </a:xfrm>
+      </p:grpSpPr>
+      <p:sp>
+        <p:nvSpPr>
+          <p:cNvPr id="2" name="제목 1"/>
+          <p:cNvSpPr>
+            <a:spLocks noGrp="1"/>
+          </p:cNvSpPr>
+          <p:nvPr>
+            <p:ph type="title"/>
+          </p:nvPr>
+        </p:nvSpPr>
+        <p:spPr/>
+        <p:txBody>
+          <a:bodyPr/>
+          <a:lstStyle/>
+          <a:p>
+            <a:endParaRPr lang="ko-KR" altLang="en-US" dirty="0"/>
+          </a:p>
+        </p:txBody>
+      </p:sp>
+      <p:sp>
+        <p:nvSpPr>
+          <p:cNvPr id="3" name="내용 개체 틀 2"/>
+          <p:cNvSpPr>
+            <a:spLocks noGrp="1"/>
+          </p:cNvSpPr>
+          <p:nvPr>
+            <p:ph idx="1"/>
+          </p:nvPr>
+        </p:nvSpPr>
+        <p:spPr/>
+        <p:txBody>
+          <a:bodyPr/>
+          <a:lstStyle/>
+          <a:p>
+            <a:endParaRPr lang="ko-KR" altLang="en-US"/>
+          </a:p>
+        </p:txBody>
+      </p:sp>
     </p:spTree>
     <p:extLst>
       <p:ext uri="{BB962C8B-B14F-4D97-AF65-F5344CB8AC3E}">
@@ -3282,10 +4346,17 @@
   <p:clrMapOvr>
     <a:masterClrMapping/>
   </p:clrMapOvr>
+  <p:timing>
+    <p:tnLst>
+      <p:par>
+        <p:cTn id="1" dur="indefinite" restart="never" nodeType="tmRoot"/>
+      </p:par>
+    </p:tnLst>
+  </p:timing>
 </p:sld>
 </file>
 
-<file path=ppt/slides/slide5.xml><?xml version="1.0" encoding="utf-8"?>
+<file path=ppt/slides/slide18.xml><?xml version="1.0" encoding="utf-8"?>
 <p:sld xmlns:a="http://schemas.openxmlformats.org/drawingml/2006/main" xmlns:r="http://schemas.openxmlformats.org/officeDocument/2006/relationships" xmlns:p="http://schemas.openxmlformats.org/presentationml/2006/main">
   <p:cSld>
     <p:spTree>
@@ -3368,6 +4439,1139 @@
   <p:clrMapOvr>
     <a:masterClrMapping/>
   </p:clrMapOvr>
+  <p:timing>
+    <p:tnLst>
+      <p:par>
+        <p:cTn id="1" dur="indefinite" restart="never" nodeType="tmRoot"/>
+      </p:par>
+    </p:tnLst>
+  </p:timing>
+</p:sld>
+</file>
+
+<file path=ppt/slides/slide19.xml><?xml version="1.0" encoding="utf-8"?>
+<p:sld xmlns:a="http://schemas.openxmlformats.org/drawingml/2006/main" xmlns:r="http://schemas.openxmlformats.org/officeDocument/2006/relationships" xmlns:p="http://schemas.openxmlformats.org/presentationml/2006/main">
+  <p:cSld>
+    <p:spTree>
+      <p:nvGrpSpPr>
+        <p:cNvPr id="1" name=""/>
+        <p:cNvGrpSpPr/>
+        <p:nvPr/>
+      </p:nvGrpSpPr>
+      <p:grpSpPr>
+        <a:xfrm>
+          <a:off x="0" y="0"/>
+          <a:ext cx="0" cy="0"/>
+          <a:chOff x="0" y="0"/>
+          <a:chExt cx="0" cy="0"/>
+        </a:xfrm>
+      </p:grpSpPr>
+      <p:sp>
+        <p:nvSpPr>
+          <p:cNvPr id="2" name="제목 1"/>
+          <p:cNvSpPr>
+            <a:spLocks noGrp="1"/>
+          </p:cNvSpPr>
+          <p:nvPr>
+            <p:ph type="title"/>
+          </p:nvPr>
+        </p:nvSpPr>
+        <p:spPr/>
+        <p:txBody>
+          <a:bodyPr/>
+          <a:lstStyle/>
+          <a:p>
+            <a:r>
+              <a:rPr lang="ko-KR" altLang="en-US" dirty="0" smtClean="0"/>
+              <a:t>코드 </a:t>
+            </a:r>
+            <a:r>
+              <a:rPr lang="en-US" altLang="ko-KR" dirty="0" smtClean="0"/>
+              <a:t>20.7</a:t>
+            </a:r>
+            <a:endParaRPr lang="ko-KR" altLang="en-US" dirty="0"/>
+          </a:p>
+        </p:txBody>
+      </p:sp>
+      <p:sp>
+        <p:nvSpPr>
+          <p:cNvPr id="5" name="TextBox 4"/>
+          <p:cNvSpPr txBox="1"/>
+          <p:nvPr/>
+        </p:nvSpPr>
+        <p:spPr>
+          <a:xfrm>
+            <a:off x="1585913" y="2371725"/>
+            <a:ext cx="2000250" cy="369332"/>
+          </a:xfrm>
+          <a:prstGeom prst="rect">
+            <a:avLst/>
+          </a:prstGeom>
+          <a:noFill/>
+        </p:spPr>
+        <p:txBody>
+          <a:bodyPr wrap="square" rtlCol="0">
+            <a:spAutoFit/>
+          </a:bodyPr>
+          <a:lstStyle/>
+          <a:p>
+            <a:r>
+              <a:rPr lang="en-US" altLang="ko-KR" dirty="0" smtClean="0"/>
+              <a:t>20.2</a:t>
+            </a:r>
+            <a:r>
+              <a:rPr lang="ko-KR" altLang="en-US" dirty="0" smtClean="0"/>
+              <a:t>와 비교</a:t>
+            </a:r>
+            <a:r>
+              <a:rPr lang="en-US" altLang="ko-KR" dirty="0" smtClean="0"/>
+              <a:t>.</a:t>
+            </a:r>
+            <a:endParaRPr lang="ko-KR" altLang="en-US" dirty="0"/>
+          </a:p>
+        </p:txBody>
+      </p:sp>
+      <p:sp>
+        <p:nvSpPr>
+          <p:cNvPr id="3" name="내용 개체 틀 2"/>
+          <p:cNvSpPr>
+            <a:spLocks noGrp="1"/>
+          </p:cNvSpPr>
+          <p:nvPr>
+            <p:ph idx="1"/>
+          </p:nvPr>
+        </p:nvSpPr>
+        <p:spPr/>
+        <p:txBody>
+          <a:bodyPr/>
+          <a:lstStyle/>
+          <a:p>
+            <a:endParaRPr lang="ko-KR" altLang="en-US"/>
+          </a:p>
+        </p:txBody>
+      </p:sp>
+    </p:spTree>
+    <p:extLst>
+      <p:ext uri="{BB962C8B-B14F-4D97-AF65-F5344CB8AC3E}">
+        <p14:creationId xmlns:p14="http://schemas.microsoft.com/office/powerpoint/2010/main" val="891435389"/>
+      </p:ext>
+    </p:extLst>
+  </p:cSld>
+  <p:clrMapOvr>
+    <a:masterClrMapping/>
+  </p:clrMapOvr>
+  <p:timing>
+    <p:tnLst>
+      <p:par>
+        <p:cTn id="1" dur="indefinite" restart="never" nodeType="tmRoot"/>
+      </p:par>
+    </p:tnLst>
+  </p:timing>
+</p:sld>
+</file>
+
+<file path=ppt/slides/slide2.xml><?xml version="1.0" encoding="utf-8"?>
+<p:sld xmlns:a="http://schemas.openxmlformats.org/drawingml/2006/main" xmlns:r="http://schemas.openxmlformats.org/officeDocument/2006/relationships" xmlns:p="http://schemas.openxmlformats.org/presentationml/2006/main">
+  <p:cSld>
+    <p:spTree>
+      <p:nvGrpSpPr>
+        <p:cNvPr id="1" name=""/>
+        <p:cNvGrpSpPr/>
+        <p:nvPr/>
+      </p:nvGrpSpPr>
+      <p:grpSpPr>
+        <a:xfrm>
+          <a:off x="0" y="0"/>
+          <a:ext cx="0" cy="0"/>
+          <a:chOff x="0" y="0"/>
+          <a:chExt cx="0" cy="0"/>
+        </a:xfrm>
+      </p:grpSpPr>
+      <p:sp>
+        <p:nvSpPr>
+          <p:cNvPr id="2" name="제목 1"/>
+          <p:cNvSpPr>
+            <a:spLocks noGrp="1"/>
+          </p:cNvSpPr>
+          <p:nvPr>
+            <p:ph type="title"/>
+          </p:nvPr>
+        </p:nvSpPr>
+        <p:spPr/>
+        <p:txBody>
+          <a:bodyPr/>
+          <a:lstStyle/>
+          <a:p>
+            <a:r>
+              <a:rPr lang="ko-KR" altLang="en-US" dirty="0" smtClean="0"/>
+              <a:t>책에서의 용어의 정의</a:t>
+            </a:r>
+            <a:endParaRPr lang="ko-KR" altLang="en-US" dirty="0"/>
+          </a:p>
+        </p:txBody>
+      </p:sp>
+      <p:sp>
+        <p:nvSpPr>
+          <p:cNvPr id="3" name="내용 개체 틀 2"/>
+          <p:cNvSpPr>
+            <a:spLocks noGrp="1"/>
+          </p:cNvSpPr>
+          <p:nvPr>
+            <p:ph idx="1"/>
+          </p:nvPr>
+        </p:nvSpPr>
+        <p:spPr>
+          <a:xfrm>
+            <a:off x="838200" y="1825625"/>
+            <a:ext cx="10515600" cy="4789488"/>
+          </a:xfrm>
+        </p:spPr>
+        <p:txBody>
+          <a:bodyPr>
+            <a:normAutofit fontScale="92500" lnSpcReduction="10000"/>
+          </a:bodyPr>
+          <a:lstStyle/>
+          <a:p>
+            <a:r>
+              <a:rPr lang="ko-KR" altLang="en-US" dirty="0" smtClean="0"/>
+              <a:t>문자열 </a:t>
+            </a:r>
+            <a:r>
+              <a:rPr lang="en-US" altLang="ko-KR" dirty="0" smtClean="0"/>
+              <a:t>S</a:t>
+            </a:r>
+            <a:r>
+              <a:rPr lang="ko-KR" altLang="en-US" dirty="0" smtClean="0"/>
+              <a:t>의 길이 </a:t>
+            </a:r>
+            <a:r>
+              <a:rPr lang="en-US" altLang="ko-KR" dirty="0" smtClean="0"/>
+              <a:t>: |S|</a:t>
+            </a:r>
+          </a:p>
+          <a:p>
+            <a:endParaRPr lang="en-US" altLang="ko-KR" dirty="0"/>
+          </a:p>
+          <a:p>
+            <a:r>
+              <a:rPr lang="ko-KR" altLang="en-US" dirty="0" smtClean="0"/>
+              <a:t>문자열 </a:t>
+            </a:r>
+            <a:r>
+              <a:rPr lang="en-US" altLang="ko-KR" dirty="0" smtClean="0"/>
+              <a:t>S</a:t>
+            </a:r>
+            <a:r>
+              <a:rPr lang="ko-KR" altLang="en-US" dirty="0" smtClean="0"/>
+              <a:t>의 </a:t>
+            </a:r>
+            <a:r>
+              <a:rPr lang="en-US" altLang="ko-KR" dirty="0" err="1" smtClean="0"/>
+              <a:t>i</a:t>
+            </a:r>
+            <a:r>
+              <a:rPr lang="ko-KR" altLang="en-US" dirty="0" smtClean="0"/>
+              <a:t>번째 글자 </a:t>
+            </a:r>
+            <a:r>
+              <a:rPr lang="en-US" altLang="ko-KR" dirty="0" smtClean="0"/>
+              <a:t>S[</a:t>
+            </a:r>
+            <a:r>
+              <a:rPr lang="en-US" altLang="ko-KR" dirty="0" err="1" smtClean="0"/>
+              <a:t>i</a:t>
+            </a:r>
+            <a:r>
+              <a:rPr lang="en-US" altLang="ko-KR" dirty="0" smtClean="0"/>
+              <a:t>], </a:t>
+            </a:r>
+            <a:r>
+              <a:rPr lang="ko-KR" altLang="en-US" dirty="0" smtClean="0"/>
+              <a:t>단 </a:t>
+            </a:r>
+            <a:r>
+              <a:rPr lang="en-US" altLang="ko-KR" dirty="0" err="1" smtClean="0"/>
+              <a:t>i</a:t>
+            </a:r>
+            <a:r>
+              <a:rPr lang="ko-KR" altLang="en-US" dirty="0" smtClean="0"/>
+              <a:t>는 </a:t>
+            </a:r>
+            <a:r>
+              <a:rPr lang="en-US" altLang="ko-KR" dirty="0" smtClean="0"/>
+              <a:t>0</a:t>
+            </a:r>
+            <a:r>
+              <a:rPr lang="ko-KR" altLang="en-US" dirty="0" smtClean="0"/>
+              <a:t>부터</a:t>
+            </a:r>
+            <a:endParaRPr lang="en-US" altLang="ko-KR" dirty="0" smtClean="0"/>
+          </a:p>
+          <a:p>
+            <a:endParaRPr lang="en-US" altLang="ko-KR" dirty="0"/>
+          </a:p>
+          <a:p>
+            <a:r>
+              <a:rPr lang="ko-KR" altLang="en-US" dirty="0" smtClean="0"/>
+              <a:t>문자열 </a:t>
+            </a:r>
+            <a:r>
+              <a:rPr lang="en-US" altLang="ko-KR" dirty="0" smtClean="0"/>
+              <a:t>S</a:t>
+            </a:r>
+            <a:r>
+              <a:rPr lang="ko-KR" altLang="en-US" dirty="0" smtClean="0"/>
+              <a:t>의 </a:t>
+            </a:r>
+            <a:r>
+              <a:rPr lang="en-US" altLang="ko-KR" dirty="0" err="1" smtClean="0"/>
+              <a:t>i</a:t>
+            </a:r>
+            <a:r>
+              <a:rPr lang="ko-KR" altLang="en-US" dirty="0" smtClean="0"/>
+              <a:t>번 글자부터 </a:t>
+            </a:r>
+            <a:r>
+              <a:rPr lang="en-US" altLang="ko-KR" dirty="0" smtClean="0"/>
+              <a:t>j</a:t>
+            </a:r>
+            <a:r>
+              <a:rPr lang="ko-KR" altLang="en-US" dirty="0" smtClean="0"/>
+              <a:t>번 글자 까지의 문자를 </a:t>
+            </a:r>
+            <a:r>
+              <a:rPr lang="ko-KR" altLang="en-US" b="1" dirty="0" smtClean="0">
+                <a:solidFill>
+                  <a:srgbClr val="FF0000"/>
+                </a:solidFill>
+              </a:rPr>
+              <a:t>부분 문자열</a:t>
+            </a:r>
+            <a:r>
+              <a:rPr lang="en-US" altLang="ko-KR" b="1" dirty="0" smtClean="0">
+                <a:solidFill>
+                  <a:srgbClr val="FF0000"/>
+                </a:solidFill>
+              </a:rPr>
+              <a:t>(substring) S[</a:t>
+            </a:r>
+            <a:r>
+              <a:rPr lang="en-US" altLang="ko-KR" b="1" dirty="0" err="1" smtClean="0">
+                <a:solidFill>
+                  <a:srgbClr val="FF0000"/>
+                </a:solidFill>
+              </a:rPr>
+              <a:t>i</a:t>
+            </a:r>
+            <a:r>
+              <a:rPr lang="en-US" altLang="ko-KR" b="1" dirty="0" smtClean="0">
+                <a:solidFill>
+                  <a:srgbClr val="FF0000"/>
+                </a:solidFill>
+              </a:rPr>
+              <a:t>…j]</a:t>
+            </a:r>
+          </a:p>
+          <a:p>
+            <a:endParaRPr lang="en-US" altLang="ko-KR" dirty="0" smtClean="0"/>
+          </a:p>
+          <a:p>
+            <a:r>
+              <a:rPr lang="ko-KR" altLang="en-US" dirty="0" smtClean="0"/>
+              <a:t>문자열 </a:t>
+            </a:r>
+            <a:r>
+              <a:rPr lang="en-US" altLang="ko-KR" dirty="0" smtClean="0"/>
+              <a:t>S</a:t>
+            </a:r>
+            <a:r>
+              <a:rPr lang="ko-KR" altLang="en-US" dirty="0" smtClean="0"/>
+              <a:t>의 </a:t>
+            </a:r>
+            <a:r>
+              <a:rPr lang="en-US" altLang="ko-KR" dirty="0" smtClean="0"/>
+              <a:t>0</a:t>
+            </a:r>
+            <a:r>
+              <a:rPr lang="ko-KR" altLang="en-US" dirty="0" smtClean="0"/>
+              <a:t>번째 글자부터 </a:t>
+            </a:r>
+            <a:r>
+              <a:rPr lang="en-US" altLang="ko-KR" dirty="0" err="1" smtClean="0"/>
+              <a:t>i</a:t>
+            </a:r>
+            <a:r>
+              <a:rPr lang="ko-KR" altLang="en-US" dirty="0" smtClean="0"/>
+              <a:t>번 째 </a:t>
+            </a:r>
+            <a:r>
+              <a:rPr lang="ko-KR" altLang="en-US" dirty="0" err="1" smtClean="0"/>
+              <a:t>글자까지를</a:t>
+            </a:r>
+            <a:r>
+              <a:rPr lang="ko-KR" altLang="en-US" dirty="0" smtClean="0"/>
+              <a:t> </a:t>
+            </a:r>
+            <a:r>
+              <a:rPr lang="ko-KR" altLang="en-US" b="1" dirty="0" smtClean="0">
+                <a:solidFill>
+                  <a:srgbClr val="FF0000"/>
+                </a:solidFill>
+              </a:rPr>
+              <a:t>접두사 </a:t>
+            </a:r>
+            <a:r>
+              <a:rPr lang="en-US" altLang="ko-KR" b="1" dirty="0" smtClean="0">
+                <a:solidFill>
+                  <a:srgbClr val="FF0000"/>
+                </a:solidFill>
+              </a:rPr>
+              <a:t>(prefix) S[0…</a:t>
+            </a:r>
+            <a:r>
+              <a:rPr lang="en-US" altLang="ko-KR" b="1" dirty="0" err="1" smtClean="0">
+                <a:solidFill>
+                  <a:srgbClr val="FF0000"/>
+                </a:solidFill>
+              </a:rPr>
+              <a:t>i</a:t>
+            </a:r>
+            <a:r>
+              <a:rPr lang="en-US" altLang="ko-KR" b="1" dirty="0" smtClean="0">
+                <a:solidFill>
+                  <a:srgbClr val="FF0000"/>
+                </a:solidFill>
+              </a:rPr>
+              <a:t>]  = S[…</a:t>
+            </a:r>
+            <a:r>
+              <a:rPr lang="en-US" altLang="ko-KR" b="1" dirty="0" err="1" smtClean="0">
+                <a:solidFill>
+                  <a:srgbClr val="FF0000"/>
+                </a:solidFill>
+              </a:rPr>
+              <a:t>i</a:t>
+            </a:r>
+            <a:r>
+              <a:rPr lang="en-US" altLang="ko-KR" b="1" dirty="0" smtClean="0">
+                <a:solidFill>
+                  <a:srgbClr val="FF0000"/>
+                </a:solidFill>
+              </a:rPr>
+              <a:t>]</a:t>
+            </a:r>
+          </a:p>
+          <a:p>
+            <a:endParaRPr lang="en-US" altLang="ko-KR" dirty="0"/>
+          </a:p>
+          <a:p>
+            <a:r>
+              <a:rPr lang="ko-KR" altLang="en-US" dirty="0" smtClean="0"/>
+              <a:t>문자열 </a:t>
+            </a:r>
+            <a:r>
+              <a:rPr lang="en-US" altLang="ko-KR" dirty="0" smtClean="0"/>
+              <a:t>S</a:t>
+            </a:r>
+            <a:r>
+              <a:rPr lang="ko-KR" altLang="en-US" dirty="0" smtClean="0"/>
+              <a:t>의 </a:t>
+            </a:r>
+            <a:r>
+              <a:rPr lang="en-US" altLang="ko-KR" dirty="0" err="1" smtClean="0"/>
+              <a:t>i</a:t>
+            </a:r>
+            <a:r>
+              <a:rPr lang="ko-KR" altLang="en-US" dirty="0" smtClean="0"/>
+              <a:t>번째 글자부터 끝 </a:t>
+            </a:r>
+            <a:r>
+              <a:rPr lang="ko-KR" altLang="en-US" dirty="0" err="1" smtClean="0"/>
+              <a:t>글자까지를</a:t>
+            </a:r>
+            <a:r>
+              <a:rPr lang="ko-KR" altLang="en-US" dirty="0" smtClean="0"/>
+              <a:t> </a:t>
+            </a:r>
+            <a:r>
+              <a:rPr lang="ko-KR" altLang="en-US" b="1" dirty="0" smtClean="0">
+                <a:solidFill>
+                  <a:srgbClr val="FF0000"/>
+                </a:solidFill>
+              </a:rPr>
+              <a:t>접미사</a:t>
+            </a:r>
+            <a:r>
+              <a:rPr lang="en-US" altLang="ko-KR" b="1" dirty="0" smtClean="0">
+                <a:solidFill>
+                  <a:srgbClr val="FF0000"/>
+                </a:solidFill>
+              </a:rPr>
+              <a:t>(</a:t>
+            </a:r>
+            <a:r>
+              <a:rPr lang="en-US" altLang="ko-KR" b="1" dirty="0" err="1" smtClean="0">
+                <a:solidFill>
+                  <a:srgbClr val="FF0000"/>
+                </a:solidFill>
+              </a:rPr>
+              <a:t>subfix</a:t>
+            </a:r>
+            <a:r>
+              <a:rPr lang="en-US" altLang="ko-KR" b="1" dirty="0" smtClean="0">
+                <a:solidFill>
+                  <a:srgbClr val="FF0000"/>
+                </a:solidFill>
+              </a:rPr>
+              <a:t>) S[</a:t>
+            </a:r>
+            <a:r>
+              <a:rPr lang="en-US" altLang="ko-KR" b="1" dirty="0" err="1" smtClean="0">
+                <a:solidFill>
+                  <a:srgbClr val="FF0000"/>
+                </a:solidFill>
+              </a:rPr>
+              <a:t>i</a:t>
+            </a:r>
+            <a:r>
+              <a:rPr lang="en-US" altLang="ko-KR" b="1" dirty="0" smtClean="0">
+                <a:solidFill>
+                  <a:srgbClr val="FF0000"/>
+                </a:solidFill>
+              </a:rPr>
+              <a:t>…]</a:t>
+            </a:r>
+            <a:endParaRPr lang="ko-KR" altLang="en-US" b="1" dirty="0">
+              <a:solidFill>
+                <a:srgbClr val="FF0000"/>
+              </a:solidFill>
+            </a:endParaRPr>
+          </a:p>
+        </p:txBody>
+      </p:sp>
+    </p:spTree>
+    <p:extLst>
+      <p:ext uri="{BB962C8B-B14F-4D97-AF65-F5344CB8AC3E}">
+        <p14:creationId xmlns:p14="http://schemas.microsoft.com/office/powerpoint/2010/main" val="453210239"/>
+      </p:ext>
+    </p:extLst>
+  </p:cSld>
+  <p:clrMapOvr>
+    <a:masterClrMapping/>
+  </p:clrMapOvr>
+</p:sld>
+</file>
+
+<file path=ppt/slides/slide20.xml><?xml version="1.0" encoding="utf-8"?>
+<p:sld xmlns:a="http://schemas.openxmlformats.org/drawingml/2006/main" xmlns:r="http://schemas.openxmlformats.org/officeDocument/2006/relationships" xmlns:p="http://schemas.openxmlformats.org/presentationml/2006/main">
+  <p:cSld>
+    <p:spTree>
+      <p:nvGrpSpPr>
+        <p:cNvPr id="1" name=""/>
+        <p:cNvGrpSpPr/>
+        <p:nvPr/>
+      </p:nvGrpSpPr>
+      <p:grpSpPr>
+        <a:xfrm>
+          <a:off x="0" y="0"/>
+          <a:ext cx="0" cy="0"/>
+          <a:chOff x="0" y="0"/>
+          <a:chExt cx="0" cy="0"/>
+        </a:xfrm>
+      </p:grpSpPr>
+      <p:sp>
+        <p:nvSpPr>
+          <p:cNvPr id="2" name="제목 1"/>
+          <p:cNvSpPr>
+            <a:spLocks noGrp="1"/>
+          </p:cNvSpPr>
+          <p:nvPr>
+            <p:ph type="title"/>
+          </p:nvPr>
+        </p:nvSpPr>
+        <p:spPr/>
+        <p:txBody>
+          <a:bodyPr/>
+          <a:lstStyle/>
+          <a:p>
+            <a:endParaRPr lang="ko-KR" altLang="en-US"/>
+          </a:p>
+        </p:txBody>
+      </p:sp>
+      <p:sp>
+        <p:nvSpPr>
+          <p:cNvPr id="3" name="내용 개체 틀 2"/>
+          <p:cNvSpPr>
+            <a:spLocks noGrp="1"/>
+          </p:cNvSpPr>
+          <p:nvPr>
+            <p:ph idx="1"/>
+          </p:nvPr>
+        </p:nvSpPr>
+        <p:spPr/>
+        <p:txBody>
+          <a:bodyPr/>
+          <a:lstStyle/>
+          <a:p>
+            <a:endParaRPr lang="ko-KR" altLang="en-US"/>
+          </a:p>
+        </p:txBody>
+      </p:sp>
+    </p:spTree>
+    <p:extLst>
+      <p:ext uri="{BB962C8B-B14F-4D97-AF65-F5344CB8AC3E}">
+        <p14:creationId xmlns:p14="http://schemas.microsoft.com/office/powerpoint/2010/main" val="3841787676"/>
+      </p:ext>
+    </p:extLst>
+  </p:cSld>
+  <p:clrMapOvr>
+    <a:masterClrMapping/>
+  </p:clrMapOvr>
+</p:sld>
+</file>
+
+<file path=ppt/slides/slide3.xml><?xml version="1.0" encoding="utf-8"?>
+<p:sld xmlns:a="http://schemas.openxmlformats.org/drawingml/2006/main" xmlns:r="http://schemas.openxmlformats.org/officeDocument/2006/relationships" xmlns:p="http://schemas.openxmlformats.org/presentationml/2006/main">
+  <p:cSld>
+    <p:spTree>
+      <p:nvGrpSpPr>
+        <p:cNvPr id="1" name=""/>
+        <p:cNvGrpSpPr/>
+        <p:nvPr/>
+      </p:nvGrpSpPr>
+      <p:grpSpPr>
+        <a:xfrm>
+          <a:off x="0" y="0"/>
+          <a:ext cx="0" cy="0"/>
+          <a:chOff x="0" y="0"/>
+          <a:chExt cx="0" cy="0"/>
+        </a:xfrm>
+      </p:grpSpPr>
+      <p:sp>
+        <p:nvSpPr>
+          <p:cNvPr id="2" name="제목 1"/>
+          <p:cNvSpPr>
+            <a:spLocks noGrp="1"/>
+          </p:cNvSpPr>
+          <p:nvPr>
+            <p:ph type="title"/>
+          </p:nvPr>
+        </p:nvSpPr>
+        <p:spPr/>
+        <p:txBody>
+          <a:bodyPr/>
+          <a:lstStyle/>
+          <a:p>
+            <a:r>
+              <a:rPr lang="ko-KR" altLang="en-US" dirty="0"/>
+              <a:t>문자열 검색 문제</a:t>
+            </a:r>
+            <a:r>
+              <a:rPr lang="en-US" altLang="ko-KR" dirty="0"/>
+              <a:t/>
+            </a:r>
+            <a:br>
+              <a:rPr lang="en-US" altLang="ko-KR" dirty="0"/>
+            </a:br>
+            <a:endParaRPr lang="ko-KR" altLang="en-US" dirty="0"/>
+          </a:p>
+        </p:txBody>
+      </p:sp>
+      <p:sp>
+        <p:nvSpPr>
+          <p:cNvPr id="3" name="내용 개체 틀 2"/>
+          <p:cNvSpPr>
+            <a:spLocks noGrp="1"/>
+          </p:cNvSpPr>
+          <p:nvPr>
+            <p:ph idx="1"/>
+          </p:nvPr>
+        </p:nvSpPr>
+        <p:spPr>
+          <a:xfrm>
+            <a:off x="838200" y="1825625"/>
+            <a:ext cx="9520238" cy="4351338"/>
+          </a:xfrm>
+        </p:spPr>
+        <p:txBody>
+          <a:bodyPr/>
+          <a:lstStyle/>
+          <a:p>
+            <a:r>
+              <a:rPr lang="ko-KR" altLang="en-US" dirty="0"/>
+              <a:t>아주 긴 </a:t>
+            </a:r>
+            <a:r>
+              <a:rPr lang="ko-KR" altLang="en-US" dirty="0" err="1"/>
+              <a:t>짚더미</a:t>
+            </a:r>
+            <a:r>
+              <a:rPr lang="ko-KR" altLang="en-US" dirty="0"/>
+              <a:t> 문자열</a:t>
+            </a:r>
+            <a:r>
+              <a:rPr lang="en-US" altLang="ko-KR" dirty="0"/>
+              <a:t>(</a:t>
+            </a:r>
+            <a:r>
+              <a:rPr lang="en-US" altLang="ko-KR" dirty="0" smtClean="0"/>
+              <a:t>haystack, H)</a:t>
+            </a:r>
+            <a:r>
+              <a:rPr lang="ko-KR" altLang="en-US" dirty="0"/>
+              <a:t>에서 짧은 </a:t>
+            </a:r>
+            <a:r>
+              <a:rPr lang="ko-KR" altLang="en-US" dirty="0" err="1"/>
+              <a:t>바늘문자열</a:t>
+            </a:r>
+            <a:r>
+              <a:rPr lang="en-US" altLang="ko-KR" dirty="0"/>
+              <a:t>(</a:t>
+            </a:r>
+            <a:r>
+              <a:rPr lang="en-US" altLang="ko-KR" dirty="0" smtClean="0"/>
+              <a:t>needle, N)</a:t>
+            </a:r>
+            <a:r>
+              <a:rPr lang="ko-KR" altLang="en-US" dirty="0"/>
+              <a:t>을 찾는 문제</a:t>
+            </a:r>
+            <a:r>
+              <a:rPr lang="en-US" altLang="ko-KR" dirty="0"/>
+              <a:t>. </a:t>
+            </a:r>
+            <a:r>
+              <a:rPr lang="ko-KR" altLang="en-US" dirty="0"/>
+              <a:t>그 위치도 함께 반환하는 문제</a:t>
+            </a:r>
+            <a:r>
+              <a:rPr lang="en-US" altLang="ko-KR" dirty="0" smtClean="0"/>
+              <a:t>.</a:t>
+            </a:r>
+          </a:p>
+          <a:p>
+            <a:endParaRPr lang="en-US" altLang="ko-KR" dirty="0"/>
+          </a:p>
+          <a:p>
+            <a:r>
+              <a:rPr lang="en-US" altLang="ko-KR" dirty="0" smtClean="0"/>
+              <a:t>naive</a:t>
+            </a:r>
+            <a:r>
+              <a:rPr lang="ko-KR" altLang="en-US" dirty="0" smtClean="0"/>
+              <a:t>한 풀이는 </a:t>
+            </a:r>
+            <a:r>
+              <a:rPr lang="en-US" altLang="ko-KR" dirty="0" smtClean="0"/>
+              <a:t>H</a:t>
+            </a:r>
+            <a:r>
+              <a:rPr lang="ko-KR" altLang="en-US" dirty="0" smtClean="0"/>
+              <a:t>에서 한 칸씩 이동하며 </a:t>
+            </a:r>
+            <a:r>
+              <a:rPr lang="en-US" altLang="ko-KR" dirty="0" smtClean="0"/>
+              <a:t>N</a:t>
+            </a:r>
+            <a:r>
+              <a:rPr lang="ko-KR" altLang="en-US" dirty="0" smtClean="0"/>
+              <a:t>과 일치하는 가를 살펴본다</a:t>
+            </a:r>
+            <a:endParaRPr lang="en-US" altLang="ko-KR" dirty="0"/>
+          </a:p>
+        </p:txBody>
+      </p:sp>
+    </p:spTree>
+    <p:extLst>
+      <p:ext uri="{BB962C8B-B14F-4D97-AF65-F5344CB8AC3E}">
+        <p14:creationId xmlns:p14="http://schemas.microsoft.com/office/powerpoint/2010/main" val="4035583904"/>
+      </p:ext>
+    </p:extLst>
+  </p:cSld>
+  <p:clrMapOvr>
+    <a:masterClrMapping/>
+  </p:clrMapOvr>
+</p:sld>
+</file>
+
+<file path=ppt/slides/slide4.xml><?xml version="1.0" encoding="utf-8"?>
+<p:sld xmlns:a="http://schemas.openxmlformats.org/drawingml/2006/main" xmlns:r="http://schemas.openxmlformats.org/officeDocument/2006/relationships" xmlns:p="http://schemas.openxmlformats.org/presentationml/2006/main">
+  <p:cSld>
+    <p:spTree>
+      <p:nvGrpSpPr>
+        <p:cNvPr id="1" name=""/>
+        <p:cNvGrpSpPr/>
+        <p:nvPr/>
+      </p:nvGrpSpPr>
+      <p:grpSpPr>
+        <a:xfrm>
+          <a:off x="0" y="0"/>
+          <a:ext cx="0" cy="0"/>
+          <a:chOff x="0" y="0"/>
+          <a:chExt cx="0" cy="0"/>
+        </a:xfrm>
+      </p:grpSpPr>
+      <p:sp>
+        <p:nvSpPr>
+          <p:cNvPr id="2" name="제목 1"/>
+          <p:cNvSpPr>
+            <a:spLocks noGrp="1"/>
+          </p:cNvSpPr>
+          <p:nvPr>
+            <p:ph type="title"/>
+          </p:nvPr>
+        </p:nvSpPr>
+        <p:spPr/>
+        <p:txBody>
+          <a:bodyPr/>
+          <a:lstStyle/>
+          <a:p>
+            <a:r>
+              <a:rPr lang="ko-KR" altLang="en-US" dirty="0"/>
+              <a:t>문자열 검색 문제</a:t>
+            </a:r>
+            <a:r>
+              <a:rPr lang="en-US" altLang="ko-KR" dirty="0"/>
+              <a:t/>
+            </a:r>
+            <a:br>
+              <a:rPr lang="en-US" altLang="ko-KR" dirty="0"/>
+            </a:br>
+            <a:endParaRPr lang="ko-KR" altLang="en-US" dirty="0"/>
+          </a:p>
+        </p:txBody>
+      </p:sp>
+      <p:sp>
+        <p:nvSpPr>
+          <p:cNvPr id="3" name="내용 개체 틀 2"/>
+          <p:cNvSpPr>
+            <a:spLocks noGrp="1"/>
+          </p:cNvSpPr>
+          <p:nvPr>
+            <p:ph idx="1"/>
+          </p:nvPr>
+        </p:nvSpPr>
+        <p:spPr>
+          <a:xfrm>
+            <a:off x="838200" y="5300662"/>
+            <a:ext cx="9520238" cy="1557337"/>
+          </a:xfrm>
+        </p:spPr>
+        <p:txBody>
+          <a:bodyPr/>
+          <a:lstStyle/>
+          <a:p>
+            <a:pPr marL="0" indent="0">
+              <a:buNone/>
+            </a:pPr>
+            <a:r>
+              <a:rPr lang="en-US" altLang="ko-KR" dirty="0" smtClean="0"/>
+              <a:t>Q. begin + </a:t>
+            </a:r>
+            <a:r>
+              <a:rPr lang="en-US" altLang="ko-KR" dirty="0" err="1" smtClean="0"/>
+              <a:t>N.size</a:t>
+            </a:r>
+            <a:r>
+              <a:rPr lang="en-US" altLang="ko-KR" dirty="0" smtClean="0"/>
+              <a:t>() &lt;= </a:t>
+            </a:r>
+            <a:r>
+              <a:rPr lang="en-US" altLang="ko-KR" dirty="0" err="1" smtClean="0"/>
+              <a:t>H.size</a:t>
+            </a:r>
+            <a:r>
+              <a:rPr lang="en-US" altLang="ko-KR" dirty="0" smtClean="0"/>
+              <a:t>()</a:t>
+            </a:r>
+            <a:r>
+              <a:rPr lang="ko-KR" altLang="en-US" dirty="0"/>
+              <a:t> </a:t>
+            </a:r>
+            <a:r>
+              <a:rPr lang="ko-KR" altLang="en-US" dirty="0" smtClean="0"/>
+              <a:t>라는 조건은 왜 그렇죠</a:t>
+            </a:r>
+            <a:r>
+              <a:rPr lang="en-US" altLang="ko-KR" dirty="0" smtClean="0"/>
+              <a:t>?</a:t>
+            </a:r>
+          </a:p>
+          <a:p>
+            <a:pPr marL="0" indent="0">
+              <a:buNone/>
+            </a:pPr>
+            <a:endParaRPr lang="en-US" altLang="ko-KR" dirty="0"/>
+          </a:p>
+          <a:p>
+            <a:pPr marL="0" indent="0">
+              <a:buNone/>
+            </a:pPr>
+            <a:r>
+              <a:rPr lang="en-US" altLang="ko-KR" dirty="0" smtClean="0"/>
+              <a:t>Q. </a:t>
+            </a:r>
+            <a:r>
+              <a:rPr lang="ko-KR" altLang="en-US" dirty="0" smtClean="0"/>
+              <a:t>시간복잡도는 어떻게 될까요</a:t>
+            </a:r>
+            <a:r>
+              <a:rPr lang="en-US" altLang="ko-KR" dirty="0" smtClean="0"/>
+              <a:t>?</a:t>
+            </a:r>
+            <a:endParaRPr lang="en-US" altLang="ko-KR" dirty="0"/>
+          </a:p>
+        </p:txBody>
+      </p:sp>
+      <p:pic>
+        <p:nvPicPr>
+          <p:cNvPr id="4" name="그림 3"/>
+          <p:cNvPicPr>
+            <a:picLocks noChangeAspect="1"/>
+          </p:cNvPicPr>
+          <p:nvPr/>
+        </p:nvPicPr>
+        <p:blipFill>
+          <a:blip r:embed="rId2">
+            <a:extLst>
+              <a:ext uri="{28A0092B-C50C-407E-A947-70E740481C1C}">
+                <a14:useLocalDpi xmlns:a14="http://schemas.microsoft.com/office/drawing/2010/main" val="0"/>
+              </a:ext>
+            </a:extLst>
+          </a:blip>
+          <a:stretch>
+            <a:fillRect/>
+          </a:stretch>
+        </p:blipFill>
+        <p:spPr>
+          <a:xfrm>
+            <a:off x="2283620" y="1276350"/>
+            <a:ext cx="7227504" cy="3881437"/>
+          </a:xfrm>
+          <a:prstGeom prst="rect">
+            <a:avLst/>
+          </a:prstGeom>
+        </p:spPr>
+      </p:pic>
+    </p:spTree>
+    <p:extLst>
+      <p:ext uri="{BB962C8B-B14F-4D97-AF65-F5344CB8AC3E}">
+        <p14:creationId xmlns:p14="http://schemas.microsoft.com/office/powerpoint/2010/main" val="2779810463"/>
+      </p:ext>
+    </p:extLst>
+  </p:cSld>
+  <p:clrMapOvr>
+    <a:masterClrMapping/>
+  </p:clrMapOvr>
+  <p:timing>
+    <p:tnLst>
+      <p:par>
+        <p:cTn id="1" dur="indefinite" restart="never" nodeType="tmRoot"/>
+      </p:par>
+    </p:tnLst>
+  </p:timing>
+</p:sld>
+</file>
+
+<file path=ppt/slides/slide5.xml><?xml version="1.0" encoding="utf-8"?>
+<p:sld xmlns:a="http://schemas.openxmlformats.org/drawingml/2006/main" xmlns:r="http://schemas.openxmlformats.org/officeDocument/2006/relationships" xmlns:p="http://schemas.openxmlformats.org/presentationml/2006/main">
+  <p:cSld>
+    <p:spTree>
+      <p:nvGrpSpPr>
+        <p:cNvPr id="1" name=""/>
+        <p:cNvGrpSpPr/>
+        <p:nvPr/>
+      </p:nvGrpSpPr>
+      <p:grpSpPr>
+        <a:xfrm>
+          <a:off x="0" y="0"/>
+          <a:ext cx="0" cy="0"/>
+          <a:chOff x="0" y="0"/>
+          <a:chExt cx="0" cy="0"/>
+        </a:xfrm>
+      </p:grpSpPr>
+      <p:sp>
+        <p:nvSpPr>
+          <p:cNvPr id="2" name="제목 1"/>
+          <p:cNvSpPr>
+            <a:spLocks noGrp="1"/>
+          </p:cNvSpPr>
+          <p:nvPr>
+            <p:ph type="title"/>
+          </p:nvPr>
+        </p:nvSpPr>
+        <p:spPr/>
+        <p:txBody>
+          <a:bodyPr/>
+          <a:lstStyle/>
+          <a:p>
+            <a:r>
+              <a:rPr lang="en-US" altLang="ko-KR" dirty="0" smtClean="0"/>
+              <a:t>K M P (Knuth – </a:t>
+            </a:r>
+            <a:r>
+              <a:rPr lang="en-US" altLang="ko-KR" dirty="0" err="1" smtClean="0"/>
+              <a:t>Moriss</a:t>
+            </a:r>
+            <a:r>
+              <a:rPr lang="en-US" altLang="ko-KR" dirty="0" smtClean="0"/>
+              <a:t> – Prat)</a:t>
+            </a:r>
+            <a:endParaRPr lang="ko-KR" altLang="en-US" dirty="0"/>
+          </a:p>
+        </p:txBody>
+      </p:sp>
+      <p:sp>
+        <p:nvSpPr>
+          <p:cNvPr id="3" name="내용 개체 틀 2"/>
+          <p:cNvSpPr>
+            <a:spLocks noGrp="1"/>
+          </p:cNvSpPr>
+          <p:nvPr>
+            <p:ph idx="1"/>
+          </p:nvPr>
+        </p:nvSpPr>
+        <p:spPr>
+          <a:xfrm>
+            <a:off x="838200" y="1825625"/>
+            <a:ext cx="10515600" cy="4889500"/>
+          </a:xfrm>
+        </p:spPr>
+        <p:txBody>
+          <a:bodyPr/>
+          <a:lstStyle/>
+          <a:p>
+            <a:endParaRPr lang="en-US" altLang="ko-KR" dirty="0"/>
+          </a:p>
+          <a:p>
+            <a:r>
+              <a:rPr lang="en-US" altLang="ko-KR" dirty="0" smtClean="0"/>
+              <a:t>naive </a:t>
+            </a:r>
+            <a:r>
+              <a:rPr lang="ko-KR" altLang="en-US" dirty="0" smtClean="0"/>
+              <a:t>알고리즘에서 틀려버리면 </a:t>
+            </a:r>
+            <a:r>
+              <a:rPr lang="en-US" altLang="ko-KR" dirty="0" smtClean="0"/>
+              <a:t>begin</a:t>
+            </a:r>
+            <a:r>
+              <a:rPr lang="ko-KR" altLang="en-US" dirty="0" smtClean="0"/>
+              <a:t>을 </a:t>
+            </a:r>
+            <a:r>
+              <a:rPr lang="en-US" altLang="ko-KR" dirty="0" smtClean="0"/>
+              <a:t>+1</a:t>
+            </a:r>
+            <a:r>
+              <a:rPr lang="ko-KR" altLang="en-US" dirty="0" smtClean="0"/>
+              <a:t>을</a:t>
+            </a:r>
+            <a:r>
+              <a:rPr lang="en-US" altLang="ko-KR" dirty="0" smtClean="0"/>
+              <a:t> </a:t>
+            </a:r>
+            <a:r>
+              <a:rPr lang="ko-KR" altLang="en-US" dirty="0" smtClean="0"/>
+              <a:t>시켜서 다시 </a:t>
+            </a:r>
+            <a:r>
+              <a:rPr lang="en-US" altLang="ko-KR" dirty="0" smtClean="0"/>
+              <a:t>N</a:t>
+            </a:r>
+            <a:r>
+              <a:rPr lang="ko-KR" altLang="en-US" dirty="0" smtClean="0"/>
+              <a:t>과  맞추어 보았다</a:t>
+            </a:r>
+            <a:r>
+              <a:rPr lang="en-US" altLang="ko-KR" dirty="0" smtClean="0"/>
+              <a:t>.</a:t>
+            </a:r>
+          </a:p>
+          <a:p>
+            <a:endParaRPr lang="en-US" altLang="ko-KR" dirty="0" smtClean="0"/>
+          </a:p>
+          <a:p>
+            <a:endParaRPr lang="en-US" altLang="ko-KR" dirty="0"/>
+          </a:p>
+          <a:p>
+            <a:endParaRPr lang="en-US" altLang="ko-KR" dirty="0"/>
+          </a:p>
+          <a:p>
+            <a:r>
+              <a:rPr lang="en-US" altLang="ko-KR" dirty="0" smtClean="0"/>
+              <a:t>KMP</a:t>
+            </a:r>
+            <a:r>
+              <a:rPr lang="ko-KR" altLang="en-US" dirty="0" smtClean="0"/>
+              <a:t>는 검색 도중 틀렸을 경우 </a:t>
+            </a:r>
+            <a:r>
+              <a:rPr lang="en-US" altLang="ko-KR" dirty="0" smtClean="0"/>
+              <a:t>begin</a:t>
+            </a:r>
+            <a:r>
+              <a:rPr lang="ko-KR" altLang="en-US" dirty="0" smtClean="0"/>
+              <a:t>을 </a:t>
+            </a:r>
+            <a:r>
+              <a:rPr lang="en-US" altLang="ko-KR" dirty="0" smtClean="0"/>
+              <a:t>+1 </a:t>
+            </a:r>
+            <a:r>
+              <a:rPr lang="ko-KR" altLang="en-US" dirty="0" smtClean="0"/>
+              <a:t>하는 것 말고 그 이</a:t>
+            </a:r>
+            <a:r>
+              <a:rPr lang="en-US" altLang="ko-KR" dirty="0"/>
+              <a:t/>
+            </a:r>
+            <a:br>
+              <a:rPr lang="en-US" altLang="ko-KR" dirty="0"/>
+            </a:br>
+            <a:r>
+              <a:rPr lang="en-US" altLang="ko-KR" dirty="0" smtClean="0"/>
+              <a:t/>
+            </a:r>
+            <a:br>
+              <a:rPr lang="en-US" altLang="ko-KR" dirty="0" smtClean="0"/>
+            </a:br>
+            <a:r>
+              <a:rPr lang="ko-KR" altLang="en-US" dirty="0" smtClean="0"/>
+              <a:t>상 뛰어넘을 수 없을까 하는 고민에서 시작한 알고리즘</a:t>
+            </a:r>
+            <a:r>
+              <a:rPr lang="en-US" altLang="ko-KR" dirty="0" smtClean="0"/>
+              <a:t>.</a:t>
+            </a:r>
+          </a:p>
+          <a:p>
+            <a:endParaRPr lang="en-US" altLang="ko-KR" dirty="0"/>
+          </a:p>
+          <a:p>
+            <a:endParaRPr lang="ko-KR" altLang="en-US" dirty="0"/>
+          </a:p>
+        </p:txBody>
+      </p:sp>
+    </p:spTree>
+    <p:extLst>
+      <p:ext uri="{BB962C8B-B14F-4D97-AF65-F5344CB8AC3E}">
+        <p14:creationId xmlns:p14="http://schemas.microsoft.com/office/powerpoint/2010/main" val="2463385611"/>
+      </p:ext>
+    </p:extLst>
+  </p:cSld>
+  <p:clrMapOvr>
+    <a:masterClrMapping/>
+  </p:clrMapOvr>
+  <p:timing>
+    <p:tnLst>
+      <p:par>
+        <p:cTn id="1" dur="indefinite" restart="never" nodeType="tmRoot"/>
+      </p:par>
+    </p:tnLst>
+  </p:timing>
 </p:sld>
 </file>
 
@@ -3404,56 +5608,394 @@
           <a:lstStyle/>
           <a:p>
             <a:r>
-              <a:rPr lang="ko-KR" altLang="en-US" dirty="0" smtClean="0"/>
-              <a:t>코드 </a:t>
-            </a:r>
-            <a:r>
-              <a:rPr lang="en-US" altLang="ko-KR" dirty="0" smtClean="0"/>
-              <a:t>20.7</a:t>
+              <a:rPr lang="en-US" altLang="ko-KR" dirty="0" smtClean="0"/>
+              <a:t>K M P (Knuth – </a:t>
+            </a:r>
+            <a:r>
+              <a:rPr lang="en-US" altLang="ko-KR" dirty="0" err="1" smtClean="0"/>
+              <a:t>Moriss</a:t>
+            </a:r>
+            <a:r>
+              <a:rPr lang="en-US" altLang="ko-KR" dirty="0" smtClean="0"/>
+              <a:t> – Prat)</a:t>
             </a:r>
             <a:endParaRPr lang="ko-KR" altLang="en-US" dirty="0"/>
           </a:p>
         </p:txBody>
       </p:sp>
-      <p:pic>
-        <p:nvPicPr>
-          <p:cNvPr id="4" name="내용 개체 틀 3"/>
-          <p:cNvPicPr>
-            <a:picLocks noGrp="1" noChangeAspect="1"/>
-          </p:cNvPicPr>
+      <p:sp>
+        <p:nvSpPr>
+          <p:cNvPr id="3" name="내용 개체 틀 2"/>
+          <p:cNvSpPr>
+            <a:spLocks noGrp="1"/>
+          </p:cNvSpPr>
           <p:nvPr>
             <p:ph idx="1"/>
           </p:nvPr>
-        </p:nvPicPr>
-        <p:blipFill>
-          <a:blip r:embed="rId2">
-            <a:extLst>
-              <a:ext uri="{28A0092B-C50C-407E-A947-70E740481C1C}">
-                <a14:useLocalDpi xmlns:a14="http://schemas.microsoft.com/office/drawing/2010/main" val="0"/>
-              </a:ext>
-            </a:extLst>
-          </a:blip>
-          <a:stretch>
-            <a:fillRect/>
-          </a:stretch>
-        </p:blipFill>
+        </p:nvSpPr>
         <p:spPr>
           <a:xfrm>
-            <a:off x="5971314" y="511174"/>
-            <a:ext cx="5869159" cy="6175375"/>
+            <a:off x="838200" y="1825625"/>
+            <a:ext cx="10515600" cy="4889500"/>
           </a:xfrm>
         </p:spPr>
-      </p:pic>
-      <p:sp>
-        <p:nvSpPr>
-          <p:cNvPr id="5" name="TextBox 4"/>
+        <p:txBody>
+          <a:bodyPr/>
+          <a:lstStyle/>
+          <a:p>
+            <a:endParaRPr lang="en-US" altLang="ko-KR" dirty="0"/>
+          </a:p>
+          <a:p>
+            <a:endParaRPr lang="ko-KR" altLang="en-US" dirty="0"/>
+          </a:p>
+        </p:txBody>
+      </p:sp>
+      <p:graphicFrame>
+        <p:nvGraphicFramePr>
+          <p:cNvPr id="4" name="표 3"/>
+          <p:cNvGraphicFramePr>
+            <a:graphicFrameLocks noGrp="1"/>
+          </p:cNvGraphicFramePr>
+          <p:nvPr>
+            <p:extLst>
+              <p:ext uri="{D42A27DB-BD31-4B8C-83A1-F6EECF244321}">
+                <p14:modId xmlns:p14="http://schemas.microsoft.com/office/powerpoint/2010/main" val="1638897069"/>
+              </p:ext>
+            </p:extLst>
+          </p:nvPr>
+        </p:nvGraphicFramePr>
+        <p:xfrm>
+          <a:off x="1403350" y="2005964"/>
+          <a:ext cx="8128003" cy="370840"/>
+        </p:xfrm>
+        <a:graphic>
+          <a:graphicData uri="http://schemas.openxmlformats.org/drawingml/2006/table">
+            <a:tbl>
+              <a:tblPr firstRow="1" bandRow="1">
+                <a:tableStyleId>{5C22544A-7EE6-4342-B048-85BDC9FD1C3A}</a:tableStyleId>
+              </a:tblPr>
+              <a:tblGrid>
+                <a:gridCol w="625231">
+                  <a:extLst>
+                    <a:ext uri="{9D8B030D-6E8A-4147-A177-3AD203B41FA5}">
+                      <a16:colId xmlns:a16="http://schemas.microsoft.com/office/drawing/2014/main" val="2456485878"/>
+                    </a:ext>
+                  </a:extLst>
+                </a:gridCol>
+                <a:gridCol w="625231">
+                  <a:extLst>
+                    <a:ext uri="{9D8B030D-6E8A-4147-A177-3AD203B41FA5}">
+                      <a16:colId xmlns:a16="http://schemas.microsoft.com/office/drawing/2014/main" val="2012988667"/>
+                    </a:ext>
+                  </a:extLst>
+                </a:gridCol>
+                <a:gridCol w="625231">
+                  <a:extLst>
+                    <a:ext uri="{9D8B030D-6E8A-4147-A177-3AD203B41FA5}">
+                      <a16:colId xmlns:a16="http://schemas.microsoft.com/office/drawing/2014/main" val="3999389385"/>
+                    </a:ext>
+                  </a:extLst>
+                </a:gridCol>
+                <a:gridCol w="625231">
+                  <a:extLst>
+                    <a:ext uri="{9D8B030D-6E8A-4147-A177-3AD203B41FA5}">
+                      <a16:colId xmlns:a16="http://schemas.microsoft.com/office/drawing/2014/main" val="1301865268"/>
+                    </a:ext>
+                  </a:extLst>
+                </a:gridCol>
+                <a:gridCol w="625231">
+                  <a:extLst>
+                    <a:ext uri="{9D8B030D-6E8A-4147-A177-3AD203B41FA5}">
+                      <a16:colId xmlns:a16="http://schemas.microsoft.com/office/drawing/2014/main" val="322114564"/>
+                    </a:ext>
+                  </a:extLst>
+                </a:gridCol>
+                <a:gridCol w="625231">
+                  <a:extLst>
+                    <a:ext uri="{9D8B030D-6E8A-4147-A177-3AD203B41FA5}">
+                      <a16:colId xmlns:a16="http://schemas.microsoft.com/office/drawing/2014/main" val="267815742"/>
+                    </a:ext>
+                  </a:extLst>
+                </a:gridCol>
+                <a:gridCol w="625231">
+                  <a:extLst>
+                    <a:ext uri="{9D8B030D-6E8A-4147-A177-3AD203B41FA5}">
+                      <a16:colId xmlns:a16="http://schemas.microsoft.com/office/drawing/2014/main" val="3713148556"/>
+                    </a:ext>
+                  </a:extLst>
+                </a:gridCol>
+                <a:gridCol w="625231">
+                  <a:extLst>
+                    <a:ext uri="{9D8B030D-6E8A-4147-A177-3AD203B41FA5}">
+                      <a16:colId xmlns:a16="http://schemas.microsoft.com/office/drawing/2014/main" val="3875770486"/>
+                    </a:ext>
+                  </a:extLst>
+                </a:gridCol>
+                <a:gridCol w="625231">
+                  <a:extLst>
+                    <a:ext uri="{9D8B030D-6E8A-4147-A177-3AD203B41FA5}">
+                      <a16:colId xmlns:a16="http://schemas.microsoft.com/office/drawing/2014/main" val="3908604278"/>
+                    </a:ext>
+                  </a:extLst>
+                </a:gridCol>
+                <a:gridCol w="625231">
+                  <a:extLst>
+                    <a:ext uri="{9D8B030D-6E8A-4147-A177-3AD203B41FA5}">
+                      <a16:colId xmlns:a16="http://schemas.microsoft.com/office/drawing/2014/main" val="496224586"/>
+                    </a:ext>
+                  </a:extLst>
+                </a:gridCol>
+                <a:gridCol w="625231">
+                  <a:extLst>
+                    <a:ext uri="{9D8B030D-6E8A-4147-A177-3AD203B41FA5}">
+                      <a16:colId xmlns:a16="http://schemas.microsoft.com/office/drawing/2014/main" val="572304653"/>
+                    </a:ext>
+                  </a:extLst>
+                </a:gridCol>
+                <a:gridCol w="625231">
+                  <a:extLst>
+                    <a:ext uri="{9D8B030D-6E8A-4147-A177-3AD203B41FA5}">
+                      <a16:colId xmlns:a16="http://schemas.microsoft.com/office/drawing/2014/main" val="182883201"/>
+                    </a:ext>
+                  </a:extLst>
+                </a:gridCol>
+                <a:gridCol w="625231">
+                  <a:extLst>
+                    <a:ext uri="{9D8B030D-6E8A-4147-A177-3AD203B41FA5}">
+                      <a16:colId xmlns:a16="http://schemas.microsoft.com/office/drawing/2014/main" val="1539942196"/>
+                    </a:ext>
+                  </a:extLst>
+                </a:gridCol>
+              </a:tblGrid>
+              <a:tr h="370840">
+                <a:tc>
+                  <a:txBody>
+                    <a:bodyPr/>
+                    <a:lstStyle/>
+                    <a:p>
+                      <a:pPr latinLnBrk="1"/>
+                      <a:endParaRPr lang="ko-KR" altLang="en-US" dirty="0"/>
+                    </a:p>
+                  </a:txBody>
+                  <a:tcPr>
+                    <a:solidFill>
+                      <a:schemeClr val="accent1">
+                        <a:lumMod val="20000"/>
+                        <a:lumOff val="80000"/>
+                      </a:schemeClr>
+                    </a:solidFill>
+                  </a:tcPr>
+                </a:tc>
+                <a:tc>
+                  <a:txBody>
+                    <a:bodyPr/>
+                    <a:lstStyle/>
+                    <a:p>
+                      <a:pPr latinLnBrk="1"/>
+                      <a:r>
+                        <a:rPr lang="en-US" altLang="ko-KR" dirty="0" smtClean="0"/>
+                        <a:t>H[</a:t>
+                      </a:r>
+                      <a:r>
+                        <a:rPr lang="en-US" altLang="ko-KR" dirty="0" err="1" smtClean="0"/>
+                        <a:t>i</a:t>
+                      </a:r>
+                      <a:r>
+                        <a:rPr lang="en-US" altLang="ko-KR" dirty="0" smtClean="0"/>
+                        <a:t>]</a:t>
+                      </a:r>
+                      <a:endParaRPr lang="ko-KR" altLang="en-US" dirty="0"/>
+                    </a:p>
+                  </a:txBody>
+                  <a:tcPr/>
+                </a:tc>
+                <a:tc>
+                  <a:txBody>
+                    <a:bodyPr/>
+                    <a:lstStyle/>
+                    <a:p>
+                      <a:pPr latinLnBrk="1"/>
+                      <a:endParaRPr lang="ko-KR" altLang="en-US" dirty="0"/>
+                    </a:p>
+                  </a:txBody>
+                  <a:tcPr/>
+                </a:tc>
+                <a:tc>
+                  <a:txBody>
+                    <a:bodyPr/>
+                    <a:lstStyle/>
+                    <a:p>
+                      <a:pPr latinLnBrk="1"/>
+                      <a:endParaRPr lang="ko-KR" altLang="en-US"/>
+                    </a:p>
+                  </a:txBody>
+                  <a:tcPr/>
+                </a:tc>
+                <a:tc>
+                  <a:txBody>
+                    <a:bodyPr/>
+                    <a:lstStyle/>
+                    <a:p>
+                      <a:pPr latinLnBrk="1"/>
+                      <a:endParaRPr lang="ko-KR" altLang="en-US"/>
+                    </a:p>
+                  </a:txBody>
+                  <a:tcPr/>
+                </a:tc>
+                <a:tc>
+                  <a:txBody>
+                    <a:bodyPr/>
+                    <a:lstStyle/>
+                    <a:p>
+                      <a:pPr latinLnBrk="1"/>
+                      <a:endParaRPr lang="ko-KR" altLang="en-US"/>
+                    </a:p>
+                  </a:txBody>
+                  <a:tcPr/>
+                </a:tc>
+                <a:tc>
+                  <a:txBody>
+                    <a:bodyPr/>
+                    <a:lstStyle/>
+                    <a:p>
+                      <a:pPr latinLnBrk="1"/>
+                      <a:endParaRPr lang="ko-KR" altLang="en-US" dirty="0"/>
+                    </a:p>
+                  </a:txBody>
+                  <a:tcPr>
+                    <a:solidFill>
+                      <a:schemeClr val="accent1"/>
+                    </a:solidFill>
+                  </a:tcPr>
+                </a:tc>
+                <a:tc>
+                  <a:txBody>
+                    <a:bodyPr/>
+                    <a:lstStyle/>
+                    <a:p>
+                      <a:pPr latinLnBrk="1"/>
+                      <a:endParaRPr lang="ko-KR" altLang="en-US" dirty="0"/>
+                    </a:p>
+                  </a:txBody>
+                  <a:tcPr>
+                    <a:solidFill>
+                      <a:schemeClr val="accent1">
+                        <a:lumMod val="20000"/>
+                        <a:lumOff val="80000"/>
+                      </a:schemeClr>
+                    </a:solidFill>
+                  </a:tcPr>
+                </a:tc>
+                <a:tc>
+                  <a:txBody>
+                    <a:bodyPr/>
+                    <a:lstStyle/>
+                    <a:p>
+                      <a:pPr latinLnBrk="1"/>
+                      <a:endParaRPr lang="ko-KR" altLang="en-US" dirty="0"/>
+                    </a:p>
+                  </a:txBody>
+                  <a:tcPr>
+                    <a:solidFill>
+                      <a:schemeClr val="accent1">
+                        <a:lumMod val="20000"/>
+                        <a:lumOff val="80000"/>
+                      </a:schemeClr>
+                    </a:solidFill>
+                  </a:tcPr>
+                </a:tc>
+                <a:tc>
+                  <a:txBody>
+                    <a:bodyPr/>
+                    <a:lstStyle/>
+                    <a:p>
+                      <a:pPr latinLnBrk="1"/>
+                      <a:endParaRPr lang="ko-KR" altLang="en-US" dirty="0"/>
+                    </a:p>
+                  </a:txBody>
+                  <a:tcPr>
+                    <a:solidFill>
+                      <a:schemeClr val="accent1">
+                        <a:lumMod val="20000"/>
+                        <a:lumOff val="80000"/>
+                      </a:schemeClr>
+                    </a:solidFill>
+                  </a:tcPr>
+                </a:tc>
+                <a:tc>
+                  <a:txBody>
+                    <a:bodyPr/>
+                    <a:lstStyle/>
+                    <a:p>
+                      <a:pPr latinLnBrk="1"/>
+                      <a:endParaRPr lang="ko-KR" altLang="en-US" dirty="0"/>
+                    </a:p>
+                  </a:txBody>
+                  <a:tcPr>
+                    <a:solidFill>
+                      <a:schemeClr val="accent1">
+                        <a:lumMod val="20000"/>
+                        <a:lumOff val="80000"/>
+                      </a:schemeClr>
+                    </a:solidFill>
+                  </a:tcPr>
+                </a:tc>
+                <a:tc>
+                  <a:txBody>
+                    <a:bodyPr/>
+                    <a:lstStyle/>
+                    <a:p>
+                      <a:pPr latinLnBrk="1"/>
+                      <a:endParaRPr lang="ko-KR" altLang="en-US" dirty="0"/>
+                    </a:p>
+                  </a:txBody>
+                  <a:tcPr>
+                    <a:solidFill>
+                      <a:schemeClr val="accent1">
+                        <a:lumMod val="20000"/>
+                        <a:lumOff val="80000"/>
+                      </a:schemeClr>
+                    </a:solidFill>
+                  </a:tcPr>
+                </a:tc>
+                <a:tc>
+                  <a:txBody>
+                    <a:bodyPr/>
+                    <a:lstStyle/>
+                    <a:p>
+                      <a:pPr latinLnBrk="1"/>
+                      <a:endParaRPr lang="ko-KR" altLang="en-US" dirty="0"/>
+                    </a:p>
+                  </a:txBody>
+                  <a:tcPr>
+                    <a:solidFill>
+                      <a:schemeClr val="accent1">
+                        <a:lumMod val="20000"/>
+                        <a:lumOff val="80000"/>
+                      </a:schemeClr>
+                    </a:solidFill>
+                  </a:tcPr>
+                </a:tc>
+                <a:extLst>
+                  <a:ext uri="{0D108BD9-81ED-4DB2-BD59-A6C34878D82A}">
+                    <a16:rowId xmlns:a16="http://schemas.microsoft.com/office/drawing/2014/main" val="2350341802"/>
+                  </a:ext>
+                </a:extLst>
+              </a:tr>
+            </a:tbl>
+          </a:graphicData>
+        </a:graphic>
+      </p:graphicFrame>
+      <p:sp>
+        <p:nvSpPr>
+          <p:cNvPr id="7" name="TextBox 6"/>
           <p:cNvSpPr txBox="1"/>
           <p:nvPr/>
         </p:nvSpPr>
         <p:spPr>
           <a:xfrm>
-            <a:off x="1585913" y="2371725"/>
-            <a:ext cx="2000250" cy="369332"/>
+            <a:off x="428626" y="1934843"/>
+            <a:ext cx="485775" cy="369332"/>
           </a:xfrm>
           <a:prstGeom prst="rect">
             <a:avLst/>
@@ -3467,31 +6009,496 @@
           <a:lstStyle/>
           <a:p>
             <a:r>
-              <a:rPr lang="en-US" altLang="ko-KR" dirty="0" smtClean="0"/>
-              <a:t>20.2</a:t>
-            </a:r>
-            <a:r>
-              <a:rPr lang="ko-KR" altLang="en-US" dirty="0" smtClean="0"/>
-              <a:t>와 비교</a:t>
-            </a:r>
-            <a:r>
-              <a:rPr lang="en-US" altLang="ko-KR" dirty="0" smtClean="0"/>
-              <a:t>.</a:t>
+              <a:rPr lang="en-US" altLang="ko-KR" b="1" dirty="0" smtClean="0"/>
+              <a:t>H</a:t>
+            </a:r>
+            <a:endParaRPr lang="ko-KR" altLang="en-US" b="1" dirty="0"/>
+          </a:p>
+        </p:txBody>
+      </p:sp>
+      <p:sp>
+        <p:nvSpPr>
+          <p:cNvPr id="8" name="TextBox 7"/>
+          <p:cNvSpPr txBox="1"/>
+          <p:nvPr/>
+        </p:nvSpPr>
+        <p:spPr>
+          <a:xfrm>
+            <a:off x="411957" y="2665835"/>
+            <a:ext cx="485775" cy="369332"/>
+          </a:xfrm>
+          <a:prstGeom prst="rect">
+            <a:avLst/>
+          </a:prstGeom>
+          <a:noFill/>
+        </p:spPr>
+        <p:txBody>
+          <a:bodyPr wrap="square" rtlCol="0">
+            <a:spAutoFit/>
+          </a:bodyPr>
+          <a:lstStyle/>
+          <a:p>
+            <a:r>
+              <a:rPr lang="en-US" altLang="ko-KR" b="1" dirty="0" smtClean="0"/>
+              <a:t>N</a:t>
+            </a:r>
+            <a:endParaRPr lang="ko-KR" altLang="en-US" b="1" dirty="0"/>
+          </a:p>
+        </p:txBody>
+      </p:sp>
+      <p:cxnSp>
+        <p:nvCxnSpPr>
+          <p:cNvPr id="12" name="직선 화살표 연결선 11"/>
+          <p:cNvCxnSpPr>
+            <a:endCxn id="13" idx="1"/>
+          </p:cNvCxnSpPr>
+          <p:nvPr/>
+        </p:nvCxnSpPr>
+        <p:spPr>
+          <a:xfrm>
+            <a:off x="2032000" y="2597653"/>
+            <a:ext cx="3720386" cy="0"/>
+          </a:xfrm>
+          <a:prstGeom prst="straightConnector1">
+            <a:avLst/>
+          </a:prstGeom>
+          <a:ln w="34925">
+            <a:solidFill>
+              <a:srgbClr val="FF0000">
+                <a:alpha val="95000"/>
+              </a:srgbClr>
+            </a:solidFill>
+            <a:headEnd type="triangle"/>
+            <a:tailEnd type="triangle"/>
+          </a:ln>
+        </p:spPr>
+        <p:style>
+          <a:lnRef idx="1">
+            <a:schemeClr val="accent1"/>
+          </a:lnRef>
+          <a:fillRef idx="0">
+            <a:schemeClr val="accent1"/>
+          </a:fillRef>
+          <a:effectRef idx="0">
+            <a:schemeClr val="accent1"/>
+          </a:effectRef>
+          <a:fontRef idx="minor">
+            <a:schemeClr val="tx1"/>
+          </a:fontRef>
+        </p:style>
+      </p:cxnSp>
+      <p:sp>
+        <p:nvSpPr>
+          <p:cNvPr id="13" name="TextBox 12"/>
+          <p:cNvSpPr txBox="1"/>
+          <p:nvPr/>
+        </p:nvSpPr>
+        <p:spPr>
+          <a:xfrm>
+            <a:off x="5752386" y="2412987"/>
+            <a:ext cx="746760" cy="369332"/>
+          </a:xfrm>
+          <a:prstGeom prst="rect">
+            <a:avLst/>
+          </a:prstGeom>
+          <a:noFill/>
+        </p:spPr>
+        <p:txBody>
+          <a:bodyPr wrap="square" rtlCol="0">
+            <a:spAutoFit/>
+          </a:bodyPr>
+          <a:lstStyle/>
+          <a:p>
+            <a:r>
+              <a:rPr lang="ko-KR" altLang="en-US" dirty="0" smtClean="0"/>
+              <a:t>같다</a:t>
+            </a:r>
+            <a:r>
+              <a:rPr lang="en-US" altLang="ko-KR" dirty="0" smtClean="0"/>
+              <a:t>!</a:t>
             </a:r>
             <a:endParaRPr lang="ko-KR" altLang="en-US" dirty="0"/>
+          </a:p>
+        </p:txBody>
+      </p:sp>
+      <p:graphicFrame>
+        <p:nvGraphicFramePr>
+          <p:cNvPr id="14" name="표 13"/>
+          <p:cNvGraphicFramePr>
+            <a:graphicFrameLocks noGrp="1"/>
+          </p:cNvGraphicFramePr>
+          <p:nvPr>
+            <p:extLst>
+              <p:ext uri="{D42A27DB-BD31-4B8C-83A1-F6EECF244321}">
+                <p14:modId xmlns:p14="http://schemas.microsoft.com/office/powerpoint/2010/main" val="2891898804"/>
+              </p:ext>
+            </p:extLst>
+          </p:nvPr>
+        </p:nvGraphicFramePr>
+        <p:xfrm>
+          <a:off x="2032000" y="2818503"/>
+          <a:ext cx="4992688" cy="370840"/>
+        </p:xfrm>
+        <a:graphic>
+          <a:graphicData uri="http://schemas.openxmlformats.org/drawingml/2006/table">
+            <a:tbl>
+              <a:tblPr firstRow="1" bandRow="1">
+                <a:tableStyleId>{5C22544A-7EE6-4342-B048-85BDC9FD1C3A}</a:tableStyleId>
+              </a:tblPr>
+              <a:tblGrid>
+                <a:gridCol w="624086">
+                  <a:extLst>
+                    <a:ext uri="{9D8B030D-6E8A-4147-A177-3AD203B41FA5}">
+                      <a16:colId xmlns:a16="http://schemas.microsoft.com/office/drawing/2014/main" val="1201168163"/>
+                    </a:ext>
+                  </a:extLst>
+                </a:gridCol>
+                <a:gridCol w="624086">
+                  <a:extLst>
+                    <a:ext uri="{9D8B030D-6E8A-4147-A177-3AD203B41FA5}">
+                      <a16:colId xmlns:a16="http://schemas.microsoft.com/office/drawing/2014/main" val="3971927368"/>
+                    </a:ext>
+                  </a:extLst>
+                </a:gridCol>
+                <a:gridCol w="624086">
+                  <a:extLst>
+                    <a:ext uri="{9D8B030D-6E8A-4147-A177-3AD203B41FA5}">
+                      <a16:colId xmlns:a16="http://schemas.microsoft.com/office/drawing/2014/main" val="1922350584"/>
+                    </a:ext>
+                  </a:extLst>
+                </a:gridCol>
+                <a:gridCol w="624086">
+                  <a:extLst>
+                    <a:ext uri="{9D8B030D-6E8A-4147-A177-3AD203B41FA5}">
+                      <a16:colId xmlns:a16="http://schemas.microsoft.com/office/drawing/2014/main" val="3653361792"/>
+                    </a:ext>
+                  </a:extLst>
+                </a:gridCol>
+                <a:gridCol w="624086">
+                  <a:extLst>
+                    <a:ext uri="{9D8B030D-6E8A-4147-A177-3AD203B41FA5}">
+                      <a16:colId xmlns:a16="http://schemas.microsoft.com/office/drawing/2014/main" val="2812595315"/>
+                    </a:ext>
+                  </a:extLst>
+                </a:gridCol>
+                <a:gridCol w="624086">
+                  <a:extLst>
+                    <a:ext uri="{9D8B030D-6E8A-4147-A177-3AD203B41FA5}">
+                      <a16:colId xmlns:a16="http://schemas.microsoft.com/office/drawing/2014/main" val="2030853676"/>
+                    </a:ext>
+                  </a:extLst>
+                </a:gridCol>
+                <a:gridCol w="624086">
+                  <a:extLst>
+                    <a:ext uri="{9D8B030D-6E8A-4147-A177-3AD203B41FA5}">
+                      <a16:colId xmlns:a16="http://schemas.microsoft.com/office/drawing/2014/main" val="1432940595"/>
+                    </a:ext>
+                  </a:extLst>
+                </a:gridCol>
+                <a:gridCol w="624086">
+                  <a:extLst>
+                    <a:ext uri="{9D8B030D-6E8A-4147-A177-3AD203B41FA5}">
+                      <a16:colId xmlns:a16="http://schemas.microsoft.com/office/drawing/2014/main" val="3072650305"/>
+                    </a:ext>
+                  </a:extLst>
+                </a:gridCol>
+              </a:tblGrid>
+              <a:tr h="370840">
+                <a:tc>
+                  <a:txBody>
+                    <a:bodyPr/>
+                    <a:lstStyle/>
+                    <a:p>
+                      <a:pPr latinLnBrk="1"/>
+                      <a:endParaRPr lang="ko-KR" altLang="en-US" dirty="0"/>
+                    </a:p>
+                  </a:txBody>
+                  <a:tcPr/>
+                </a:tc>
+                <a:tc>
+                  <a:txBody>
+                    <a:bodyPr/>
+                    <a:lstStyle/>
+                    <a:p>
+                      <a:pPr latinLnBrk="1"/>
+                      <a:endParaRPr lang="ko-KR" altLang="en-US" dirty="0"/>
+                    </a:p>
+                  </a:txBody>
+                  <a:tcPr/>
+                </a:tc>
+                <a:tc>
+                  <a:txBody>
+                    <a:bodyPr/>
+                    <a:lstStyle/>
+                    <a:p>
+                      <a:pPr latinLnBrk="1"/>
+                      <a:endParaRPr lang="ko-KR" altLang="en-US" dirty="0"/>
+                    </a:p>
+                  </a:txBody>
+                  <a:tcPr/>
+                </a:tc>
+                <a:tc>
+                  <a:txBody>
+                    <a:bodyPr/>
+                    <a:lstStyle/>
+                    <a:p>
+                      <a:pPr latinLnBrk="1"/>
+                      <a:endParaRPr lang="ko-KR" altLang="en-US"/>
+                    </a:p>
+                  </a:txBody>
+                  <a:tcPr/>
+                </a:tc>
+                <a:tc>
+                  <a:txBody>
+                    <a:bodyPr/>
+                    <a:lstStyle/>
+                    <a:p>
+                      <a:pPr latinLnBrk="1"/>
+                      <a:endParaRPr lang="ko-KR" altLang="en-US"/>
+                    </a:p>
+                  </a:txBody>
+                  <a:tcPr/>
+                </a:tc>
+                <a:tc>
+                  <a:txBody>
+                    <a:bodyPr/>
+                    <a:lstStyle/>
+                    <a:p>
+                      <a:pPr latinLnBrk="1"/>
+                      <a:endParaRPr lang="ko-KR" altLang="en-US" dirty="0"/>
+                    </a:p>
+                  </a:txBody>
+                  <a:tcPr/>
+                </a:tc>
+                <a:tc>
+                  <a:txBody>
+                    <a:bodyPr/>
+                    <a:lstStyle/>
+                    <a:p>
+                      <a:pPr latinLnBrk="1"/>
+                      <a:r>
+                        <a:rPr lang="en-US" altLang="ko-KR" dirty="0" smtClean="0"/>
+                        <a:t>X</a:t>
+                      </a:r>
+                      <a:endParaRPr lang="ko-KR" altLang="en-US" dirty="0"/>
+                    </a:p>
+                  </a:txBody>
+                  <a:tcPr/>
+                </a:tc>
+                <a:tc>
+                  <a:txBody>
+                    <a:bodyPr/>
+                    <a:lstStyle/>
+                    <a:p>
+                      <a:pPr latinLnBrk="1"/>
+                      <a:r>
+                        <a:rPr lang="en-US" altLang="ko-KR" dirty="0" smtClean="0"/>
+                        <a:t>X</a:t>
+                      </a:r>
+                      <a:endParaRPr lang="ko-KR" altLang="en-US" dirty="0"/>
+                    </a:p>
+                  </a:txBody>
+                  <a:tcPr/>
+                </a:tc>
+                <a:extLst>
+                  <a:ext uri="{0D108BD9-81ED-4DB2-BD59-A6C34878D82A}">
+                    <a16:rowId xmlns:a16="http://schemas.microsoft.com/office/drawing/2014/main" val="589132445"/>
+                  </a:ext>
+                </a:extLst>
+              </a:tr>
+            </a:tbl>
+          </a:graphicData>
+        </a:graphic>
+      </p:graphicFrame>
+      <p:sp>
+        <p:nvSpPr>
+          <p:cNvPr id="19" name="TextBox 18"/>
+          <p:cNvSpPr txBox="1"/>
+          <p:nvPr/>
+        </p:nvSpPr>
+        <p:spPr>
+          <a:xfrm>
+            <a:off x="955119" y="4490568"/>
+            <a:ext cx="10341293" cy="461665"/>
+          </a:xfrm>
+          <a:prstGeom prst="rect">
+            <a:avLst/>
+          </a:prstGeom>
+          <a:noFill/>
+        </p:spPr>
+        <p:txBody>
+          <a:bodyPr wrap="none" rtlCol="0">
+            <a:spAutoFit/>
+          </a:bodyPr>
+          <a:lstStyle/>
+          <a:p>
+            <a:r>
+              <a:rPr lang="ko-KR" altLang="en-US" sz="2400" dirty="0" smtClean="0"/>
+              <a:t>다시 시작하는 위치를 띄어 넘기 위해서는 어떤 조건이 있어야 하는 걸까</a:t>
+            </a:r>
+            <a:r>
+              <a:rPr lang="en-US" altLang="ko-KR" sz="2400" dirty="0" smtClean="0"/>
+              <a:t>?</a:t>
+            </a:r>
+            <a:endParaRPr lang="ko-KR" altLang="en-US" sz="2400" dirty="0"/>
           </a:p>
         </p:txBody>
       </p:sp>
     </p:spTree>
     <p:extLst>
       <p:ext uri="{BB962C8B-B14F-4D97-AF65-F5344CB8AC3E}">
-        <p14:creationId xmlns:p14="http://schemas.microsoft.com/office/powerpoint/2010/main" val="891435389"/>
+        <p14:creationId xmlns:p14="http://schemas.microsoft.com/office/powerpoint/2010/main" val="3837579892"/>
       </p:ext>
     </p:extLst>
   </p:cSld>
   <p:clrMapOvr>
     <a:masterClrMapping/>
   </p:clrMapOvr>
+  <p:timing>
+    <p:tnLst>
+      <p:par>
+        <p:cTn id="1" dur="indefinite" restart="never" nodeType="tmRoot">
+          <p:childTnLst>
+            <p:seq concurrent="1" nextAc="seek">
+              <p:cTn id="2" dur="indefinite" nodeType="mainSeq">
+                <p:childTnLst>
+                  <p:par>
+                    <p:cTn id="3" fill="hold">
+                      <p:stCondLst>
+                        <p:cond delay="indefinite"/>
+                      </p:stCondLst>
+                      <p:childTnLst>
+                        <p:par>
+                          <p:cTn id="4" fill="hold">
+                            <p:stCondLst>
+                              <p:cond delay="0"/>
+                            </p:stCondLst>
+                            <p:childTnLst>
+                              <p:par>
+                                <p:cTn id="5" presetID="1" presetClass="exit" presetSubtype="0" fill="hold" nodeType="clickEffect">
+                                  <p:stCondLst>
+                                    <p:cond delay="0"/>
+                                  </p:stCondLst>
+                                  <p:childTnLst>
+                                    <p:set>
+                                      <p:cBhvr>
+                                        <p:cTn id="6" dur="1" fill="hold">
+                                          <p:stCondLst>
+                                            <p:cond delay="0"/>
+                                          </p:stCondLst>
+                                        </p:cTn>
+                                        <p:tgtEl>
+                                          <p:spTgt spid="12"/>
+                                        </p:tgtEl>
+                                        <p:attrNameLst>
+                                          <p:attrName>style.visibility</p:attrName>
+                                        </p:attrNameLst>
+                                      </p:cBhvr>
+                                      <p:to>
+                                        <p:strVal val="hidden"/>
+                                      </p:to>
+                                    </p:set>
+                                  </p:childTnLst>
+                                </p:cTn>
+                              </p:par>
+                              <p:par>
+                                <p:cTn id="7" presetID="1" presetClass="exit" presetSubtype="0" fill="hold" grpId="0" nodeType="withEffect">
+                                  <p:stCondLst>
+                                    <p:cond delay="0"/>
+                                  </p:stCondLst>
+                                  <p:childTnLst>
+                                    <p:set>
+                                      <p:cBhvr>
+                                        <p:cTn id="8" dur="1" fill="hold">
+                                          <p:stCondLst>
+                                            <p:cond delay="0"/>
+                                          </p:stCondLst>
+                                        </p:cTn>
+                                        <p:tgtEl>
+                                          <p:spTgt spid="13"/>
+                                        </p:tgtEl>
+                                        <p:attrNameLst>
+                                          <p:attrName>style.visibility</p:attrName>
+                                        </p:attrNameLst>
+                                      </p:cBhvr>
+                                      <p:to>
+                                        <p:strVal val="hidden"/>
+                                      </p:to>
+                                    </p:set>
+                                  </p:childTnLst>
+                                </p:cTn>
+                              </p:par>
+                            </p:childTnLst>
+                          </p:cTn>
+                        </p:par>
+                      </p:childTnLst>
+                    </p:cTn>
+                  </p:par>
+                  <p:par>
+                    <p:cTn id="9" fill="hold">
+                      <p:stCondLst>
+                        <p:cond delay="indefinite"/>
+                      </p:stCondLst>
+                      <p:childTnLst>
+                        <p:par>
+                          <p:cTn id="10" fill="hold">
+                            <p:stCondLst>
+                              <p:cond delay="0"/>
+                            </p:stCondLst>
+                            <p:childTnLst>
+                              <p:par>
+                                <p:cTn id="11" presetID="42" presetClass="path" presetSubtype="0" accel="50000" decel="50000" fill="hold" nodeType="clickEffect">
+                                  <p:stCondLst>
+                                    <p:cond delay="0"/>
+                                  </p:stCondLst>
+                                  <p:childTnLst>
+                                    <p:animMotion origin="layout" path="M -4.16667E-6 -2.96296E-6 L 0.15118 -2.96296E-6 " pathEditMode="relative" rAng="0" ptsTypes="AA">
+                                      <p:cBhvr>
+                                        <p:cTn id="12" dur="2000" fill="hold"/>
+                                        <p:tgtEl>
+                                          <p:spTgt spid="14"/>
+                                        </p:tgtEl>
+                                        <p:attrNameLst>
+                                          <p:attrName>ppt_x</p:attrName>
+                                          <p:attrName>ppt_y</p:attrName>
+                                        </p:attrNameLst>
+                                      </p:cBhvr>
+                                      <p:rCtr x="7552" y="0"/>
+                                    </p:animMotion>
+                                  </p:childTnLst>
+                                </p:cTn>
+                              </p:par>
+                            </p:childTnLst>
+                          </p:cTn>
+                        </p:par>
+                      </p:childTnLst>
+                    </p:cTn>
+                  </p:par>
+                </p:childTnLst>
+              </p:cTn>
+              <p:prevCondLst>
+                <p:cond evt="onPrev" delay="0">
+                  <p:tgtEl>
+                    <p:sldTgt/>
+                  </p:tgtEl>
+                </p:cond>
+              </p:prevCondLst>
+              <p:nextCondLst>
+                <p:cond evt="onNext" delay="0">
+                  <p:tgtEl>
+                    <p:sldTgt/>
+                  </p:tgtEl>
+                </p:cond>
+              </p:nextCondLst>
+            </p:seq>
+          </p:childTnLst>
+        </p:cTn>
+      </p:par>
+    </p:tnLst>
+    <p:bldLst>
+      <p:bldP spid="13" grpId="0"/>
+    </p:bldLst>
+  </p:timing>
 </p:sld>
 </file>
 
@@ -3527,7 +6534,19 @@
           <a:bodyPr/>
           <a:lstStyle/>
           <a:p>
-            <a:endParaRPr lang="ko-KR" altLang="en-US"/>
+            <a:r>
+              <a:rPr lang="en-US" altLang="ko-KR" dirty="0"/>
+              <a:t>K M P (Knuth – </a:t>
+            </a:r>
+            <a:r>
+              <a:rPr lang="en-US" altLang="ko-KR" dirty="0" err="1"/>
+              <a:t>Moriss</a:t>
+            </a:r>
+            <a:r>
+              <a:rPr lang="en-US" altLang="ko-KR" dirty="0"/>
+              <a:t> – Prat)</a:t>
+            </a:r>
+            <a:endParaRPr lang="ko-KR" altLang="en-US" dirty="0"/>
           </a:p>
         </p:txBody>
       </p:sp>
@@ -3543,23 +6562,530 @@
         </p:nvSpPr>
         <p:spPr/>
         <p:txBody>
-          <a:bodyPr/>
-          <a:lstStyle/>
-          <a:p>
-            <a:endParaRPr lang="ko-KR" altLang="en-US"/>
+          <a:bodyPr>
+            <a:normAutofit lnSpcReduction="10000"/>
+          </a:bodyPr>
+          <a:lstStyle/>
+          <a:p>
+            <a:r>
+              <a:rPr lang="ko-KR" altLang="en-US" dirty="0" smtClean="0"/>
+              <a:t>바늘 문자열의 </a:t>
+            </a:r>
+            <a:r>
+              <a:rPr lang="ko-KR" altLang="en-US" dirty="0" smtClean="0">
+                <a:solidFill>
+                  <a:srgbClr val="FF0000"/>
+                </a:solidFill>
+              </a:rPr>
+              <a:t>접두사와 접미사가 같은 부분</a:t>
+            </a:r>
+            <a:r>
+              <a:rPr lang="ko-KR" altLang="en-US" dirty="0" smtClean="0"/>
+              <a:t>을 미리 만들어 놓으면 이 것을 가지고 바로 점프할 수 있다</a:t>
+            </a:r>
+            <a:r>
+              <a:rPr lang="en-US" altLang="ko-KR" dirty="0" smtClean="0"/>
+              <a:t>.!</a:t>
+            </a:r>
+          </a:p>
+          <a:p>
+            <a:endParaRPr lang="en-US" altLang="ko-KR" dirty="0"/>
+          </a:p>
+          <a:p>
+            <a:r>
+              <a:rPr lang="en-US" altLang="ko-KR" b="1" dirty="0" smtClean="0">
+                <a:solidFill>
+                  <a:srgbClr val="FF0000"/>
+                </a:solidFill>
+              </a:rPr>
+              <a:t>pi[</a:t>
+            </a:r>
+            <a:r>
+              <a:rPr lang="en-US" altLang="ko-KR" b="1" dirty="0" err="1" smtClean="0">
+                <a:solidFill>
+                  <a:srgbClr val="FF0000"/>
+                </a:solidFill>
+              </a:rPr>
+              <a:t>i</a:t>
+            </a:r>
+            <a:r>
+              <a:rPr lang="en-US" altLang="ko-KR" b="1" dirty="0" smtClean="0">
+                <a:solidFill>
+                  <a:srgbClr val="FF0000"/>
+                </a:solidFill>
+              </a:rPr>
+              <a:t>] = N[….</a:t>
+            </a:r>
+            <a:r>
+              <a:rPr lang="en-US" altLang="ko-KR" b="1" dirty="0" err="1" smtClean="0">
+                <a:solidFill>
+                  <a:srgbClr val="FF0000"/>
+                </a:solidFill>
+              </a:rPr>
+              <a:t>i</a:t>
+            </a:r>
+            <a:r>
+              <a:rPr lang="en-US" altLang="ko-KR" b="1" dirty="0" smtClean="0">
+                <a:solidFill>
+                  <a:srgbClr val="FF0000"/>
+                </a:solidFill>
+              </a:rPr>
+              <a:t>]</a:t>
+            </a:r>
+            <a:r>
+              <a:rPr lang="ko-KR" altLang="en-US" b="1" dirty="0" smtClean="0">
+                <a:solidFill>
+                  <a:srgbClr val="FF0000"/>
+                </a:solidFill>
+              </a:rPr>
+              <a:t>의 접두사도 되고 접미사도 되는 문자열의 최대 길이</a:t>
+            </a:r>
+            <a:endParaRPr lang="en-US" altLang="ko-KR" b="1" dirty="0" smtClean="0">
+              <a:solidFill>
+                <a:srgbClr val="FF0000"/>
+              </a:solidFill>
+            </a:endParaRPr>
+          </a:p>
+          <a:p>
+            <a:endParaRPr lang="en-US" altLang="ko-KR" dirty="0"/>
+          </a:p>
+          <a:p>
+            <a:r>
+              <a:rPr lang="en-US" altLang="ko-KR" dirty="0" smtClean="0"/>
+              <a:t>partial match table</a:t>
+            </a:r>
+            <a:r>
+              <a:rPr lang="ko-KR" altLang="en-US" dirty="0" smtClean="0"/>
+              <a:t>을 미리 만들어</a:t>
+            </a:r>
+            <a:r>
+              <a:rPr lang="en-US" altLang="ko-KR" dirty="0" smtClean="0"/>
+              <a:t>(</a:t>
+            </a:r>
+            <a:r>
+              <a:rPr lang="ko-KR" altLang="en-US" dirty="0" err="1" smtClean="0"/>
+              <a:t>전처리하여</a:t>
+            </a:r>
+            <a:r>
+              <a:rPr lang="en-US" altLang="ko-KR" dirty="0" smtClean="0"/>
+              <a:t>) </a:t>
+            </a:r>
+            <a:r>
+              <a:rPr lang="ko-KR" altLang="en-US" dirty="0" smtClean="0"/>
+              <a:t>널 뛰기를 해보자</a:t>
+            </a:r>
+            <a:r>
+              <a:rPr lang="en-US" altLang="ko-KR" dirty="0" smtClean="0"/>
+              <a:t>!</a:t>
+            </a:r>
+          </a:p>
+          <a:p>
+            <a:endParaRPr lang="en-US" altLang="ko-KR" dirty="0"/>
+          </a:p>
+          <a:p>
+            <a:r>
+              <a:rPr lang="ko-KR" altLang="en-US" dirty="0" smtClean="0"/>
+              <a:t>표 </a:t>
+            </a:r>
+            <a:r>
+              <a:rPr lang="en-US" altLang="ko-KR" dirty="0" smtClean="0"/>
+              <a:t>20.1</a:t>
+            </a:r>
+            <a:endParaRPr lang="ko-KR" altLang="en-US" dirty="0"/>
           </a:p>
         </p:txBody>
       </p:sp>
     </p:spTree>
     <p:extLst>
       <p:ext uri="{BB962C8B-B14F-4D97-AF65-F5344CB8AC3E}">
-        <p14:creationId xmlns:p14="http://schemas.microsoft.com/office/powerpoint/2010/main" val="3841787676"/>
+        <p14:creationId xmlns:p14="http://schemas.microsoft.com/office/powerpoint/2010/main" val="3735286172"/>
       </p:ext>
     </p:extLst>
   </p:cSld>
   <p:clrMapOvr>
     <a:masterClrMapping/>
   </p:clrMapOvr>
+  <p:timing>
+    <p:tnLst>
+      <p:par>
+        <p:cTn id="1" dur="indefinite" restart="never" nodeType="tmRoot"/>
+      </p:par>
+    </p:tnLst>
+  </p:timing>
+</p:sld>
+</file>
+
+<file path=ppt/slides/slide8.xml><?xml version="1.0" encoding="utf-8"?>
+<p:sld xmlns:a="http://schemas.openxmlformats.org/drawingml/2006/main" xmlns:r="http://schemas.openxmlformats.org/officeDocument/2006/relationships" xmlns:p="http://schemas.openxmlformats.org/presentationml/2006/main">
+  <p:cSld>
+    <p:spTree>
+      <p:nvGrpSpPr>
+        <p:cNvPr id="1" name=""/>
+        <p:cNvGrpSpPr/>
+        <p:nvPr/>
+      </p:nvGrpSpPr>
+      <p:grpSpPr>
+        <a:xfrm>
+          <a:off x="0" y="0"/>
+          <a:ext cx="0" cy="0"/>
+          <a:chOff x="0" y="0"/>
+          <a:chExt cx="0" cy="0"/>
+        </a:xfrm>
+      </p:grpSpPr>
+      <p:sp>
+        <p:nvSpPr>
+          <p:cNvPr id="2" name="제목 1"/>
+          <p:cNvSpPr>
+            <a:spLocks noGrp="1"/>
+          </p:cNvSpPr>
+          <p:nvPr>
+            <p:ph type="title"/>
+          </p:nvPr>
+        </p:nvSpPr>
+        <p:spPr/>
+        <p:txBody>
+          <a:bodyPr/>
+          <a:lstStyle/>
+          <a:p>
+            <a:r>
+              <a:rPr lang="en-US" altLang="ko-KR" dirty="0"/>
+              <a:t>K M P (Knuth – </a:t>
+            </a:r>
+            <a:r>
+              <a:rPr lang="en-US" altLang="ko-KR" dirty="0" err="1"/>
+              <a:t>Moriss</a:t>
+            </a:r>
+            <a:r>
+              <a:rPr lang="en-US" altLang="ko-KR" dirty="0"/>
+              <a:t> – Prat)</a:t>
+            </a:r>
+            <a:endParaRPr lang="ko-KR" altLang="en-US" dirty="0"/>
+          </a:p>
+        </p:txBody>
+      </p:sp>
+      <p:sp>
+        <p:nvSpPr>
+          <p:cNvPr id="3" name="내용 개체 틀 2"/>
+          <p:cNvSpPr>
+            <a:spLocks noGrp="1"/>
+          </p:cNvSpPr>
+          <p:nvPr>
+            <p:ph idx="1"/>
+          </p:nvPr>
+        </p:nvSpPr>
+        <p:spPr/>
+        <p:txBody>
+          <a:bodyPr/>
+          <a:lstStyle/>
+          <a:p>
+            <a:r>
+              <a:rPr lang="ko-KR" altLang="en-US" dirty="0" smtClean="0"/>
+              <a:t>다음 문자열의 </a:t>
+            </a:r>
+            <a:r>
+              <a:rPr lang="en-US" altLang="ko-KR" dirty="0" smtClean="0"/>
+              <a:t>partial match table</a:t>
+            </a:r>
+            <a:r>
+              <a:rPr lang="ko-KR" altLang="en-US" dirty="0" smtClean="0"/>
+              <a:t>을 만들어 봅시다</a:t>
+            </a:r>
+            <a:r>
+              <a:rPr lang="en-US" altLang="ko-KR" dirty="0" smtClean="0"/>
+              <a:t>.</a:t>
+            </a:r>
+          </a:p>
+          <a:p>
+            <a:endParaRPr lang="en-US" altLang="ko-KR" dirty="0"/>
+          </a:p>
+          <a:p>
+            <a:endParaRPr lang="en-US" altLang="ko-KR" dirty="0" smtClean="0"/>
+          </a:p>
+          <a:p>
+            <a:r>
+              <a:rPr lang="en-US" altLang="ko-KR" dirty="0" smtClean="0"/>
+              <a:t>“</a:t>
+            </a:r>
+            <a:r>
+              <a:rPr lang="en-US" altLang="ko-KR" dirty="0" err="1" smtClean="0"/>
+              <a:t>abbababb</a:t>
+            </a:r>
+            <a:r>
+              <a:rPr lang="en-US" altLang="ko-KR" dirty="0" smtClean="0"/>
+              <a:t>”</a:t>
+            </a:r>
+            <a:endParaRPr lang="ko-KR" altLang="en-US" dirty="0"/>
+          </a:p>
+        </p:txBody>
+      </p:sp>
+    </p:spTree>
+    <p:extLst>
+      <p:ext uri="{BB962C8B-B14F-4D97-AF65-F5344CB8AC3E}">
+        <p14:creationId xmlns:p14="http://schemas.microsoft.com/office/powerpoint/2010/main" val="2428975984"/>
+      </p:ext>
+    </p:extLst>
+  </p:cSld>
+  <p:clrMapOvr>
+    <a:masterClrMapping/>
+  </p:clrMapOvr>
+  <p:timing>
+    <p:tnLst>
+      <p:par>
+        <p:cTn id="1" dur="indefinite" restart="never" nodeType="tmRoot"/>
+      </p:par>
+    </p:tnLst>
+  </p:timing>
+</p:sld>
+</file>
+
+<file path=ppt/slides/slide9.xml><?xml version="1.0" encoding="utf-8"?>
+<p:sld xmlns:a="http://schemas.openxmlformats.org/drawingml/2006/main" xmlns:r="http://schemas.openxmlformats.org/officeDocument/2006/relationships" xmlns:p="http://schemas.openxmlformats.org/presentationml/2006/main">
+  <p:cSld>
+    <p:spTree>
+      <p:nvGrpSpPr>
+        <p:cNvPr id="1" name=""/>
+        <p:cNvGrpSpPr/>
+        <p:nvPr/>
+      </p:nvGrpSpPr>
+      <p:grpSpPr>
+        <a:xfrm>
+          <a:off x="0" y="0"/>
+          <a:ext cx="0" cy="0"/>
+          <a:chOff x="0" y="0"/>
+          <a:chExt cx="0" cy="0"/>
+        </a:xfrm>
+      </p:grpSpPr>
+      <p:sp>
+        <p:nvSpPr>
+          <p:cNvPr id="2" name="제목 1"/>
+          <p:cNvSpPr>
+            <a:spLocks noGrp="1"/>
+          </p:cNvSpPr>
+          <p:nvPr>
+            <p:ph type="title"/>
+          </p:nvPr>
+        </p:nvSpPr>
+        <p:spPr/>
+        <p:txBody>
+          <a:bodyPr/>
+          <a:lstStyle/>
+          <a:p>
+            <a:r>
+              <a:rPr lang="en-US" altLang="ko-KR" dirty="0"/>
+              <a:t>K M P (Knuth – </a:t>
+            </a:r>
+            <a:r>
+              <a:rPr lang="en-US" altLang="ko-KR" dirty="0" err="1"/>
+              <a:t>Moriss</a:t>
+            </a:r>
+            <a:r>
+              <a:rPr lang="en-US" altLang="ko-KR" dirty="0"/>
+              <a:t> – Prat)</a:t>
+            </a:r>
+            <a:endParaRPr lang="ko-KR" altLang="en-US" dirty="0"/>
+          </a:p>
+        </p:txBody>
+      </p:sp>
+      <p:sp>
+        <p:nvSpPr>
+          <p:cNvPr id="3" name="내용 개체 틀 2"/>
+          <p:cNvSpPr>
+            <a:spLocks noGrp="1"/>
+          </p:cNvSpPr>
+          <p:nvPr>
+            <p:ph idx="1"/>
+          </p:nvPr>
+        </p:nvSpPr>
+        <p:spPr>
+          <a:xfrm>
+            <a:off x="838200" y="1825624"/>
+            <a:ext cx="10515600" cy="5032375"/>
+          </a:xfrm>
+        </p:spPr>
+        <p:txBody>
+          <a:bodyPr>
+            <a:normAutofit fontScale="62500" lnSpcReduction="20000"/>
+          </a:bodyPr>
+          <a:lstStyle/>
+          <a:p>
+            <a:pPr marL="0" indent="0">
+              <a:buNone/>
+            </a:pPr>
+            <a:r>
+              <a:rPr lang="ko-KR" altLang="en-US" dirty="0" smtClean="0"/>
+              <a:t>코드 </a:t>
+            </a:r>
+            <a:r>
+              <a:rPr lang="en-US" altLang="ko-KR" dirty="0" smtClean="0"/>
+              <a:t>20.2</a:t>
+            </a:r>
+          </a:p>
+          <a:p>
+            <a:endParaRPr lang="en-US" altLang="ko-KR" dirty="0"/>
+          </a:p>
+          <a:p>
+            <a:r>
+              <a:rPr lang="en-US" altLang="ko-KR" dirty="0" smtClean="0"/>
+              <a:t>Q. vector&lt;</a:t>
+            </a:r>
+            <a:r>
+              <a:rPr lang="en-US" altLang="ko-KR" dirty="0" err="1" smtClean="0"/>
+              <a:t>int</a:t>
+            </a:r>
+            <a:r>
+              <a:rPr lang="en-US" altLang="ko-KR" dirty="0" smtClean="0"/>
+              <a:t>&gt; pi = </a:t>
+            </a:r>
+            <a:r>
+              <a:rPr lang="en-US" altLang="ko-KR" dirty="0" err="1" smtClean="0"/>
+              <a:t>getPartialMatch</a:t>
+            </a:r>
+            <a:r>
+              <a:rPr lang="en-US" altLang="ko-KR" dirty="0" smtClean="0"/>
+              <a:t>(N)</a:t>
+            </a:r>
+            <a:r>
+              <a:rPr lang="ko-KR" altLang="en-US" dirty="0"/>
+              <a:t> </a:t>
+            </a:r>
+            <a:r>
+              <a:rPr lang="ko-KR" altLang="en-US" dirty="0" smtClean="0"/>
+              <a:t>은 무엇을 하는 과정입니까</a:t>
+            </a:r>
+            <a:r>
+              <a:rPr lang="en-US" altLang="ko-KR" dirty="0" smtClean="0"/>
+              <a:t>?</a:t>
+            </a:r>
+          </a:p>
+          <a:p>
+            <a:endParaRPr lang="en-US" altLang="ko-KR" dirty="0"/>
+          </a:p>
+          <a:p>
+            <a:r>
+              <a:rPr lang="en-US" altLang="ko-KR" dirty="0" smtClean="0"/>
+              <a:t>Q. begin &lt;= n – m</a:t>
+            </a:r>
+            <a:r>
+              <a:rPr lang="ko-KR" altLang="en-US" dirty="0" smtClean="0"/>
+              <a:t>의 조건은 왜 그렇죠</a:t>
+            </a:r>
+            <a:r>
+              <a:rPr lang="en-US" altLang="ko-KR" dirty="0" smtClean="0"/>
+              <a:t>?</a:t>
+            </a:r>
+          </a:p>
+          <a:p>
+            <a:endParaRPr lang="en-US" altLang="ko-KR" dirty="0"/>
+          </a:p>
+          <a:p>
+            <a:r>
+              <a:rPr lang="en-US" altLang="ko-KR" dirty="0" smtClean="0"/>
+              <a:t>Q. if</a:t>
+            </a:r>
+            <a:r>
+              <a:rPr lang="ko-KR" altLang="en-US" dirty="0" smtClean="0"/>
+              <a:t>문을 해석합시다</a:t>
+            </a:r>
+            <a:r>
+              <a:rPr lang="en-US" altLang="ko-KR" dirty="0" smtClean="0"/>
+              <a:t>. </a:t>
+            </a:r>
+          </a:p>
+          <a:p>
+            <a:endParaRPr lang="en-US" altLang="ko-KR" dirty="0"/>
+          </a:p>
+          <a:p>
+            <a:r>
+              <a:rPr lang="en-US" altLang="ko-KR" dirty="0" smtClean="0"/>
+              <a:t>Q. matched == m </a:t>
+            </a:r>
+            <a:r>
+              <a:rPr lang="ko-KR" altLang="en-US" dirty="0" smtClean="0"/>
+              <a:t>이 되면 어떤 과정을 거치나요</a:t>
+            </a:r>
+            <a:r>
+              <a:rPr lang="en-US" altLang="ko-KR" dirty="0" smtClean="0"/>
+              <a:t>?</a:t>
+            </a:r>
+          </a:p>
+          <a:p>
+            <a:endParaRPr lang="en-US" altLang="ko-KR" dirty="0"/>
+          </a:p>
+          <a:p>
+            <a:r>
+              <a:rPr lang="en-US" altLang="ko-KR" dirty="0" smtClean="0"/>
+              <a:t>Q. begin += matched – pi[matched – 1]</a:t>
+            </a:r>
+            <a:r>
+              <a:rPr lang="ko-KR" altLang="en-US" dirty="0" smtClean="0"/>
+              <a:t>을 해석합시다</a:t>
+            </a:r>
+            <a:r>
+              <a:rPr lang="en-US" altLang="ko-KR" dirty="0" smtClean="0"/>
+              <a:t>.</a:t>
+            </a:r>
+          </a:p>
+          <a:p>
+            <a:endParaRPr lang="en-US" altLang="ko-KR" dirty="0"/>
+          </a:p>
+          <a:p>
+            <a:r>
+              <a:rPr lang="en-US" altLang="ko-KR" dirty="0" smtClean="0"/>
+              <a:t>Q. matched = pi[matched – 1]</a:t>
+            </a:r>
+            <a:r>
+              <a:rPr lang="ko-KR" altLang="en-US" dirty="0" smtClean="0"/>
+              <a:t>을 해석합시다</a:t>
+            </a:r>
+            <a:r>
+              <a:rPr lang="en-US" altLang="ko-KR" dirty="0" smtClean="0"/>
+              <a:t>.</a:t>
+            </a:r>
+          </a:p>
+          <a:p>
+            <a:endParaRPr lang="en-US" altLang="ko-KR" dirty="0"/>
+          </a:p>
+          <a:p>
+            <a:r>
+              <a:rPr lang="en-US" altLang="ko-KR" dirty="0" smtClean="0"/>
+              <a:t>Q. </a:t>
+            </a:r>
+            <a:r>
+              <a:rPr lang="ko-KR" altLang="en-US" dirty="0" smtClean="0"/>
+              <a:t>글자 </a:t>
+            </a:r>
+            <a:r>
+              <a:rPr lang="en-US" altLang="ko-KR" dirty="0" smtClean="0"/>
+              <a:t>H</a:t>
+            </a:r>
+            <a:r>
+              <a:rPr lang="ko-KR" altLang="en-US" dirty="0" smtClean="0"/>
+              <a:t>에 입장에서 진도가 나가는 부분은 어디인지 말해봅시다</a:t>
+            </a:r>
+            <a:r>
+              <a:rPr lang="en-US" altLang="ko-KR" dirty="0" smtClean="0"/>
+              <a:t>.</a:t>
+            </a:r>
+          </a:p>
+        </p:txBody>
+      </p:sp>
+    </p:spTree>
+    <p:extLst>
+      <p:ext uri="{BB962C8B-B14F-4D97-AF65-F5344CB8AC3E}">
+        <p14:creationId xmlns:p14="http://schemas.microsoft.com/office/powerpoint/2010/main" val="1735989804"/>
+      </p:ext>
+    </p:extLst>
+  </p:cSld>
+  <p:clrMapOvr>
+    <a:masterClrMapping/>
+  </p:clrMapOvr>
+  <p:timing>
+    <p:tnLst>
+      <p:par>
+        <p:cTn id="1" dur="indefinite" restart="never" nodeType="tmRoot"/>
+      </p:par>
+    </p:tnLst>
+  </p:timing>
 </p:sld>
 </file>
 

--- a/Chapter20/chapter20.pptx
+++ b/Chapter20/chapter20.pptx
@@ -13,18 +13,16 @@
     <p:sldId id="269" r:id="rId7"/>
     <p:sldId id="267" r:id="rId8"/>
     <p:sldId id="270" r:id="rId9"/>
-    <p:sldId id="271" r:id="rId10"/>
-    <p:sldId id="272" r:id="rId11"/>
-    <p:sldId id="273" r:id="rId12"/>
-    <p:sldId id="274" r:id="rId13"/>
-    <p:sldId id="268" r:id="rId14"/>
-    <p:sldId id="275" r:id="rId15"/>
-    <p:sldId id="276" r:id="rId16"/>
-    <p:sldId id="258" r:id="rId17"/>
-    <p:sldId id="259" r:id="rId18"/>
-    <p:sldId id="260" r:id="rId19"/>
-    <p:sldId id="261" r:id="rId20"/>
-    <p:sldId id="262" r:id="rId21"/>
+    <p:sldId id="272" r:id="rId10"/>
+    <p:sldId id="280" r:id="rId11"/>
+    <p:sldId id="281" r:id="rId12"/>
+    <p:sldId id="277" r:id="rId13"/>
+    <p:sldId id="278" r:id="rId14"/>
+    <p:sldId id="279" r:id="rId15"/>
+    <p:sldId id="261" r:id="rId16"/>
+    <p:sldId id="262" r:id="rId17"/>
+    <p:sldId id="282" r:id="rId18"/>
+    <p:sldId id="283" r:id="rId19"/>
   </p:sldIdLst>
   <p:sldSz cx="12192000" cy="6858000"/>
   <p:notesSz cx="6858000" cy="9144000"/>
@@ -262,7 +260,7 @@
           <a:p>
             <a:fld id="{8D285CF4-1CF9-40C7-A7D5-3670380B8B4A}" type="datetimeFigureOut">
               <a:rPr lang="ko-KR" altLang="en-US" smtClean="0"/>
-              <a:t>2017-10-20</a:t>
+              <a:t>2017-10-29</a:t>
             </a:fld>
             <a:endParaRPr lang="ko-KR" altLang="en-US"/>
           </a:p>
@@ -432,7 +430,7 @@
           <a:p>
             <a:fld id="{8D285CF4-1CF9-40C7-A7D5-3670380B8B4A}" type="datetimeFigureOut">
               <a:rPr lang="ko-KR" altLang="en-US" smtClean="0"/>
-              <a:t>2017-10-20</a:t>
+              <a:t>2017-10-29</a:t>
             </a:fld>
             <a:endParaRPr lang="ko-KR" altLang="en-US"/>
           </a:p>
@@ -612,7 +610,7 @@
           <a:p>
             <a:fld id="{8D285CF4-1CF9-40C7-A7D5-3670380B8B4A}" type="datetimeFigureOut">
               <a:rPr lang="ko-KR" altLang="en-US" smtClean="0"/>
-              <a:t>2017-10-20</a:t>
+              <a:t>2017-10-29</a:t>
             </a:fld>
             <a:endParaRPr lang="ko-KR" altLang="en-US"/>
           </a:p>
@@ -782,7 +780,7 @@
           <a:p>
             <a:fld id="{8D285CF4-1CF9-40C7-A7D5-3670380B8B4A}" type="datetimeFigureOut">
               <a:rPr lang="ko-KR" altLang="en-US" smtClean="0"/>
-              <a:t>2017-10-20</a:t>
+              <a:t>2017-10-29</a:t>
             </a:fld>
             <a:endParaRPr lang="ko-KR" altLang="en-US"/>
           </a:p>
@@ -1028,7 +1026,7 @@
           <a:p>
             <a:fld id="{8D285CF4-1CF9-40C7-A7D5-3670380B8B4A}" type="datetimeFigureOut">
               <a:rPr lang="ko-KR" altLang="en-US" smtClean="0"/>
-              <a:t>2017-10-20</a:t>
+              <a:t>2017-10-29</a:t>
             </a:fld>
             <a:endParaRPr lang="ko-KR" altLang="en-US"/>
           </a:p>
@@ -1260,7 +1258,7 @@
           <a:p>
             <a:fld id="{8D285CF4-1CF9-40C7-A7D5-3670380B8B4A}" type="datetimeFigureOut">
               <a:rPr lang="ko-KR" altLang="en-US" smtClean="0"/>
-              <a:t>2017-10-20</a:t>
+              <a:t>2017-10-29</a:t>
             </a:fld>
             <a:endParaRPr lang="ko-KR" altLang="en-US"/>
           </a:p>
@@ -1627,7 +1625,7 @@
           <a:p>
             <a:fld id="{8D285CF4-1CF9-40C7-A7D5-3670380B8B4A}" type="datetimeFigureOut">
               <a:rPr lang="ko-KR" altLang="en-US" smtClean="0"/>
-              <a:t>2017-10-20</a:t>
+              <a:t>2017-10-29</a:t>
             </a:fld>
             <a:endParaRPr lang="ko-KR" altLang="en-US"/>
           </a:p>
@@ -1745,7 +1743,7 @@
           <a:p>
             <a:fld id="{8D285CF4-1CF9-40C7-A7D5-3670380B8B4A}" type="datetimeFigureOut">
               <a:rPr lang="ko-KR" altLang="en-US" smtClean="0"/>
-              <a:t>2017-10-20</a:t>
+              <a:t>2017-10-29</a:t>
             </a:fld>
             <a:endParaRPr lang="ko-KR" altLang="en-US"/>
           </a:p>
@@ -1840,7 +1838,7 @@
           <a:p>
             <a:fld id="{8D285CF4-1CF9-40C7-A7D5-3670380B8B4A}" type="datetimeFigureOut">
               <a:rPr lang="ko-KR" altLang="en-US" smtClean="0"/>
-              <a:t>2017-10-20</a:t>
+              <a:t>2017-10-29</a:t>
             </a:fld>
             <a:endParaRPr lang="ko-KR" altLang="en-US"/>
           </a:p>
@@ -2117,7 +2115,7 @@
           <a:p>
             <a:fld id="{8D285CF4-1CF9-40C7-A7D5-3670380B8B4A}" type="datetimeFigureOut">
               <a:rPr lang="ko-KR" altLang="en-US" smtClean="0"/>
-              <a:t>2017-10-20</a:t>
+              <a:t>2017-10-29</a:t>
             </a:fld>
             <a:endParaRPr lang="ko-KR" altLang="en-US"/>
           </a:p>
@@ -2370,7 +2368,7 @@
           <a:p>
             <a:fld id="{8D285CF4-1CF9-40C7-A7D5-3670380B8B4A}" type="datetimeFigureOut">
               <a:rPr lang="ko-KR" altLang="en-US" smtClean="0"/>
-              <a:t>2017-10-20</a:t>
+              <a:t>2017-10-29</a:t>
             </a:fld>
             <a:endParaRPr lang="ko-KR" altLang="en-US"/>
           </a:p>
@@ -2583,7 +2581,7 @@
           <a:p>
             <a:fld id="{8D285CF4-1CF9-40C7-A7D5-3670380B8B4A}" type="datetimeFigureOut">
               <a:rPr lang="ko-KR" altLang="en-US" smtClean="0"/>
-              <a:t>2017-10-20</a:t>
+              <a:t>2017-10-29</a:t>
             </a:fld>
             <a:endParaRPr lang="ko-KR" altLang="en-US"/>
           </a:p>
@@ -3030,7 +3028,7 @@
           <a:bodyPr/>
           <a:lstStyle/>
           <a:p>
-            <a:endParaRPr lang="ko-KR" altLang="en-US"/>
+            <a:endParaRPr lang="ko-KR" altLang="en-US" dirty="0"/>
           </a:p>
         </p:txBody>
       </p:sp>
@@ -3107,8 +3105,8 @@
         </p:nvSpPr>
         <p:spPr>
           <a:xfrm>
-            <a:off x="609600" y="1354137"/>
-            <a:ext cx="10515600" cy="4351338"/>
+            <a:off x="595312" y="1690688"/>
+            <a:ext cx="10515600" cy="5167312"/>
           </a:xfrm>
         </p:spPr>
         <p:txBody>
@@ -3117,19 +3115,96 @@
           <a:p>
             <a:r>
               <a:rPr lang="ko-KR" altLang="en-US" dirty="0" smtClean="0"/>
-              <a:t>             코드 </a:t>
-            </a:r>
-            <a:r>
-              <a:rPr lang="en-US" altLang="ko-KR" dirty="0" smtClean="0"/>
-              <a:t>20.2                 vs               </a:t>
-            </a:r>
-            <a:r>
-              <a:rPr lang="ko-KR" altLang="en-US" dirty="0" smtClean="0"/>
-              <a:t>코드 </a:t>
-            </a:r>
-            <a:r>
-              <a:rPr lang="en-US" altLang="ko-KR" dirty="0" smtClean="0"/>
-              <a:t>20.7</a:t>
+              <a:t>부분 일치 테이블</a:t>
+            </a:r>
+            <a:endParaRPr lang="en-US" altLang="ko-KR" dirty="0" smtClean="0"/>
+          </a:p>
+          <a:p>
+            <a:endParaRPr lang="en-US" altLang="ko-KR" dirty="0"/>
+          </a:p>
+          <a:p>
+            <a:endParaRPr lang="en-US" altLang="ko-KR" dirty="0" smtClean="0"/>
+          </a:p>
+          <a:p>
+            <a:r>
+              <a:rPr lang="en-US" altLang="ko-KR" dirty="0" smtClean="0"/>
+              <a:t>“</a:t>
+            </a:r>
+            <a:r>
+              <a:rPr lang="en-US" altLang="ko-KR" dirty="0" err="1" smtClean="0"/>
+              <a:t>ababaca</a:t>
+            </a:r>
+            <a:r>
+              <a:rPr lang="en-US" altLang="ko-KR" dirty="0" smtClean="0"/>
+              <a:t>”</a:t>
+            </a:r>
+          </a:p>
+          <a:p>
+            <a:endParaRPr lang="en-US" altLang="ko-KR" dirty="0"/>
+          </a:p>
+          <a:p>
+            <a:r>
+              <a:rPr lang="en-US" altLang="ko-KR" dirty="0"/>
+              <a:t>“</a:t>
+            </a:r>
+            <a:r>
+              <a:rPr lang="en-US" altLang="ko-KR" dirty="0" err="1"/>
+              <a:t>abbababb</a:t>
+            </a:r>
+            <a:r>
+              <a:rPr lang="en-US" altLang="ko-KR" dirty="0"/>
+              <a:t>”</a:t>
+            </a:r>
+          </a:p>
+          <a:p>
+            <a:endParaRPr lang="en-US" altLang="ko-KR" dirty="0"/>
+          </a:p>
+          <a:p>
+            <a:r>
+              <a:rPr lang="en-US" altLang="ko-KR" dirty="0"/>
+              <a:t>“</a:t>
+            </a:r>
+            <a:r>
+              <a:rPr lang="en-US" altLang="ko-KR" dirty="0" err="1"/>
+              <a:t>bcabbcaabca</a:t>
+            </a:r>
+            <a:r>
+              <a:rPr lang="en-US" altLang="ko-KR" dirty="0"/>
+              <a:t>”</a:t>
+            </a:r>
+            <a:endParaRPr lang="ko-KR" altLang="en-US" dirty="0"/>
+          </a:p>
+          <a:p>
+            <a:endParaRPr lang="en-US" altLang="ko-KR" dirty="0" smtClean="0"/>
+          </a:p>
+          <a:p>
+            <a:r>
+              <a:rPr lang="en-US" altLang="ko-KR" dirty="0" smtClean="0"/>
+              <a:t>Q. </a:t>
+            </a:r>
+            <a:r>
+              <a:rPr lang="ko-KR" altLang="en-US" dirty="0" smtClean="0"/>
+              <a:t>왜 </a:t>
+            </a:r>
+            <a:r>
+              <a:rPr lang="en-US" altLang="ko-KR" dirty="0" err="1" smtClean="0"/>
+              <a:t>i</a:t>
+            </a:r>
+            <a:r>
+              <a:rPr lang="ko-KR" altLang="en-US" dirty="0" smtClean="0"/>
+              <a:t>가 </a:t>
+            </a:r>
+            <a:r>
+              <a:rPr lang="en-US" altLang="ko-KR" dirty="0" smtClean="0"/>
+              <a:t>1</a:t>
+            </a:r>
+            <a:r>
+              <a:rPr lang="ko-KR" altLang="en-US" dirty="0" smtClean="0"/>
+              <a:t>부터 시작인지 말해봅시다</a:t>
+            </a:r>
+            <a:r>
+              <a:rPr lang="en-US" altLang="ko-KR" dirty="0" smtClean="0"/>
+              <a:t>.</a:t>
             </a:r>
             <a:endParaRPr lang="ko-KR" altLang="en-US" dirty="0"/>
           </a:p>
@@ -3157,38 +3232,8 @@
         </p:blipFill>
         <p:spPr>
           <a:xfrm>
-            <a:off x="1190330" y="1732835"/>
-            <a:ext cx="4210638" cy="5125165"/>
-          </a:xfrm>
-          <a:prstGeom prst="rect">
-            <a:avLst/>
-          </a:prstGeom>
-        </p:spPr>
-      </p:pic>
-      <p:pic>
-        <p:nvPicPr>
-          <p:cNvPr id="5" name="내용 개체 틀 3"/>
-          <p:cNvPicPr>
-            <a:picLocks noChangeAspect="1"/>
-          </p:cNvPicPr>
-          <p:nvPr/>
-        </p:nvPicPr>
-        <p:blipFill>
-          <a:blip r:embed="rId3">
-            <a:extLst>
-              <a:ext uri="{28A0092B-C50C-407E-A947-70E740481C1C}">
-                <a14:useLocalDpi xmlns:a14="http://schemas.microsoft.com/office/drawing/2010/main" val="0"/>
-              </a:ext>
-            </a:extLst>
-          </a:blip>
-          <a:stretch>
-            <a:fillRect/>
-          </a:stretch>
-        </p:blipFill>
-        <p:spPr>
-          <a:xfrm>
-            <a:off x="7129462" y="1732835"/>
-            <a:ext cx="4576467" cy="5125165"/>
+            <a:off x="4814613" y="1354137"/>
+            <a:ext cx="7170488" cy="4703763"/>
           </a:xfrm>
           <a:prstGeom prst="rect">
             <a:avLst/>
@@ -3198,7 +3243,7 @@
     </p:spTree>
     <p:extLst>
       <p:ext uri="{BB962C8B-B14F-4D97-AF65-F5344CB8AC3E}">
-        <p14:creationId xmlns:p14="http://schemas.microsoft.com/office/powerpoint/2010/main" val="176547281"/>
+        <p14:creationId xmlns:p14="http://schemas.microsoft.com/office/powerpoint/2010/main" val="1473896541"/>
       </p:ext>
     </p:extLst>
   </p:cSld>
@@ -3275,110 +3320,61 @@
         </p:nvSpPr>
         <p:spPr>
           <a:xfrm>
-            <a:off x="838200" y="1825624"/>
-            <a:ext cx="10515600" cy="5032375"/>
+            <a:off x="595312" y="1690688"/>
+            <a:ext cx="10515600" cy="5167312"/>
           </a:xfrm>
         </p:spPr>
         <p:txBody>
-          <a:bodyPr>
-            <a:normAutofit/>
-          </a:bodyPr>
-          <a:lstStyle/>
-          <a:p>
-            <a:pPr marL="0" indent="0">
-              <a:buNone/>
-            </a:pPr>
-            <a:r>
-              <a:rPr lang="ko-KR" altLang="en-US" dirty="0" smtClean="0"/>
-              <a:t>코드 </a:t>
-            </a:r>
-            <a:r>
-              <a:rPr lang="en-US" altLang="ko-KR" dirty="0" smtClean="0"/>
-              <a:t>20.7</a:t>
-            </a:r>
+          <a:bodyPr/>
+          <a:lstStyle/>
+          <a:p>
+            <a:endParaRPr lang="en-US" altLang="ko-KR" dirty="0" smtClean="0"/>
           </a:p>
           <a:p>
             <a:endParaRPr lang="en-US" altLang="ko-KR" dirty="0"/>
           </a:p>
           <a:p>
-            <a:r>
-              <a:rPr lang="en-US" altLang="ko-KR" dirty="0" smtClean="0"/>
-              <a:t>Q. 20.7</a:t>
-            </a:r>
-            <a:r>
-              <a:rPr lang="ko-KR" altLang="en-US" dirty="0" smtClean="0"/>
-              <a:t>에서 </a:t>
-            </a:r>
-            <a:r>
-              <a:rPr lang="en-US" altLang="ko-KR" dirty="0" smtClean="0"/>
-              <a:t>while</a:t>
-            </a:r>
-            <a:r>
-              <a:rPr lang="ko-KR" altLang="en-US" dirty="0" smtClean="0"/>
-              <a:t>문은 </a:t>
-            </a:r>
-            <a:r>
-              <a:rPr lang="en-US" altLang="ko-KR" dirty="0" smtClean="0"/>
-              <a:t>20.2</a:t>
-            </a:r>
-            <a:r>
-              <a:rPr lang="ko-KR" altLang="en-US" dirty="0" smtClean="0"/>
-              <a:t>에서 어디 부분과 동일한지 봅시다</a:t>
-            </a:r>
-            <a:r>
-              <a:rPr lang="en-US" altLang="ko-KR" dirty="0" smtClean="0"/>
-              <a:t>.</a:t>
-            </a:r>
+            <a:endParaRPr lang="en-US" altLang="ko-KR" dirty="0" smtClean="0"/>
+          </a:p>
+          <a:p>
+            <a:r>
+              <a:rPr lang="ko-KR" altLang="en-US" dirty="0" smtClean="0"/>
+              <a:t>텍스트 편집기 열어서 </a:t>
+            </a:r>
+            <a:r>
+              <a:rPr lang="en-US" altLang="ko-KR" dirty="0" smtClean="0"/>
+              <a:t>KMP</a:t>
+            </a:r>
+            <a:r>
+              <a:rPr lang="ko-KR" altLang="en-US" dirty="0" smtClean="0"/>
+              <a:t>지금 반복해서 외워봅시다 오늘</a:t>
+            </a:r>
+            <a:endParaRPr lang="en-US" altLang="ko-KR" dirty="0" smtClean="0"/>
           </a:p>
           <a:p>
             <a:endParaRPr lang="en-US" altLang="ko-KR" dirty="0"/>
           </a:p>
           <a:p>
             <a:r>
-              <a:rPr lang="en-US" altLang="ko-KR" dirty="0" smtClean="0"/>
-              <a:t>while</a:t>
-            </a:r>
-            <a:r>
-              <a:rPr lang="ko-KR" altLang="en-US" dirty="0" smtClean="0"/>
-              <a:t>문은 왜 </a:t>
-            </a:r>
-            <a:r>
-              <a:rPr lang="en-US" altLang="ko-KR" dirty="0" smtClean="0"/>
-              <a:t>if</a:t>
-            </a:r>
-            <a:r>
-              <a:rPr lang="ko-KR" altLang="en-US" dirty="0" smtClean="0"/>
-              <a:t>문이 아니고 </a:t>
-            </a:r>
-            <a:r>
-              <a:rPr lang="en-US" altLang="ko-KR" dirty="0" smtClean="0"/>
-              <a:t>while</a:t>
-            </a:r>
-            <a:r>
-              <a:rPr lang="ko-KR" altLang="en-US" dirty="0"/>
-              <a:t> </a:t>
-            </a:r>
-            <a:r>
-              <a:rPr lang="ko-KR" altLang="en-US" dirty="0" smtClean="0"/>
-              <a:t>문일까요</a:t>
-            </a:r>
-            <a:r>
-              <a:rPr lang="en-US" altLang="ko-KR" dirty="0" smtClean="0"/>
-              <a:t>?</a:t>
-            </a:r>
-          </a:p>
-          <a:p>
-            <a:endParaRPr lang="en-US" altLang="ko-KR" dirty="0" smtClean="0"/>
-          </a:p>
-          <a:p>
-            <a:endParaRPr lang="en-US" altLang="ko-KR" dirty="0" smtClean="0"/>
+              <a:rPr lang="ko-KR" altLang="en-US" dirty="0" smtClean="0"/>
+              <a:t>책의 코드와 비교만 </a:t>
+            </a:r>
+            <a:r>
+              <a:rPr lang="ko-KR" altLang="en-US" dirty="0" err="1" smtClean="0"/>
+              <a:t>해봅시당</a:t>
+            </a:r>
+            <a:r>
+              <a:rPr lang="en-US" altLang="ko-KR" dirty="0" smtClean="0"/>
+              <a:t>!</a:t>
+            </a:r>
+            <a:endParaRPr lang="ko-KR" altLang="en-US" dirty="0"/>
           </a:p>
         </p:txBody>
       </p:sp>
     </p:spTree>
     <p:extLst>
       <p:ext uri="{BB962C8B-B14F-4D97-AF65-F5344CB8AC3E}">
-        <p14:creationId xmlns:p14="http://schemas.microsoft.com/office/powerpoint/2010/main" val="3599548935"/>
+        <p14:creationId xmlns:p14="http://schemas.microsoft.com/office/powerpoint/2010/main" val="883283695"/>
       </p:ext>
     </p:extLst>
   </p:cSld>
@@ -3428,16 +3424,28 @@
           <a:lstStyle/>
           <a:p>
             <a:r>
-              <a:rPr lang="en-US" altLang="ko-KR" dirty="0"/>
-              <a:t>K M P (Knuth – </a:t>
-            </a:r>
-            <a:r>
-              <a:rPr lang="en-US" altLang="ko-KR" dirty="0" err="1"/>
-              <a:t>Moriss</a:t>
-            </a:r>
-            <a:r>
-              <a:rPr lang="en-US" altLang="ko-KR" dirty="0"/>
-              <a:t> – Prat)</a:t>
+              <a:rPr lang="ko-KR" altLang="en-US" dirty="0" smtClean="0"/>
+              <a:t>예제 </a:t>
+            </a:r>
+            <a:r>
+              <a:rPr lang="en-US" altLang="ko-KR" dirty="0" smtClean="0"/>
+              <a:t>: </a:t>
+            </a:r>
+            <a:r>
+              <a:rPr lang="ko-KR" altLang="en-US" dirty="0" smtClean="0"/>
+              <a:t>접두사</a:t>
+            </a:r>
+            <a:r>
+              <a:rPr lang="en-US" altLang="ko-KR" dirty="0" smtClean="0"/>
+              <a:t>/</a:t>
+            </a:r>
+            <a:r>
+              <a:rPr lang="ko-KR" altLang="en-US" dirty="0" smtClean="0"/>
+              <a:t>접미사</a:t>
+            </a:r>
+            <a:r>
+              <a:rPr lang="en-US" altLang="ko-KR" dirty="0" smtClean="0"/>
+              <a:t>(NAMING)</a:t>
             </a:r>
             <a:endParaRPr lang="ko-KR" altLang="en-US" dirty="0"/>
           </a:p>
@@ -3453,121 +3461,132 @@
             <p:ph idx="1"/>
           </p:nvPr>
         </p:nvSpPr>
-        <p:spPr>
-          <a:xfrm>
-            <a:off x="838200" y="1825624"/>
-            <a:ext cx="10515600" cy="5032375"/>
-          </a:xfrm>
-        </p:spPr>
-        <p:txBody>
-          <a:bodyPr>
-            <a:normAutofit/>
-          </a:bodyPr>
-          <a:lstStyle/>
-          <a:p>
-            <a:pPr marL="0" indent="0">
-              <a:buNone/>
-            </a:pPr>
-            <a:r>
-              <a:rPr lang="ko-KR" altLang="en-US" dirty="0" smtClean="0"/>
-              <a:t>코드 </a:t>
-            </a:r>
-            <a:r>
-              <a:rPr lang="en-US" altLang="ko-KR" dirty="0" smtClean="0"/>
-              <a:t>20.2 </a:t>
-            </a:r>
-            <a:r>
-              <a:rPr lang="ko-KR" altLang="en-US" dirty="0" smtClean="0"/>
-              <a:t>시간 복잡도 분석</a:t>
-            </a:r>
+        <p:spPr/>
+        <p:txBody>
+          <a:bodyPr/>
+          <a:lstStyle/>
+          <a:p>
+            <a:r>
+              <a:rPr lang="en-US" altLang="ko-KR" dirty="0" smtClean="0"/>
+              <a:t>Q. 654p 2</a:t>
+            </a:r>
+            <a:r>
+              <a:rPr lang="ko-KR" altLang="en-US" dirty="0" smtClean="0"/>
+              <a:t>번 째 문단 </a:t>
+            </a:r>
+            <a:r>
+              <a:rPr lang="en-US" altLang="ko-KR" dirty="0" smtClean="0"/>
+              <a:t>O(|S|^2)</a:t>
+            </a:r>
+            <a:r>
+              <a:rPr lang="ko-KR" altLang="en-US" dirty="0" smtClean="0"/>
+              <a:t>인 이유에 대해 말해봅시다</a:t>
+            </a:r>
+            <a:r>
+              <a:rPr lang="en-US" altLang="ko-KR" dirty="0" smtClean="0"/>
+              <a:t>.</a:t>
+            </a:r>
+          </a:p>
+          <a:p>
+            <a:endParaRPr lang="en-US" altLang="ko-KR" dirty="0"/>
+          </a:p>
+          <a:p>
+            <a:r>
+              <a:rPr lang="en-US" altLang="ko-KR" dirty="0" smtClean="0"/>
+              <a:t>Q. </a:t>
+            </a:r>
+            <a:r>
+              <a:rPr lang="ko-KR" altLang="en-US" dirty="0" smtClean="0"/>
+              <a:t>문제를 다시 한 번 읽어 봅시다</a:t>
+            </a:r>
+            <a:r>
+              <a:rPr lang="en-US" altLang="ko-KR" dirty="0" smtClean="0"/>
+              <a:t>.</a:t>
+            </a:r>
+          </a:p>
+          <a:p>
+            <a:endParaRPr lang="en-US" altLang="ko-KR" dirty="0"/>
+          </a:p>
+          <a:p>
+            <a:r>
+              <a:rPr lang="en-US" altLang="ko-KR" dirty="0" smtClean="0"/>
+              <a:t>Q. </a:t>
+            </a:r>
+            <a:r>
+              <a:rPr lang="en-US" altLang="ko-KR" dirty="0" err="1" smtClean="0"/>
+              <a:t>baab</a:t>
+            </a:r>
+            <a:r>
+              <a:rPr lang="en-US" altLang="ko-KR" dirty="0" smtClean="0"/>
+              <a:t>…</a:t>
+            </a:r>
+            <a:r>
+              <a:rPr lang="en-US" altLang="ko-KR" dirty="0" err="1" smtClean="0"/>
+              <a:t>baab</a:t>
+            </a:r>
+            <a:r>
+              <a:rPr lang="ko-KR" altLang="en-US" dirty="0" smtClean="0"/>
+              <a:t>에 대한 예를 들어 </a:t>
+            </a:r>
+            <a:r>
+              <a:rPr lang="en-US" altLang="ko-KR" dirty="0" smtClean="0"/>
+              <a:t>pi</a:t>
+            </a:r>
+            <a:r>
+              <a:rPr lang="ko-KR" altLang="en-US" dirty="0" err="1" smtClean="0"/>
+              <a:t>를</a:t>
+            </a:r>
+            <a:r>
+              <a:rPr lang="ko-KR" altLang="en-US" dirty="0" smtClean="0"/>
+              <a:t> 만들어봅시다</a:t>
+            </a:r>
+            <a:r>
+              <a:rPr lang="en-US" altLang="ko-KR" dirty="0" smtClean="0"/>
+              <a:t>.</a:t>
+            </a:r>
+          </a:p>
+          <a:p>
             <a:endParaRPr lang="en-US" altLang="ko-KR" dirty="0" smtClean="0"/>
           </a:p>
           <a:p>
+            <a:r>
+              <a:rPr lang="ko-KR" altLang="en-US" dirty="0" smtClean="0"/>
+              <a:t>코드를 이해해봅시다</a:t>
+            </a:r>
+            <a:r>
+              <a:rPr lang="en-US" altLang="ko-KR" dirty="0" smtClean="0"/>
+              <a:t>. </a:t>
+            </a:r>
+            <a:r>
+              <a:rPr lang="ko-KR" altLang="en-US" dirty="0" smtClean="0"/>
+              <a:t>그리고 원본 문자열 </a:t>
+            </a:r>
+            <a:r>
+              <a:rPr lang="en-US" altLang="ko-KR" dirty="0" smtClean="0"/>
+              <a:t>size |S|</a:t>
+            </a:r>
+            <a:r>
+              <a:rPr lang="ko-KR" altLang="en-US" dirty="0" smtClean="0"/>
+              <a:t>는 어디에서 추가 되는지 맞혀봅시다</a:t>
+            </a:r>
+            <a:r>
+              <a:rPr lang="en-US" altLang="ko-KR" dirty="0" smtClean="0"/>
+              <a:t>.</a:t>
+            </a:r>
             <a:endParaRPr lang="en-US" altLang="ko-KR" dirty="0"/>
-          </a:p>
-          <a:p>
-            <a:r>
-              <a:rPr lang="en-US" altLang="ko-KR" dirty="0" smtClean="0"/>
-              <a:t>650p</a:t>
-            </a:r>
-            <a:r>
-              <a:rPr lang="ko-KR" altLang="en-US" dirty="0" smtClean="0"/>
-              <a:t>의 </a:t>
-            </a:r>
-            <a:r>
-              <a:rPr lang="en-US" altLang="ko-KR" dirty="0" smtClean="0"/>
-              <a:t>2</a:t>
-            </a:r>
-            <a:r>
-              <a:rPr lang="ko-KR" altLang="en-US" dirty="0" smtClean="0"/>
-              <a:t>번 째 문단 </a:t>
-            </a:r>
-            <a:r>
-              <a:rPr lang="en-US" altLang="ko-KR" dirty="0" smtClean="0"/>
-              <a:t>2</a:t>
-            </a:r>
-            <a:r>
-              <a:rPr lang="ko-KR" altLang="en-US" dirty="0" smtClean="0"/>
-              <a:t>번 째 문장을 해석합시다</a:t>
-            </a:r>
-            <a:r>
-              <a:rPr lang="en-US" altLang="ko-KR" dirty="0" smtClean="0"/>
-              <a:t>.</a:t>
-            </a:r>
-          </a:p>
-          <a:p>
-            <a:endParaRPr lang="en-US" altLang="ko-KR" dirty="0"/>
-          </a:p>
-          <a:p>
-            <a:endParaRPr lang="en-US" altLang="ko-KR" dirty="0" smtClean="0"/>
-          </a:p>
-          <a:p>
-            <a:r>
-              <a:rPr lang="en-US" altLang="ko-KR" dirty="0" smtClean="0"/>
-              <a:t>begin + matched</a:t>
-            </a:r>
-            <a:r>
-              <a:rPr lang="ko-KR" altLang="en-US" dirty="0" smtClean="0"/>
-              <a:t>가 </a:t>
-            </a:r>
-            <a:r>
-              <a:rPr lang="ko-KR" altLang="en-US" dirty="0" err="1" smtClean="0"/>
-              <a:t>진도라고</a:t>
-            </a:r>
-            <a:r>
-              <a:rPr lang="ko-KR" altLang="en-US" dirty="0" smtClean="0"/>
-              <a:t> 했을 때 절대 작아지지 않는다    </a:t>
-            </a:r>
-            <a:r>
-              <a:rPr lang="en-US" altLang="ko-KR" dirty="0" smtClean="0"/>
-              <a:t>-&gt; O(|H|)</a:t>
-            </a:r>
-          </a:p>
-          <a:p>
-            <a:endParaRPr lang="en-US" altLang="ko-KR" dirty="0" smtClean="0"/>
-          </a:p>
-          <a:p>
-            <a:endParaRPr lang="en-US" altLang="ko-KR" dirty="0" smtClean="0"/>
           </a:p>
         </p:txBody>
       </p:sp>
     </p:spTree>
     <p:extLst>
       <p:ext uri="{BB962C8B-B14F-4D97-AF65-F5344CB8AC3E}">
-        <p14:creationId xmlns:p14="http://schemas.microsoft.com/office/powerpoint/2010/main" val="2569635275"/>
+        <p14:creationId xmlns:p14="http://schemas.microsoft.com/office/powerpoint/2010/main" val="2668154537"/>
       </p:ext>
     </p:extLst>
   </p:cSld>
   <p:clrMapOvr>
     <a:masterClrMapping/>
   </p:clrMapOvr>
-  <p:timing>
-    <p:tnLst>
-      <p:par>
-        <p:cTn id="1" dur="indefinite" restart="never" nodeType="tmRoot"/>
-      </p:par>
-    </p:tnLst>
-  </p:timing>
 </p:sld>
 </file>
 
@@ -3604,16 +3623,24 @@
           <a:lstStyle/>
           <a:p>
             <a:r>
-              <a:rPr lang="en-US" altLang="ko-KR" dirty="0"/>
-              <a:t>K M P (Knuth – </a:t>
-            </a:r>
-            <a:r>
-              <a:rPr lang="en-US" altLang="ko-KR" dirty="0" err="1"/>
-              <a:t>Moriss</a:t>
-            </a:r>
-            <a:r>
-              <a:rPr lang="en-US" altLang="ko-KR" dirty="0"/>
-              <a:t> – Prat)</a:t>
+              <a:rPr lang="ko-KR" altLang="en-US" dirty="0" smtClean="0"/>
+              <a:t>예제 </a:t>
+            </a:r>
+            <a:r>
+              <a:rPr lang="en-US" altLang="ko-KR" dirty="0" smtClean="0"/>
+              <a:t>: </a:t>
+            </a:r>
+            <a:r>
+              <a:rPr lang="ko-KR" altLang="en-US" dirty="0" err="1" smtClean="0"/>
+              <a:t>팰린드롬</a:t>
+            </a:r>
+            <a:r>
+              <a:rPr lang="ko-KR" altLang="en-US" dirty="0" smtClean="0"/>
+              <a:t> 만들기</a:t>
+            </a:r>
+            <a:r>
+              <a:rPr lang="en-US" altLang="ko-KR" dirty="0" smtClean="0"/>
+              <a:t>(PALINDROMIZE)</a:t>
             </a:r>
             <a:endParaRPr lang="ko-KR" altLang="en-US" dirty="0"/>
           </a:p>
@@ -3636,35 +3663,19 @@
           <a:p>
             <a:r>
               <a:rPr lang="ko-KR" altLang="en-US" dirty="0" smtClean="0"/>
-              <a:t>부분 일치 테이블 생성하기</a:t>
-            </a:r>
-            <a:endParaRPr lang="en-US" altLang="ko-KR" dirty="0" smtClean="0"/>
-          </a:p>
-          <a:p>
-            <a:endParaRPr lang="en-US" altLang="ko-KR" dirty="0"/>
-          </a:p>
-          <a:p>
-            <a:r>
-              <a:rPr lang="ko-KR" altLang="en-US" dirty="0" smtClean="0"/>
-              <a:t>손으로 직접 해봅시다</a:t>
-            </a:r>
-            <a:endParaRPr lang="en-US" altLang="ko-KR" dirty="0" smtClean="0"/>
-          </a:p>
-          <a:p>
-            <a:endParaRPr lang="en-US" altLang="ko-KR" dirty="0"/>
-          </a:p>
-          <a:p>
-            <a:r>
-              <a:rPr lang="en-US" altLang="ko-KR" dirty="0" smtClean="0"/>
-              <a:t>“</a:t>
-            </a:r>
-            <a:r>
-              <a:rPr lang="en-US" altLang="ko-KR" dirty="0" err="1" smtClean="0"/>
-              <a:t>bcabbcaabca</a:t>
-            </a:r>
-            <a:r>
-              <a:rPr lang="en-US" altLang="ko-KR" dirty="0" smtClean="0"/>
-              <a:t>”</a:t>
+              <a:t>원래 글자와 뒤집은 글자의 겹치는 부분이 최대가 되는 것을 구하는 것인데</a:t>
+            </a:r>
+            <a:r>
+              <a:rPr lang="en-US" altLang="ko-KR" dirty="0" smtClean="0"/>
+              <a:t>, </a:t>
+            </a:r>
+            <a:r>
+              <a:rPr lang="ko-KR" altLang="en-US" dirty="0" smtClean="0"/>
+              <a:t>따로 하지 않고 넘어가도록 </a:t>
+            </a:r>
+            <a:r>
+              <a:rPr lang="ko-KR" altLang="en-US" dirty="0" err="1" smtClean="0"/>
+              <a:t>할께요</a:t>
             </a:r>
             <a:endParaRPr lang="ko-KR" altLang="en-US" dirty="0"/>
           </a:p>
@@ -3673,20 +3684,13 @@
     </p:spTree>
     <p:extLst>
       <p:ext uri="{BB962C8B-B14F-4D97-AF65-F5344CB8AC3E}">
-        <p14:creationId xmlns:p14="http://schemas.microsoft.com/office/powerpoint/2010/main" val="3585750131"/>
+        <p14:creationId xmlns:p14="http://schemas.microsoft.com/office/powerpoint/2010/main" val="892318332"/>
       </p:ext>
     </p:extLst>
   </p:cSld>
   <p:clrMapOvr>
     <a:masterClrMapping/>
   </p:clrMapOvr>
-  <p:timing>
-    <p:tnLst>
-      <p:par>
-        <p:cTn id="1" dur="indefinite" restart="never" nodeType="tmRoot"/>
-      </p:par>
-    </p:tnLst>
-  </p:timing>
 </p:sld>
 </file>
 
@@ -3723,16 +3727,8 @@
           <a:lstStyle/>
           <a:p>
             <a:r>
-              <a:rPr lang="en-US" altLang="ko-KR" dirty="0"/>
-              <a:t>K M P (Knuth – </a:t>
-            </a:r>
-            <a:r>
-              <a:rPr lang="en-US" altLang="ko-KR" dirty="0" err="1"/>
-              <a:t>Moriss</a:t>
-            </a:r>
-            <a:r>
-              <a:rPr lang="en-US" altLang="ko-KR" dirty="0"/>
-              <a:t> – Prat)</a:t>
+              <a:rPr lang="ko-KR" altLang="en-US" dirty="0" smtClean="0"/>
+              <a:t>재하의 금고</a:t>
             </a:r>
             <a:endParaRPr lang="ko-KR" altLang="en-US" dirty="0"/>
           </a:p>
@@ -3750,232 +3746,47 @@
         </p:nvSpPr>
         <p:spPr/>
         <p:txBody>
-          <a:bodyPr>
-            <a:normAutofit fontScale="85000" lnSpcReduction="20000"/>
-          </a:bodyPr>
-          <a:lstStyle/>
-          <a:p>
-            <a:r>
-              <a:rPr lang="ko-KR" altLang="en-US" dirty="0" smtClean="0"/>
-              <a:t>부분 일치 테이블 생성하기</a:t>
-            </a:r>
-            <a:endParaRPr lang="en-US" altLang="ko-KR" dirty="0" smtClean="0"/>
-          </a:p>
-          <a:p>
-            <a:pPr marL="0" indent="0">
-              <a:buNone/>
-            </a:pPr>
-            <a:r>
-              <a:rPr lang="en-US" altLang="ko-KR" dirty="0" smtClean="0"/>
-              <a:t> </a:t>
-            </a:r>
-            <a:r>
-              <a:rPr lang="ko-KR" altLang="en-US" dirty="0" smtClean="0"/>
-              <a:t>코드 </a:t>
-            </a:r>
-            <a:r>
-              <a:rPr lang="en-US" altLang="ko-KR" dirty="0" smtClean="0"/>
-              <a:t>20.3</a:t>
-            </a:r>
-          </a:p>
-          <a:p>
-            <a:endParaRPr lang="en-US" altLang="ko-KR" dirty="0"/>
-          </a:p>
-          <a:p>
-            <a:endParaRPr lang="en-US" altLang="ko-KR" dirty="0" smtClean="0"/>
-          </a:p>
-          <a:p>
-            <a:r>
-              <a:rPr lang="en-US" altLang="ko-KR" dirty="0" smtClean="0"/>
-              <a:t>Q. </a:t>
-            </a:r>
-            <a:r>
-              <a:rPr lang="ko-KR" altLang="en-US" dirty="0" smtClean="0"/>
-              <a:t>그림 </a:t>
-            </a:r>
-            <a:r>
-              <a:rPr lang="en-US" altLang="ko-KR" dirty="0" smtClean="0"/>
-              <a:t>20.4(a)</a:t>
-            </a:r>
-            <a:r>
-              <a:rPr lang="ko-KR" altLang="en-US" dirty="0" smtClean="0"/>
-              <a:t>에서</a:t>
-            </a:r>
-            <a:r>
-              <a:rPr lang="en-US" altLang="ko-KR" dirty="0"/>
-              <a:t> </a:t>
-            </a:r>
-            <a:r>
-              <a:rPr lang="en-US" altLang="ko-KR" dirty="0" smtClean="0"/>
-              <a:t>N[begin + </a:t>
+          <a:bodyPr/>
+          <a:lstStyle/>
+          <a:p>
+            <a:r>
+              <a:rPr lang="ko-KR" altLang="en-US" dirty="0" smtClean="0"/>
+              <a:t>시계 방향과 </a:t>
+            </a:r>
+            <a:r>
+              <a:rPr lang="ko-KR" altLang="en-US" dirty="0" err="1" smtClean="0"/>
+              <a:t>반시계</a:t>
+            </a:r>
+            <a:r>
+              <a:rPr lang="ko-KR" altLang="en-US" dirty="0" smtClean="0"/>
+              <a:t> 방향에 대한 내용만 추가하면 </a:t>
             </a:r>
             <a:r>
               <a:rPr lang="en-US" altLang="ko-KR" dirty="0" err="1" smtClean="0"/>
-              <a:t>i</a:t>
-            </a:r>
-            <a:r>
-              <a:rPr lang="en-US" altLang="ko-KR" dirty="0" smtClean="0"/>
-              <a:t>]</a:t>
-            </a:r>
-            <a:r>
-              <a:rPr lang="ko-KR" altLang="en-US" dirty="0" smtClean="0"/>
-              <a:t>와 </a:t>
-            </a:r>
-            <a:r>
-              <a:rPr lang="en-US" altLang="ko-KR" dirty="0" smtClean="0"/>
-              <a:t>N[</a:t>
-            </a:r>
-            <a:r>
-              <a:rPr lang="en-US" altLang="ko-KR" dirty="0" err="1" smtClean="0"/>
-              <a:t>i</a:t>
-            </a:r>
-            <a:r>
-              <a:rPr lang="en-US" altLang="ko-KR" dirty="0" smtClean="0"/>
-              <a:t>]</a:t>
-            </a:r>
-            <a:r>
-              <a:rPr lang="ko-KR" altLang="en-US" dirty="0" smtClean="0"/>
-              <a:t>가</a:t>
-            </a:r>
-            <a:r>
-              <a:rPr lang="en-US" altLang="ko-KR" dirty="0"/>
-              <a:t> </a:t>
-            </a:r>
-            <a:r>
-              <a:rPr lang="ko-KR" altLang="en-US" dirty="0" smtClean="0"/>
-              <a:t>위 인지 아래인지 말해</a:t>
-            </a:r>
-            <a:r>
-              <a:rPr lang="en-US" altLang="ko-KR" dirty="0" smtClean="0"/>
-              <a:t> </a:t>
-            </a:r>
-            <a:r>
-              <a:rPr lang="ko-KR" altLang="en-US" dirty="0" smtClean="0"/>
-              <a:t>봅시다</a:t>
+              <a:t>kmp</a:t>
+            </a:r>
+            <a:r>
+              <a:rPr lang="ko-KR" altLang="en-US" dirty="0" smtClean="0"/>
+              <a:t>로 어렵지 않게 해결할 수 있습니다</a:t>
             </a:r>
             <a:r>
               <a:rPr lang="en-US" altLang="ko-KR" dirty="0" smtClean="0"/>
               <a:t>.</a:t>
             </a:r>
-          </a:p>
-          <a:p>
-            <a:endParaRPr lang="en-US" altLang="ko-KR" dirty="0"/>
-          </a:p>
-          <a:p>
-            <a:r>
-              <a:rPr lang="en-US" altLang="ko-KR" dirty="0" smtClean="0"/>
-              <a:t>Q. pi[begin + </a:t>
-            </a:r>
-            <a:r>
-              <a:rPr lang="en-US" altLang="ko-KR" dirty="0" err="1" smtClean="0"/>
-              <a:t>i</a:t>
-            </a:r>
-            <a:r>
-              <a:rPr lang="en-US" altLang="ko-KR" dirty="0" smtClean="0"/>
-              <a:t>] = max(pi[begin + </a:t>
-            </a:r>
-            <a:r>
-              <a:rPr lang="en-US" altLang="ko-KR" dirty="0" err="1" smtClean="0"/>
-              <a:t>i</a:t>
-            </a:r>
-            <a:r>
-              <a:rPr lang="en-US" altLang="ko-KR" dirty="0" smtClean="0"/>
-              <a:t>] , </a:t>
-            </a:r>
-            <a:r>
-              <a:rPr lang="en-US" altLang="ko-KR" dirty="0" err="1" smtClean="0"/>
-              <a:t>i</a:t>
-            </a:r>
-            <a:r>
-              <a:rPr lang="en-US" altLang="ko-KR" dirty="0" smtClean="0"/>
-              <a:t> + 1] </a:t>
-            </a:r>
-            <a:r>
-              <a:rPr lang="ko-KR" altLang="en-US" dirty="0" smtClean="0"/>
-              <a:t>의 의미를 말해봅시다</a:t>
-            </a:r>
-            <a:r>
-              <a:rPr lang="en-US" altLang="ko-KR" dirty="0" smtClean="0"/>
-              <a:t>.</a:t>
-            </a:r>
-          </a:p>
-          <a:p>
-            <a:endParaRPr lang="en-US" altLang="ko-KR" dirty="0"/>
-          </a:p>
-          <a:p>
-            <a:r>
-              <a:rPr lang="en-US" altLang="ko-KR" dirty="0" smtClean="0"/>
-              <a:t>Q. </a:t>
-            </a:r>
-            <a:r>
-              <a:rPr lang="ko-KR" altLang="en-US" dirty="0" smtClean="0"/>
-              <a:t>코드 </a:t>
-            </a:r>
-            <a:r>
-              <a:rPr lang="en-US" altLang="ko-KR" dirty="0" smtClean="0"/>
-              <a:t>20.1</a:t>
-            </a:r>
-            <a:r>
-              <a:rPr lang="ko-KR" altLang="en-US" dirty="0" smtClean="0"/>
-              <a:t>과 비교해봅시다</a:t>
-            </a:r>
-            <a:r>
-              <a:rPr lang="en-US" altLang="ko-KR" dirty="0" smtClean="0"/>
-              <a:t>.</a:t>
-            </a:r>
-          </a:p>
-          <a:p>
-            <a:endParaRPr lang="en-US" altLang="ko-KR" dirty="0"/>
-          </a:p>
-          <a:p>
-            <a:r>
-              <a:rPr lang="en-US" altLang="ko-KR" dirty="0" smtClean="0"/>
-              <a:t>Q. </a:t>
-            </a:r>
-            <a:r>
-              <a:rPr lang="ko-KR" altLang="en-US" dirty="0" smtClean="0"/>
-              <a:t>이중 </a:t>
-            </a:r>
-            <a:r>
-              <a:rPr lang="en-US" altLang="ko-KR" dirty="0" smtClean="0"/>
-              <a:t>for</a:t>
-            </a:r>
-            <a:r>
-              <a:rPr lang="ko-KR" altLang="en-US" dirty="0" smtClean="0"/>
-              <a:t>문인데 </a:t>
-            </a:r>
-            <a:r>
-              <a:rPr lang="en-US" altLang="ko-KR" dirty="0" smtClean="0"/>
-              <a:t>N^3</a:t>
-            </a:r>
-            <a:r>
-              <a:rPr lang="ko-KR" altLang="en-US" dirty="0" smtClean="0"/>
-              <a:t>인 이유는 무엇입니까</a:t>
-            </a:r>
-            <a:r>
-              <a:rPr lang="en-US" altLang="ko-KR" dirty="0" smtClean="0"/>
-              <a:t>?</a:t>
-            </a:r>
+            <a:endParaRPr lang="ko-KR" altLang="en-US" dirty="0"/>
           </a:p>
         </p:txBody>
       </p:sp>
     </p:spTree>
     <p:extLst>
       <p:ext uri="{BB962C8B-B14F-4D97-AF65-F5344CB8AC3E}">
-        <p14:creationId xmlns:p14="http://schemas.microsoft.com/office/powerpoint/2010/main" val="4009795808"/>
+        <p14:creationId xmlns:p14="http://schemas.microsoft.com/office/powerpoint/2010/main" val="2412697503"/>
       </p:ext>
     </p:extLst>
   </p:cSld>
   <p:clrMapOvr>
     <a:masterClrMapping/>
   </p:clrMapOvr>
-  <p:timing>
-    <p:tnLst>
-      <p:par>
-        <p:cTn id="1" dur="indefinite" restart="never" nodeType="tmRoot"/>
-      </p:par>
-    </p:tnLst>
-  </p:timing>
 </p:sld>
 </file>
 
@@ -4012,16 +3823,20 @@
           <a:lstStyle/>
           <a:p>
             <a:r>
-              <a:rPr lang="en-US" altLang="ko-KR" dirty="0"/>
-              <a:t>K M P (Knuth – </a:t>
-            </a:r>
-            <a:r>
-              <a:rPr lang="en-US" altLang="ko-KR" dirty="0" err="1"/>
-              <a:t>Moriss</a:t>
-            </a:r>
-            <a:r>
-              <a:rPr lang="en-US" altLang="ko-KR" dirty="0"/>
-              <a:t> – Prat)</a:t>
+              <a:rPr lang="ko-KR" altLang="en-US" dirty="0" smtClean="0"/>
+              <a:t>광고</a:t>
+            </a:r>
+            <a:r>
+              <a:rPr lang="en-US" altLang="ko-KR" dirty="0" smtClean="0"/>
+              <a:t>(</a:t>
+            </a:r>
+            <a:r>
+              <a:rPr lang="ko-KR" altLang="en-US" dirty="0" smtClean="0"/>
+              <a:t>백준 </a:t>
+            </a:r>
+            <a:r>
+              <a:rPr lang="en-US" altLang="ko-KR" dirty="0" smtClean="0"/>
+              <a:t>1305)</a:t>
             </a:r>
             <a:endParaRPr lang="ko-KR" altLang="en-US" dirty="0"/>
           </a:p>
@@ -4039,133 +3854,25 @@
         </p:nvSpPr>
         <p:spPr/>
         <p:txBody>
-          <a:bodyPr>
-            <a:normAutofit/>
-          </a:bodyPr>
-          <a:lstStyle/>
-          <a:p>
-            <a:r>
-              <a:rPr lang="ko-KR" altLang="en-US" dirty="0" smtClean="0"/>
-              <a:t>부분 일치 테이블 생성하기</a:t>
-            </a:r>
-            <a:endParaRPr lang="en-US" altLang="ko-KR" dirty="0" smtClean="0"/>
-          </a:p>
-          <a:p>
-            <a:pPr marL="0" indent="0">
-              <a:buNone/>
-            </a:pPr>
-            <a:r>
-              <a:rPr lang="en-US" altLang="ko-KR" dirty="0" smtClean="0"/>
-              <a:t> </a:t>
-            </a:r>
-            <a:r>
-              <a:rPr lang="ko-KR" altLang="en-US" dirty="0" smtClean="0"/>
-              <a:t>코드 </a:t>
-            </a:r>
-            <a:r>
-              <a:rPr lang="en-US" altLang="ko-KR" dirty="0" smtClean="0"/>
-              <a:t>20.4</a:t>
-            </a:r>
-          </a:p>
-          <a:p>
-            <a:endParaRPr lang="en-US" altLang="ko-KR" dirty="0"/>
-          </a:p>
-          <a:p>
-            <a:endParaRPr lang="en-US" altLang="ko-KR" dirty="0" smtClean="0"/>
-          </a:p>
-          <a:p>
-            <a:r>
-              <a:rPr lang="en-US" altLang="ko-KR" dirty="0" smtClean="0"/>
-              <a:t>Q. </a:t>
-            </a:r>
-            <a:r>
-              <a:rPr lang="ko-KR" altLang="en-US" dirty="0" smtClean="0"/>
-              <a:t>그림 </a:t>
-            </a:r>
-            <a:r>
-              <a:rPr lang="en-US" altLang="ko-KR" dirty="0" smtClean="0"/>
-              <a:t>20.4(b)</a:t>
-            </a:r>
-            <a:r>
-              <a:rPr lang="ko-KR" altLang="en-US" dirty="0" smtClean="0"/>
-              <a:t>에서 </a:t>
-            </a:r>
-            <a:r>
-              <a:rPr lang="en-US" altLang="ko-KR" dirty="0" smtClean="0"/>
-              <a:t>N[</a:t>
-            </a:r>
-            <a:r>
-              <a:rPr lang="en-US" altLang="ko-KR" dirty="0" err="1" smtClean="0"/>
-              <a:t>begin+matched</a:t>
-            </a:r>
-            <a:r>
-              <a:rPr lang="en-US" altLang="ko-KR" dirty="0" smtClean="0"/>
-              <a:t>]</a:t>
-            </a:r>
-            <a:r>
-              <a:rPr lang="ko-KR" altLang="en-US" dirty="0" smtClean="0"/>
-              <a:t>와 </a:t>
-            </a:r>
-            <a:r>
-              <a:rPr lang="en-US" altLang="ko-KR" dirty="0" smtClean="0"/>
-              <a:t>N[matched]</a:t>
-            </a:r>
-            <a:r>
-              <a:rPr lang="ko-KR" altLang="en-US" dirty="0" smtClean="0"/>
-              <a:t>가 무엇인지 말해봅시다</a:t>
-            </a:r>
-            <a:r>
-              <a:rPr lang="en-US" altLang="ko-KR" dirty="0" smtClean="0"/>
-              <a:t>.</a:t>
-            </a:r>
-          </a:p>
-          <a:p>
-            <a:endParaRPr lang="en-US" altLang="ko-KR" dirty="0"/>
-          </a:p>
-          <a:p>
-            <a:r>
-              <a:rPr lang="en-US" altLang="ko-KR" dirty="0" smtClean="0"/>
-              <a:t>Q. </a:t>
-            </a:r>
-            <a:r>
-              <a:rPr lang="en-US" altLang="ko-KR" b="1" dirty="0" smtClean="0">
-                <a:solidFill>
-                  <a:srgbClr val="FF0000"/>
-                </a:solidFill>
-              </a:rPr>
-              <a:t>while</a:t>
-            </a:r>
-            <a:r>
-              <a:rPr lang="ko-KR" altLang="en-US" b="1" dirty="0" smtClean="0">
-                <a:solidFill>
-                  <a:srgbClr val="FF0000"/>
-                </a:solidFill>
-              </a:rPr>
-              <a:t>문을 해석해봅시다</a:t>
-            </a:r>
-            <a:r>
-              <a:rPr lang="en-US" altLang="ko-KR" b="1" dirty="0" smtClean="0">
-                <a:solidFill>
-                  <a:srgbClr val="FF0000"/>
-                </a:solidFill>
-              </a:rPr>
-              <a:t>.</a:t>
-            </a:r>
-            <a:endParaRPr lang="en-US" altLang="ko-KR" b="1" dirty="0">
-              <a:solidFill>
-                <a:srgbClr val="FF0000"/>
-              </a:solidFill>
-            </a:endParaRPr>
-          </a:p>
-          <a:p>
-            <a:endParaRPr lang="en-US" altLang="ko-KR" dirty="0" smtClean="0"/>
+          <a:bodyPr/>
+          <a:lstStyle/>
+          <a:p>
+            <a:r>
+              <a:rPr lang="ko-KR" altLang="en-US" dirty="0" smtClean="0"/>
+              <a:t>접두사이면서 접미사이다</a:t>
+            </a:r>
+            <a:r>
+              <a:rPr lang="en-US" altLang="ko-KR" dirty="0" smtClean="0"/>
+              <a:t>?</a:t>
+            </a:r>
+            <a:endParaRPr lang="ko-KR" altLang="en-US" dirty="0"/>
           </a:p>
         </p:txBody>
       </p:sp>
     </p:spTree>
     <p:extLst>
       <p:ext uri="{BB962C8B-B14F-4D97-AF65-F5344CB8AC3E}">
-        <p14:creationId xmlns:p14="http://schemas.microsoft.com/office/powerpoint/2010/main" val="2311654229"/>
+        <p14:creationId xmlns:p14="http://schemas.microsoft.com/office/powerpoint/2010/main" val="891435389"/>
       </p:ext>
     </p:extLst>
   </p:cSld>
@@ -4214,7 +3921,23 @@
           <a:bodyPr/>
           <a:lstStyle/>
           <a:p>
-            <a:endParaRPr lang="ko-KR" altLang="en-US"/>
+            <a:r>
+              <a:rPr lang="ko-KR" altLang="en-US" dirty="0" smtClean="0"/>
+              <a:t>찾기</a:t>
+            </a:r>
+            <a:r>
+              <a:rPr lang="en-US" altLang="ko-KR" dirty="0" smtClean="0"/>
+              <a:t>(</a:t>
+            </a:r>
+            <a:r>
+              <a:rPr lang="ko-KR" altLang="en-US" dirty="0" smtClean="0"/>
+              <a:t>백준 </a:t>
+            </a:r>
+            <a:r>
+              <a:rPr lang="en-US" altLang="ko-KR" dirty="0" smtClean="0"/>
+              <a:t>1786)</a:t>
+            </a:r>
+            <a:endParaRPr lang="ko-KR" altLang="en-US" dirty="0"/>
           </a:p>
         </p:txBody>
       </p:sp>
@@ -4234,50 +3957,23 @@
           <a:lstStyle/>
           <a:p>
             <a:r>
-              <a:rPr lang="ko-KR" altLang="en-US" dirty="0" smtClean="0"/>
-              <a:t>예제를 만들기</a:t>
-            </a:r>
-            <a:endParaRPr lang="en-US" altLang="ko-KR" dirty="0" smtClean="0"/>
-          </a:p>
-          <a:p>
-            <a:r>
-              <a:rPr lang="ko-KR" altLang="en-US" dirty="0" smtClean="0"/>
-              <a:t>그리고 코드를 분석하며 예제를 </a:t>
-            </a:r>
-            <a:r>
-              <a:rPr lang="ko-KR" altLang="en-US" dirty="0" err="1" smtClean="0"/>
-              <a:t>직접해보기</a:t>
-            </a:r>
-            <a:r>
-              <a:rPr lang="en-US" altLang="ko-KR" dirty="0" smtClean="0"/>
-              <a:t>.</a:t>
-            </a:r>
-          </a:p>
-          <a:p>
-            <a:endParaRPr lang="en-US" altLang="ko-KR" dirty="0"/>
-          </a:p>
-          <a:p>
-            <a:endParaRPr lang="en-US" altLang="ko-KR" dirty="0" smtClean="0"/>
+              <a:rPr lang="en-US" altLang="ko-KR" dirty="0" smtClean="0"/>
+              <a:t>KMP?</a:t>
+            </a:r>
+            <a:endParaRPr lang="ko-KR" altLang="en-US" dirty="0"/>
           </a:p>
         </p:txBody>
       </p:sp>
     </p:spTree>
     <p:extLst>
       <p:ext uri="{BB962C8B-B14F-4D97-AF65-F5344CB8AC3E}">
-        <p14:creationId xmlns:p14="http://schemas.microsoft.com/office/powerpoint/2010/main" val="3152729852"/>
+        <p14:creationId xmlns:p14="http://schemas.microsoft.com/office/powerpoint/2010/main" val="3841787676"/>
       </p:ext>
     </p:extLst>
   </p:cSld>
   <p:clrMapOvr>
     <a:masterClrMapping/>
   </p:clrMapOvr>
-  <p:timing>
-    <p:tnLst>
-      <p:par>
-        <p:cTn id="1" dur="indefinite" restart="never" nodeType="tmRoot"/>
-      </p:par>
-    </p:tnLst>
-  </p:timing>
 </p:sld>
 </file>
 
@@ -4313,6 +4009,14 @@
           <a:bodyPr/>
           <a:lstStyle/>
           <a:p>
+            <a:r>
+              <a:rPr lang="ko-KR" altLang="en-US" dirty="0" smtClean="0"/>
+              <a:t>백준 </a:t>
+            </a:r>
+            <a:r>
+              <a:rPr lang="en-US" altLang="ko-KR" dirty="0" smtClean="0"/>
+              <a:t>4354</a:t>
+            </a:r>
             <a:endParaRPr lang="ko-KR" altLang="en-US" dirty="0"/>
           </a:p>
         </p:txBody>
@@ -4332,27 +4036,20 @@
           <a:bodyPr/>
           <a:lstStyle/>
           <a:p>
-            <a:endParaRPr lang="ko-KR" altLang="en-US"/>
+            <a:endParaRPr lang="ko-KR" altLang="en-US" dirty="0"/>
           </a:p>
         </p:txBody>
       </p:sp>
     </p:spTree>
     <p:extLst>
       <p:ext uri="{BB962C8B-B14F-4D97-AF65-F5344CB8AC3E}">
-        <p14:creationId xmlns:p14="http://schemas.microsoft.com/office/powerpoint/2010/main" val="278223859"/>
+        <p14:creationId xmlns:p14="http://schemas.microsoft.com/office/powerpoint/2010/main" val="3110185432"/>
       </p:ext>
     </p:extLst>
   </p:cSld>
   <p:clrMapOvr>
     <a:masterClrMapping/>
   </p:clrMapOvr>
-  <p:timing>
-    <p:tnLst>
-      <p:par>
-        <p:cTn id="1" dur="indefinite" restart="never" nodeType="tmRoot"/>
-      </p:par>
-    </p:tnLst>
-  </p:timing>
 </p:sld>
 </file>
 
@@ -4390,183 +4087,45 @@
           <a:p>
             <a:r>
               <a:rPr lang="ko-KR" altLang="en-US" dirty="0" smtClean="0"/>
-              <a:t>코드 </a:t>
-            </a:r>
-            <a:r>
-              <a:rPr lang="en-US" altLang="ko-KR" dirty="0" smtClean="0"/>
-              <a:t>20.4</a:t>
+              <a:t>백준 </a:t>
+            </a:r>
+            <a:r>
+              <a:rPr lang="en-US" altLang="ko-KR" dirty="0" smtClean="0"/>
+              <a:t>2401</a:t>
             </a:r>
             <a:endParaRPr lang="ko-KR" altLang="en-US" dirty="0"/>
           </a:p>
         </p:txBody>
       </p:sp>
-      <p:pic>
-        <p:nvPicPr>
-          <p:cNvPr id="4" name="내용 개체 틀 3"/>
-          <p:cNvPicPr>
-            <a:picLocks noGrp="1" noChangeAspect="1"/>
-          </p:cNvPicPr>
+      <p:sp>
+        <p:nvSpPr>
+          <p:cNvPr id="3" name="내용 개체 틀 2"/>
+          <p:cNvSpPr>
+            <a:spLocks noGrp="1"/>
+          </p:cNvSpPr>
           <p:nvPr>
             <p:ph idx="1"/>
           </p:nvPr>
-        </p:nvPicPr>
-        <p:blipFill>
-          <a:blip r:embed="rId2">
-            <a:extLst>
-              <a:ext uri="{28A0092B-C50C-407E-A947-70E740481C1C}">
-                <a14:useLocalDpi xmlns:a14="http://schemas.microsoft.com/office/drawing/2010/main" val="0"/>
-              </a:ext>
-            </a:extLst>
-          </a:blip>
-          <a:stretch>
-            <a:fillRect/>
-          </a:stretch>
-        </p:blipFill>
-        <p:spPr>
-          <a:xfrm>
-            <a:off x="5118313" y="596900"/>
-            <a:ext cx="6400896" cy="6032500"/>
-          </a:xfrm>
-        </p:spPr>
-      </p:pic>
+        </p:nvSpPr>
+        <p:spPr/>
+        <p:txBody>
+          <a:bodyPr/>
+          <a:lstStyle/>
+          <a:p>
+            <a:endParaRPr lang="ko-KR" altLang="en-US"/>
+          </a:p>
+        </p:txBody>
+      </p:sp>
     </p:spTree>
     <p:extLst>
       <p:ext uri="{BB962C8B-B14F-4D97-AF65-F5344CB8AC3E}">
-        <p14:creationId xmlns:p14="http://schemas.microsoft.com/office/powerpoint/2010/main" val="672468301"/>
+        <p14:creationId xmlns:p14="http://schemas.microsoft.com/office/powerpoint/2010/main" val="1859323936"/>
       </p:ext>
     </p:extLst>
   </p:cSld>
   <p:clrMapOvr>
     <a:masterClrMapping/>
   </p:clrMapOvr>
-  <p:timing>
-    <p:tnLst>
-      <p:par>
-        <p:cTn id="1" dur="indefinite" restart="never" nodeType="tmRoot"/>
-      </p:par>
-    </p:tnLst>
-  </p:timing>
-</p:sld>
-</file>
-
-<file path=ppt/slides/slide19.xml><?xml version="1.0" encoding="utf-8"?>
-<p:sld xmlns:a="http://schemas.openxmlformats.org/drawingml/2006/main" xmlns:r="http://schemas.openxmlformats.org/officeDocument/2006/relationships" xmlns:p="http://schemas.openxmlformats.org/presentationml/2006/main">
-  <p:cSld>
-    <p:spTree>
-      <p:nvGrpSpPr>
-        <p:cNvPr id="1" name=""/>
-        <p:cNvGrpSpPr/>
-        <p:nvPr/>
-      </p:nvGrpSpPr>
-      <p:grpSpPr>
-        <a:xfrm>
-          <a:off x="0" y="0"/>
-          <a:ext cx="0" cy="0"/>
-          <a:chOff x="0" y="0"/>
-          <a:chExt cx="0" cy="0"/>
-        </a:xfrm>
-      </p:grpSpPr>
-      <p:sp>
-        <p:nvSpPr>
-          <p:cNvPr id="2" name="제목 1"/>
-          <p:cNvSpPr>
-            <a:spLocks noGrp="1"/>
-          </p:cNvSpPr>
-          <p:nvPr>
-            <p:ph type="title"/>
-          </p:nvPr>
-        </p:nvSpPr>
-        <p:spPr/>
-        <p:txBody>
-          <a:bodyPr/>
-          <a:lstStyle/>
-          <a:p>
-            <a:r>
-              <a:rPr lang="ko-KR" altLang="en-US" dirty="0" smtClean="0"/>
-              <a:t>코드 </a:t>
-            </a:r>
-            <a:r>
-              <a:rPr lang="en-US" altLang="ko-KR" dirty="0" smtClean="0"/>
-              <a:t>20.7</a:t>
-            </a:r>
-            <a:endParaRPr lang="ko-KR" altLang="en-US" dirty="0"/>
-          </a:p>
-        </p:txBody>
-      </p:sp>
-      <p:sp>
-        <p:nvSpPr>
-          <p:cNvPr id="5" name="TextBox 4"/>
-          <p:cNvSpPr txBox="1"/>
-          <p:nvPr/>
-        </p:nvSpPr>
-        <p:spPr>
-          <a:xfrm>
-            <a:off x="1585913" y="2371725"/>
-            <a:ext cx="2000250" cy="369332"/>
-          </a:xfrm>
-          <a:prstGeom prst="rect">
-            <a:avLst/>
-          </a:prstGeom>
-          <a:noFill/>
-        </p:spPr>
-        <p:txBody>
-          <a:bodyPr wrap="square" rtlCol="0">
-            <a:spAutoFit/>
-          </a:bodyPr>
-          <a:lstStyle/>
-          <a:p>
-            <a:r>
-              <a:rPr lang="en-US" altLang="ko-KR" dirty="0" smtClean="0"/>
-              <a:t>20.2</a:t>
-            </a:r>
-            <a:r>
-              <a:rPr lang="ko-KR" altLang="en-US" dirty="0" smtClean="0"/>
-              <a:t>와 비교</a:t>
-            </a:r>
-            <a:r>
-              <a:rPr lang="en-US" altLang="ko-KR" dirty="0" smtClean="0"/>
-              <a:t>.</a:t>
-            </a:r>
-            <a:endParaRPr lang="ko-KR" altLang="en-US" dirty="0"/>
-          </a:p>
-        </p:txBody>
-      </p:sp>
-      <p:sp>
-        <p:nvSpPr>
-          <p:cNvPr id="3" name="내용 개체 틀 2"/>
-          <p:cNvSpPr>
-            <a:spLocks noGrp="1"/>
-          </p:cNvSpPr>
-          <p:nvPr>
-            <p:ph idx="1"/>
-          </p:nvPr>
-        </p:nvSpPr>
-        <p:spPr/>
-        <p:txBody>
-          <a:bodyPr/>
-          <a:lstStyle/>
-          <a:p>
-            <a:endParaRPr lang="ko-KR" altLang="en-US"/>
-          </a:p>
-        </p:txBody>
-      </p:sp>
-    </p:spTree>
-    <p:extLst>
-      <p:ext uri="{BB962C8B-B14F-4D97-AF65-F5344CB8AC3E}">
-        <p14:creationId xmlns:p14="http://schemas.microsoft.com/office/powerpoint/2010/main" val="891435389"/>
-      </p:ext>
-    </p:extLst>
-  </p:cSld>
-  <p:clrMapOvr>
-    <a:masterClrMapping/>
-  </p:clrMapOvr>
-  <p:timing>
-    <p:tnLst>
-      <p:par>
-        <p:cTn id="1" dur="indefinite" restart="never" nodeType="tmRoot"/>
-      </p:par>
-    </p:tnLst>
-  </p:timing>
 </p:sld>
 </file>
 
@@ -4953,74 +4512,6 @@
     <p:extLst>
       <p:ext uri="{BB962C8B-B14F-4D97-AF65-F5344CB8AC3E}">
         <p14:creationId xmlns:p14="http://schemas.microsoft.com/office/powerpoint/2010/main" val="453210239"/>
-      </p:ext>
-    </p:extLst>
-  </p:cSld>
-  <p:clrMapOvr>
-    <a:masterClrMapping/>
-  </p:clrMapOvr>
-</p:sld>
-</file>
-
-<file path=ppt/slides/slide20.xml><?xml version="1.0" encoding="utf-8"?>
-<p:sld xmlns:a="http://schemas.openxmlformats.org/drawingml/2006/main" xmlns:r="http://schemas.openxmlformats.org/officeDocument/2006/relationships" xmlns:p="http://schemas.openxmlformats.org/presentationml/2006/main">
-  <p:cSld>
-    <p:spTree>
-      <p:nvGrpSpPr>
-        <p:cNvPr id="1" name=""/>
-        <p:cNvGrpSpPr/>
-        <p:nvPr/>
-      </p:nvGrpSpPr>
-      <p:grpSpPr>
-        <a:xfrm>
-          <a:off x="0" y="0"/>
-          <a:ext cx="0" cy="0"/>
-          <a:chOff x="0" y="0"/>
-          <a:chExt cx="0" cy="0"/>
-        </a:xfrm>
-      </p:grpSpPr>
-      <p:sp>
-        <p:nvSpPr>
-          <p:cNvPr id="2" name="제목 1"/>
-          <p:cNvSpPr>
-            <a:spLocks noGrp="1"/>
-          </p:cNvSpPr>
-          <p:nvPr>
-            <p:ph type="title"/>
-          </p:nvPr>
-        </p:nvSpPr>
-        <p:spPr/>
-        <p:txBody>
-          <a:bodyPr/>
-          <a:lstStyle/>
-          <a:p>
-            <a:endParaRPr lang="ko-KR" altLang="en-US"/>
-          </a:p>
-        </p:txBody>
-      </p:sp>
-      <p:sp>
-        <p:nvSpPr>
-          <p:cNvPr id="3" name="내용 개체 틀 2"/>
-          <p:cNvSpPr>
-            <a:spLocks noGrp="1"/>
-          </p:cNvSpPr>
-          <p:nvPr>
-            <p:ph idx="1"/>
-          </p:nvPr>
-        </p:nvSpPr>
-        <p:spPr/>
-        <p:txBody>
-          <a:bodyPr/>
-          <a:lstStyle/>
-          <a:p>
-            <a:endParaRPr lang="ko-KR" altLang="en-US"/>
-          </a:p>
-        </p:txBody>
-      </p:sp>
-    </p:spTree>
-    <p:extLst>
-      <p:ext uri="{BB962C8B-B14F-4D97-AF65-F5344CB8AC3E}">
-        <p14:creationId xmlns:p14="http://schemas.microsoft.com/office/powerpoint/2010/main" val="3841787676"/>
       </p:ext>
     </p:extLst>
   </p:cSld>
@@ -6560,7 +6051,12 @@
             <p:ph idx="1"/>
           </p:nvPr>
         </p:nvSpPr>
-        <p:spPr/>
+        <p:spPr>
+          <a:xfrm>
+            <a:off x="838200" y="1825624"/>
+            <a:ext cx="10515600" cy="5032375"/>
+          </a:xfrm>
+        </p:spPr>
         <p:txBody>
           <a:bodyPr>
             <a:normAutofit lnSpcReduction="10000"/>
@@ -6638,13 +6134,32 @@
                   <a:srgbClr val="FF0000"/>
                 </a:solidFill>
               </a:rPr>
-              <a:t>의 접두사도 되고 접미사도 되는 문자열의 최대 길이</a:t>
-            </a:r>
-            <a:endParaRPr lang="en-US" altLang="ko-KR" b="1" dirty="0" smtClean="0">
-              <a:solidFill>
-                <a:srgbClr val="FF0000"/>
-              </a:solidFill>
-            </a:endParaRPr>
+              <a:t>의 접두사도 되고 접미사도 되는 문자열의 최대 길이 </a:t>
+            </a:r>
+            <a:r>
+              <a:rPr lang="en-US" altLang="ko-KR" b="1" dirty="0" smtClean="0">
+                <a:solidFill>
+                  <a:srgbClr val="FF0000"/>
+                </a:solidFill>
+              </a:rPr>
+              <a:t>(</a:t>
+            </a:r>
+            <a:r>
+              <a:rPr lang="ko-KR" altLang="en-US" b="1" dirty="0" smtClean="0">
+                <a:solidFill>
+                  <a:srgbClr val="FF0000"/>
+                </a:solidFill>
+              </a:rPr>
+              <a:t>단 자기자신은 제외</a:t>
+            </a:r>
+            <a:r>
+              <a:rPr lang="en-US" altLang="ko-KR" b="1" dirty="0" smtClean="0">
+                <a:solidFill>
+                  <a:srgbClr val="FF0000"/>
+                </a:solidFill>
+              </a:rPr>
+              <a:t>)</a:t>
+            </a:r>
           </a:p>
           <a:p>
             <a:endParaRPr lang="en-US" altLang="ko-KR" dirty="0"/>
@@ -6685,11 +6200,23 @@
           <a:p>
             <a:r>
               <a:rPr lang="ko-KR" altLang="en-US" dirty="0" smtClean="0"/>
-              <a:t>표 </a:t>
-            </a:r>
-            <a:r>
-              <a:rPr lang="en-US" altLang="ko-KR" dirty="0" smtClean="0"/>
-              <a:t>20.1</a:t>
+              <a:t>여기서 부분 일치 테이블을 얻는 함수를 </a:t>
+            </a:r>
+            <a:r>
+              <a:rPr lang="en-US" altLang="ko-KR" dirty="0" smtClean="0"/>
+              <a:t>“</a:t>
+            </a:r>
+            <a:r>
+              <a:rPr lang="ko-KR" altLang="en-US" dirty="0" err="1" smtClean="0"/>
+              <a:t>실패함수</a:t>
+            </a:r>
+            <a:r>
+              <a:rPr lang="en-US" altLang="ko-KR" dirty="0" smtClean="0"/>
+              <a:t>(Failure Function)”</a:t>
+            </a:r>
+            <a:r>
+              <a:rPr lang="ko-KR" altLang="en-US" dirty="0" smtClean="0"/>
+              <a:t>라고도 함</a:t>
             </a:r>
             <a:endParaRPr lang="ko-KR" altLang="en-US" dirty="0"/>
           </a:p>
@@ -6814,6 +6341,23 @@
               <a:rPr lang="en-US" altLang="ko-KR" dirty="0" smtClean="0"/>
               <a:t>”</a:t>
             </a:r>
+          </a:p>
+          <a:p>
+            <a:endParaRPr lang="en-US" altLang="ko-KR" dirty="0"/>
+          </a:p>
+          <a:p>
+            <a:r>
+              <a:rPr lang="en-US" altLang="ko-KR" dirty="0" smtClean="0"/>
+              <a:t>“</a:t>
+            </a:r>
+            <a:r>
+              <a:rPr lang="en-US" altLang="ko-KR" dirty="0" err="1" smtClean="0"/>
+              <a:t>bcabbcaabca</a:t>
+            </a:r>
+            <a:r>
+              <a:rPr lang="en-US" altLang="ko-KR" dirty="0" smtClean="0"/>
+              <a:t>”</a:t>
+            </a:r>
             <a:endParaRPr lang="ko-KR" altLang="en-US" dirty="0"/>
           </a:p>
         </p:txBody>
@@ -6898,63 +6442,60 @@
         </p:nvSpPr>
         <p:spPr>
           <a:xfrm>
-            <a:off x="838200" y="1825624"/>
-            <a:ext cx="10515600" cy="5032375"/>
+            <a:off x="609600" y="1354136"/>
+            <a:ext cx="10515600" cy="5761039"/>
           </a:xfrm>
         </p:spPr>
         <p:txBody>
-          <a:bodyPr>
-            <a:normAutofit fontScale="62500" lnSpcReduction="20000"/>
-          </a:bodyPr>
-          <a:lstStyle/>
-          <a:p>
-            <a:pPr marL="0" indent="0">
-              <a:buNone/>
-            </a:pPr>
+          <a:bodyPr/>
+          <a:lstStyle/>
+          <a:p>
             <a:r>
               <a:rPr lang="ko-KR" altLang="en-US" dirty="0" smtClean="0"/>
               <a:t>코드 </a:t>
             </a:r>
             <a:r>
               <a:rPr lang="en-US" altLang="ko-KR" dirty="0" smtClean="0"/>
-              <a:t>20.2</a:t>
+              <a:t>20.7</a:t>
             </a:r>
           </a:p>
           <a:p>
             <a:endParaRPr lang="en-US" altLang="ko-KR" dirty="0"/>
           </a:p>
           <a:p>
-            <a:r>
-              <a:rPr lang="en-US" altLang="ko-KR" dirty="0" smtClean="0"/>
-              <a:t>Q. vector&lt;</a:t>
+            <a:endParaRPr lang="en-US" altLang="ko-KR" dirty="0" smtClean="0"/>
+          </a:p>
+          <a:p>
+            <a:endParaRPr lang="en-US" altLang="ko-KR" dirty="0"/>
+          </a:p>
+          <a:p>
+            <a:r>
+              <a:rPr lang="en-US" altLang="ko-KR" dirty="0" smtClean="0"/>
+              <a:t>H ="</a:t>
             </a:r>
             <a:r>
               <a:rPr lang="en-US" altLang="ko-KR" dirty="0" err="1" smtClean="0"/>
-              <a:t>int</a:t>
-            </a:r>
-            <a:r>
-              <a:rPr lang="en-US" altLang="ko-KR" dirty="0" smtClean="0"/>
-              <a:t>&gt; pi = </a:t>
+              <a:t>abc</a:t>
+            </a:r>
+            <a:r>
+              <a:rPr lang="en-US" altLang="ko-KR" dirty="0" smtClean="0"/>
+              <a:t> </a:t>
+            </a:r>
+            <a:r>
+              <a:rPr lang="en-US" altLang="ko-KR" dirty="0" err="1"/>
+              <a:t>abcdab</a:t>
+            </a:r>
+            <a:r>
+              <a:rPr lang="en-US" altLang="ko-KR" dirty="0"/>
+              <a:t> </a:t>
             </a:r>
             <a:r>
               <a:rPr lang="en-US" altLang="ko-KR" dirty="0" err="1" smtClean="0"/>
-              <a:t>getPartialMatch</a:t>
-            </a:r>
-            <a:r>
-              <a:rPr lang="en-US" altLang="ko-KR" dirty="0" smtClean="0"/>
-              <a:t>(N)</a:t>
-            </a:r>
-            <a:r>
-              <a:rPr lang="ko-KR" altLang="en-US" dirty="0"/>
-              <a:t> </a:t>
-            </a:r>
-            <a:r>
-              <a:rPr lang="ko-KR" altLang="en-US" dirty="0" smtClean="0"/>
-              <a:t>은 무엇을 하는 과정입니까</a:t>
-            </a:r>
-            <a:r>
-              <a:rPr lang="en-US" altLang="ko-KR" dirty="0" smtClean="0"/>
-              <a:t>?</a:t>
+              <a:t>abcdabcdabde</a:t>
+            </a:r>
+            <a:r>
+              <a:rPr lang="en-US" altLang="ko-KR" dirty="0" smtClean="0"/>
+              <a:t>”</a:t>
             </a:r>
           </a:p>
           <a:p>
@@ -6962,117 +6503,90 @@
           </a:p>
           <a:p>
             <a:r>
-              <a:rPr lang="en-US" altLang="ko-KR" dirty="0" smtClean="0"/>
-              <a:t>Q. begin &lt;= n – m</a:t>
-            </a:r>
-            <a:r>
-              <a:rPr lang="ko-KR" altLang="en-US" dirty="0" smtClean="0"/>
-              <a:t>의 조건은 왜 그렇죠</a:t>
-            </a:r>
-            <a:r>
-              <a:rPr lang="en-US" altLang="ko-KR" dirty="0" smtClean="0"/>
-              <a:t>?</a:t>
+              <a:rPr lang="en-US" altLang="ko-KR" dirty="0"/>
+              <a:t>N</a:t>
+            </a:r>
+            <a:r>
+              <a:rPr lang="en-US" altLang="ko-KR" dirty="0" smtClean="0"/>
+              <a:t> = </a:t>
+            </a:r>
+            <a:r>
+              <a:rPr lang="en-US" altLang="ko-KR" dirty="0"/>
+              <a:t>"</a:t>
+            </a:r>
+            <a:r>
+              <a:rPr lang="en-US" altLang="ko-KR" dirty="0" err="1" smtClean="0"/>
+              <a:t>abcdabd</a:t>
+            </a:r>
+            <a:r>
+              <a:rPr lang="en-US" altLang="ko-KR" dirty="0" smtClean="0"/>
+              <a:t>“</a:t>
             </a:r>
           </a:p>
           <a:p>
             <a:endParaRPr lang="en-US" altLang="ko-KR" dirty="0"/>
           </a:p>
           <a:p>
-            <a:r>
-              <a:rPr lang="en-US" altLang="ko-KR" dirty="0" smtClean="0"/>
-              <a:t>Q. if</a:t>
-            </a:r>
-            <a:r>
-              <a:rPr lang="ko-KR" altLang="en-US" dirty="0" smtClean="0"/>
-              <a:t>문을 해석합시다</a:t>
-            </a:r>
-            <a:r>
-              <a:rPr lang="en-US" altLang="ko-KR" dirty="0" smtClean="0"/>
-              <a:t>. </a:t>
-            </a:r>
-          </a:p>
-          <a:p>
-            <a:endParaRPr lang="en-US" altLang="ko-KR" dirty="0"/>
-          </a:p>
-          <a:p>
-            <a:r>
-              <a:rPr lang="en-US" altLang="ko-KR" dirty="0" smtClean="0"/>
-              <a:t>Q. matched == m </a:t>
-            </a:r>
-            <a:r>
-              <a:rPr lang="ko-KR" altLang="en-US" dirty="0" smtClean="0"/>
-              <a:t>이 되면 어떤 과정을 거치나요</a:t>
-            </a:r>
-            <a:r>
-              <a:rPr lang="en-US" altLang="ko-KR" dirty="0" smtClean="0"/>
-              <a:t>?</a:t>
-            </a:r>
-          </a:p>
-          <a:p>
-            <a:endParaRPr lang="en-US" altLang="ko-KR" dirty="0"/>
-          </a:p>
-          <a:p>
-            <a:r>
-              <a:rPr lang="en-US" altLang="ko-KR" dirty="0" smtClean="0"/>
-              <a:t>Q. begin += matched – pi[matched – 1]</a:t>
-            </a:r>
-            <a:r>
-              <a:rPr lang="ko-KR" altLang="en-US" dirty="0" smtClean="0"/>
-              <a:t>을 해석합시다</a:t>
+            <a:endParaRPr lang="en-US" altLang="ko-KR" dirty="0" smtClean="0"/>
+          </a:p>
+          <a:p>
+            <a:r>
+              <a:rPr lang="en-US" altLang="ko-KR" dirty="0" smtClean="0"/>
+              <a:t>Q. </a:t>
+            </a:r>
+            <a:r>
+              <a:rPr lang="en-US" altLang="ko-KR" dirty="0" err="1" smtClean="0"/>
+              <a:t>i</a:t>
+            </a:r>
+            <a:r>
+              <a:rPr lang="ko-KR" altLang="en-US" dirty="0" smtClean="0"/>
+              <a:t>의 값이 어떻게 변하는지 봅시다</a:t>
             </a:r>
             <a:r>
               <a:rPr lang="en-US" altLang="ko-KR" dirty="0" smtClean="0"/>
               <a:t>.</a:t>
             </a:r>
-          </a:p>
-          <a:p>
-            <a:endParaRPr lang="en-US" altLang="ko-KR" dirty="0"/>
-          </a:p>
-          <a:p>
-            <a:r>
-              <a:rPr lang="en-US" altLang="ko-KR" dirty="0" smtClean="0"/>
-              <a:t>Q. matched = pi[matched – 1]</a:t>
-            </a:r>
-            <a:r>
-              <a:rPr lang="ko-KR" altLang="en-US" dirty="0" smtClean="0"/>
-              <a:t>을 해석합시다</a:t>
-            </a:r>
-            <a:r>
-              <a:rPr lang="en-US" altLang="ko-KR" dirty="0" smtClean="0"/>
-              <a:t>.</a:t>
-            </a:r>
-          </a:p>
-          <a:p>
-            <a:endParaRPr lang="en-US" altLang="ko-KR" dirty="0"/>
-          </a:p>
-          <a:p>
-            <a:r>
-              <a:rPr lang="en-US" altLang="ko-KR" dirty="0" smtClean="0"/>
-              <a:t>Q. </a:t>
-            </a:r>
-            <a:r>
-              <a:rPr lang="ko-KR" altLang="en-US" dirty="0" smtClean="0"/>
-              <a:t>글자 </a:t>
-            </a:r>
-            <a:r>
-              <a:rPr lang="en-US" altLang="ko-KR" dirty="0" smtClean="0"/>
-              <a:t>H</a:t>
-            </a:r>
-            <a:r>
-              <a:rPr lang="ko-KR" altLang="en-US" dirty="0" smtClean="0"/>
-              <a:t>에 입장에서 진도가 나가는 부분은 어디인지 말해봅시다</a:t>
-            </a:r>
-            <a:r>
-              <a:rPr lang="en-US" altLang="ko-KR" dirty="0" smtClean="0"/>
-              <a:t>.</a:t>
-            </a:r>
-          </a:p>
-        </p:txBody>
-      </p:sp>
+            <a:br>
+              <a:rPr lang="en-US" altLang="ko-KR" dirty="0" smtClean="0"/>
+            </a:br>
+            <a:endParaRPr lang="ko-KR" altLang="en-US" dirty="0"/>
+          </a:p>
+        </p:txBody>
+      </p:sp>
+      <p:pic>
+        <p:nvPicPr>
+          <p:cNvPr id="5" name="내용 개체 틀 3"/>
+          <p:cNvPicPr>
+            <a:picLocks noChangeAspect="1"/>
+          </p:cNvPicPr>
+          <p:nvPr/>
+        </p:nvPicPr>
+        <p:blipFill>
+          <a:blip r:embed="rId2">
+            <a:extLst>
+              <a:ext uri="{28A0092B-C50C-407E-A947-70E740481C1C}">
+                <a14:useLocalDpi xmlns:a14="http://schemas.microsoft.com/office/drawing/2010/main" val="0"/>
+              </a:ext>
+            </a:extLst>
+          </a:blip>
+          <a:stretch>
+            <a:fillRect/>
+          </a:stretch>
+        </p:blipFill>
+        <p:spPr>
+          <a:xfrm>
+            <a:off x="6953249" y="1254124"/>
+            <a:ext cx="5033963" cy="5637513"/>
+          </a:xfrm>
+          <a:prstGeom prst="rect">
+            <a:avLst/>
+          </a:prstGeom>
+        </p:spPr>
+      </p:pic>
     </p:spTree>
     <p:extLst>
       <p:ext uri="{BB962C8B-B14F-4D97-AF65-F5344CB8AC3E}">
-        <p14:creationId xmlns:p14="http://schemas.microsoft.com/office/powerpoint/2010/main" val="1735989804"/>
+        <p14:creationId xmlns:p14="http://schemas.microsoft.com/office/powerpoint/2010/main" val="176547281"/>
       </p:ext>
     </p:extLst>
   </p:cSld>
